--- a/01. Introduction-to-ASP.NET-MVC/Introduction to ASP.NET MVC.pptx
+++ b/01. Introduction-to-ASP.NET-MVC/Introduction to ASP.NET MVC.pptx
@@ -5,10 +5,10 @@
     <p:sldMasterId id="2147483672" r:id="rId1"/>
   </p:sldMasterIdLst>
   <p:notesMasterIdLst>
-    <p:notesMasterId r:id="rId53"/>
+    <p:notesMasterId r:id="rId51"/>
   </p:notesMasterIdLst>
   <p:handoutMasterIdLst>
-    <p:handoutMasterId r:id="rId54"/>
+    <p:handoutMasterId r:id="rId52"/>
   </p:handoutMasterIdLst>
   <p:sldIdLst>
     <p:sldId id="338" r:id="rId2"/>
@@ -44,29 +44,27 @@
     <p:sldId id="365" r:id="rId32"/>
     <p:sldId id="339" r:id="rId33"/>
     <p:sldId id="345" r:id="rId34"/>
-    <p:sldId id="347" r:id="rId35"/>
-    <p:sldId id="346" r:id="rId36"/>
-    <p:sldId id="438" r:id="rId37"/>
-    <p:sldId id="439" r:id="rId38"/>
-    <p:sldId id="348" r:id="rId39"/>
-    <p:sldId id="369" r:id="rId40"/>
-    <p:sldId id="447" r:id="rId41"/>
-    <p:sldId id="372" r:id="rId42"/>
-    <p:sldId id="435" r:id="rId43"/>
-    <p:sldId id="383" r:id="rId44"/>
-    <p:sldId id="446" r:id="rId45"/>
-    <p:sldId id="437" r:id="rId46"/>
-    <p:sldId id="443" r:id="rId47"/>
-    <p:sldId id="445" r:id="rId48"/>
-    <p:sldId id="444" r:id="rId49"/>
-    <p:sldId id="370" r:id="rId50"/>
-    <p:sldId id="334" r:id="rId51"/>
-    <p:sldId id="403" r:id="rId52"/>
+    <p:sldId id="438" r:id="rId35"/>
+    <p:sldId id="439" r:id="rId36"/>
+    <p:sldId id="348" r:id="rId37"/>
+    <p:sldId id="369" r:id="rId38"/>
+    <p:sldId id="447" r:id="rId39"/>
+    <p:sldId id="372" r:id="rId40"/>
+    <p:sldId id="435" r:id="rId41"/>
+    <p:sldId id="383" r:id="rId42"/>
+    <p:sldId id="446" r:id="rId43"/>
+    <p:sldId id="437" r:id="rId44"/>
+    <p:sldId id="443" r:id="rId45"/>
+    <p:sldId id="445" r:id="rId46"/>
+    <p:sldId id="444" r:id="rId47"/>
+    <p:sldId id="370" r:id="rId48"/>
+    <p:sldId id="334" r:id="rId49"/>
+    <p:sldId id="403" r:id="rId50"/>
   </p:sldIdLst>
   <p:sldSz cx="9144000" cy="6858000" type="screen4x3"/>
   <p:notesSz cx="6881813" cy="9296400"/>
   <p:custDataLst>
-    <p:tags r:id="rId55"/>
+    <p:tags r:id="rId53"/>
   </p:custDataLst>
   <p:defaultTextStyle>
     <a:defPPr>
@@ -247,8 +245,6 @@
             <p14:sldId id="365"/>
             <p14:sldId id="339"/>
             <p14:sldId id="345"/>
-            <p14:sldId id="347"/>
-            <p14:sldId id="346"/>
             <p14:sldId id="438"/>
             <p14:sldId id="439"/>
             <p14:sldId id="348"/>
@@ -282,7 +278,7 @@
       </p14:sectionLst>
     </p:ext>
     <p:ext uri="{EFAFB233-063F-42B5-8137-9DF3F51BA10A}">
-      <p15:sldGuideLst xmlns="" xmlns:p15="http://schemas.microsoft.com/office/powerpoint/2012/main">
+      <p15:sldGuideLst xmlns:p15="http://schemas.microsoft.com/office/powerpoint/2012/main">
         <p15:guide id="1" orient="horz" pos="2160">
           <p15:clr>
             <a:srgbClr val="A4A3A4"/>
@@ -296,7 +292,7 @@
       </p15:sldGuideLst>
     </p:ext>
     <p:ext uri="{2D200454-40CA-4A62-9FC3-DE9A4176ACB9}">
-      <p15:notesGuideLst xmlns="" xmlns:p15="http://schemas.microsoft.com/office/powerpoint/2012/main">
+      <p15:notesGuideLst xmlns:p15="http://schemas.microsoft.com/office/powerpoint/2012/main">
         <p15:guide id="1" orient="horz" pos="2928">
           <p15:clr>
             <a:srgbClr val="A4A3A4"/>
@@ -428,7 +424,7 @@
             <a:fld id="{3BF7C7B5-275F-4D1F-9AB4-9255447DBC73}" type="datetimeFigureOut">
               <a:rPr lang="en-US"/>
               <a:pPr/>
-              <a:t>11/3/2014</a:t>
+              <a:t>1/30/2016</a:t>
             </a:fld>
             <a:endParaRPr lang="en-US" dirty="0"/>
           </a:p>
@@ -659,7 +655,7 @@
             <a:fld id="{9B46F231-FB2B-4655-A644-E2477325E686}" type="datetimeFigureOut">
               <a:rPr lang="en-US"/>
               <a:pPr/>
-              <a:t>11/3/2014</a:t>
+              <a:t>1/30/2016</a:t>
             </a:fld>
             <a:endParaRPr lang="en-US" dirty="0"/>
           </a:p>
@@ -1317,7 +1313,7 @@
             <a:fld id="{6FB4F6EA-423E-42DF-9292-215E7D886C4E}" type="slidenum">
               <a:rPr lang="en-US" smtClean="0"/>
               <a:pPr/>
-              <a:t>45</a:t>
+              <a:t>43</a:t>
             </a:fld>
             <a:endParaRPr lang="en-US" dirty="0"/>
           </a:p>
@@ -7928,47 +7924,6 @@
           </a:p>
         </p:txBody>
       </p:sp>
-      <p:pic>
-        <p:nvPicPr>
-          <p:cNvPr id="1026" name="Picture 2" descr="http://men.plovdivweek.com/js/ckfinder/userfiles/images/Bruklin2(2).jpg"/>
-          <p:cNvPicPr>
-            <a:picLocks noChangeAspect="1" noChangeArrowheads="1"/>
-          </p:cNvPicPr>
-          <p:nvPr/>
-        </p:nvPicPr>
-        <p:blipFill>
-          <a:blip r:embed="rId2" cstate="print">
-            <a:extLst>
-              <a:ext uri="{28A0092B-C50C-407E-A947-70E740481C1C}">
-                <a14:useLocalDpi xmlns:a14="http://schemas.microsoft.com/office/drawing/2010/main" val="0"/>
-              </a:ext>
-            </a:extLst>
-          </a:blip>
-          <a:srcRect/>
-          <a:stretch>
-            <a:fillRect/>
-          </a:stretch>
-        </p:blipFill>
-        <p:spPr bwMode="auto">
-          <a:xfrm>
-            <a:off x="7086601" y="1371600"/>
-            <a:ext cx="1543616" cy="2069653"/>
-          </a:xfrm>
-          <a:prstGeom prst="rect">
-            <a:avLst/>
-          </a:prstGeom>
-          <a:noFill/>
-          <a:extLst>
-            <a:ext uri="{909E8E84-426E-40DD-AFC4-6F175D3DCCD1}">
-              <a14:hiddenFill xmlns:a14="http://schemas.microsoft.com/office/drawing/2010/main">
-                <a:solidFill>
-                  <a:srgbClr val="FFFFFF"/>
-                </a:solidFill>
-              </a14:hiddenFill>
-            </a:ext>
-          </a:extLst>
-        </p:spPr>
-      </p:pic>
     </p:spTree>
     <p:extLst>
       <p:ext uri="{BB962C8B-B14F-4D97-AF65-F5344CB8AC3E}">
@@ -8136,42 +8091,8 @@
         </p:blipFill>
         <p:spPr>
           <a:xfrm>
-            <a:off x="746186" y="4038600"/>
-            <a:ext cx="3810000" cy="2371725"/>
-          </a:xfrm>
-          <a:prstGeom prst="rect">
-            <a:avLst/>
-          </a:prstGeom>
-          <a:ln>
-            <a:noFill/>
-          </a:ln>
-          <a:effectLst>
-            <a:outerShdw blurRad="190500" algn="tl" rotWithShape="0">
-              <a:srgbClr val="000000">
-                <a:alpha val="70000"/>
-              </a:srgbClr>
-            </a:outerShdw>
-          </a:effectLst>
-        </p:spPr>
-      </p:pic>
-      <p:pic>
-        <p:nvPicPr>
-          <p:cNvPr id="7" name="Picture 6"/>
-          <p:cNvPicPr>
-            <a:picLocks noChangeAspect="1"/>
-          </p:cNvPicPr>
-          <p:nvPr/>
-        </p:nvPicPr>
-        <p:blipFill>
-          <a:blip r:embed="rId3"/>
-          <a:stretch>
-            <a:fillRect/>
-          </a:stretch>
-        </p:blipFill>
-        <p:spPr>
-          <a:xfrm>
-            <a:off x="5241744" y="4038600"/>
-            <a:ext cx="2996724" cy="2367412"/>
+            <a:off x="2491036" y="3962400"/>
+            <a:ext cx="4161928" cy="2590800"/>
           </a:xfrm>
           <a:prstGeom prst="rect">
             <a:avLst/>
@@ -17456,8 +17377,8 @@
         </p:nvSpPr>
         <p:spPr>
           <a:xfrm>
-            <a:off x="228600" y="914400"/>
-            <a:ext cx="8839200" cy="5791200"/>
+            <a:off x="228600" y="762000"/>
+            <a:ext cx="8839200" cy="5943600"/>
           </a:xfrm>
         </p:spPr>
         <p:txBody>
@@ -17469,7 +17390,7 @@
                 <a:spcPts val="300"/>
               </a:spcBef>
               <a:spcAft>
-                <a:spcPts val="300"/>
+                <a:spcPts val="0"/>
               </a:spcAft>
             </a:pPr>
             <a:r>
@@ -17487,7 +17408,7 @@
                 <a:spcPts val="300"/>
               </a:spcBef>
               <a:spcAft>
-                <a:spcPts val="300"/>
+                <a:spcPts val="0"/>
               </a:spcAft>
             </a:pPr>
             <a:r>
@@ -17523,7 +17444,7 @@
                 <a:spcPts val="300"/>
               </a:spcBef>
               <a:spcAft>
-                <a:spcPts val="300"/>
+                <a:spcPts val="0"/>
               </a:spcAft>
             </a:pPr>
             <a:r>
@@ -17542,16 +17463,12 @@
                 <a:spcPts val="300"/>
               </a:spcBef>
               <a:spcAft>
-                <a:spcPts val="300"/>
+                <a:spcPts val="0"/>
               </a:spcAft>
             </a:pPr>
             <a:r>
               <a:rPr lang="en-US" dirty="0" smtClean="0"/>
-              <a:t>ASP.NET MVC </a:t>
-            </a:r>
-            <a:r>
-              <a:rPr lang="en-US" dirty="0" smtClean="0"/>
-              <a:t>2.0 (Areas, </a:t>
+              <a:t>ASP.NET MVC 2.0 (Areas, </a:t>
             </a:r>
             <a:r>
               <a:rPr lang="en-US" dirty="0" err="1" smtClean="0"/>
@@ -17561,7 +17478,6 @@
               <a:rPr lang="en-US" dirty="0" smtClean="0"/>
               <a:t>)</a:t>
             </a:r>
-            <a:endParaRPr lang="en-US" dirty="0" smtClean="0"/>
           </a:p>
           <a:p>
             <a:pPr lvl="1">
@@ -17569,7 +17485,7 @@
                 <a:spcPts val="300"/>
               </a:spcBef>
               <a:spcAft>
-                <a:spcPts val="300"/>
+                <a:spcPts val="0"/>
               </a:spcAft>
             </a:pPr>
             <a:r>
@@ -17591,20 +17507,12 @@
                 <a:spcPts val="300"/>
               </a:spcBef>
               <a:spcAft>
-                <a:spcPts val="300"/>
+                <a:spcPts val="0"/>
               </a:spcAft>
             </a:pPr>
             <a:r>
               <a:rPr lang="en-US" dirty="0" smtClean="0"/>
-              <a:t>ASP.NET MVC </a:t>
-            </a:r>
-            <a:r>
-              <a:rPr lang="en-US" dirty="0" smtClean="0"/>
-              <a:t>3.0 (Razor) </a:t>
-            </a:r>
-            <a:r>
-              <a:rPr lang="en-US" dirty="0" smtClean="0"/>
-              <a:t>– 13 </a:t>
+              <a:t>ASP.NET MVC 3.0 (Razor) – 13 </a:t>
             </a:r>
             <a:r>
               <a:rPr lang="en-US" dirty="0"/>
@@ -17621,24 +17529,12 @@
                 <a:spcPts val="300"/>
               </a:spcBef>
               <a:spcAft>
-                <a:spcPts val="300"/>
+                <a:spcPts val="0"/>
               </a:spcAft>
             </a:pPr>
             <a:r>
               <a:rPr lang="en-US" dirty="0" smtClean="0"/>
-              <a:t>ASP.NET MVC 4.0 </a:t>
-            </a:r>
-            <a:r>
-              <a:rPr lang="en-US" dirty="0" smtClean="0"/>
-              <a:t>(Web API) </a:t>
-            </a:r>
-            <a:r>
-              <a:rPr lang="en-US" dirty="0" smtClean="0"/>
-              <a:t>– </a:t>
-            </a:r>
-            <a:r>
-              <a:rPr lang="en-US" dirty="0" smtClean="0"/>
-              <a:t>15 August 2012</a:t>
+              <a:t>ASP.NET MVC 4.0 (Web API) – 15 August 2012</a:t>
             </a:r>
           </a:p>
           <a:p>
@@ -17647,16 +17543,12 @@
                 <a:spcPts val="300"/>
               </a:spcBef>
               <a:spcAft>
-                <a:spcPts val="300"/>
+                <a:spcPts val="0"/>
               </a:spcAft>
             </a:pPr>
             <a:r>
               <a:rPr lang="en-US" dirty="0" smtClean="0"/>
-              <a:t>ASP.NET MVC 5.0 </a:t>
-            </a:r>
-            <a:r>
-              <a:rPr lang="en-US" dirty="0" smtClean="0"/>
-              <a:t>(Identity) – </a:t>
+              <a:t>ASP.NET MVC 5.0 (Identity) – </a:t>
             </a:r>
             <a:r>
               <a:rPr lang="en-US" dirty="0"/>
@@ -17673,12 +17565,54 @@
                 <a:spcPts val="300"/>
               </a:spcBef>
               <a:spcAft>
-                <a:spcPts val="300"/>
+                <a:spcPts val="0"/>
               </a:spcAft>
             </a:pPr>
             <a:r>
+              <a:rPr lang="en-US" dirty="0"/>
+              <a:t>ASP.NET MVC </a:t>
+            </a:r>
+            <a:r>
               <a:rPr lang="en-US" dirty="0" smtClean="0"/>
-              <a:t>ASP.NET MVC 6.0 – soon enough</a:t>
+              <a:t>5.2.3 </a:t>
+            </a:r>
+            <a:r>
+              <a:rPr lang="en-US" dirty="0"/>
+              <a:t>–</a:t>
+            </a:r>
+            <a:r>
+              <a:rPr lang="en-US" dirty="0" smtClean="0"/>
+              <a:t> </a:t>
+            </a:r>
+            <a:r>
+              <a:rPr lang="en-US" dirty="0"/>
+              <a:t>9 February </a:t>
+            </a:r>
+            <a:r>
+              <a:rPr lang="en-US" dirty="0" smtClean="0"/>
+              <a:t>2015</a:t>
+            </a:r>
+          </a:p>
+          <a:p>
+            <a:pPr>
+              <a:spcBef>
+                <a:spcPts val="300"/>
+              </a:spcBef>
+              <a:spcAft>
+                <a:spcPts val="0"/>
+              </a:spcAft>
+            </a:pPr>
+            <a:r>
+              <a:rPr lang="en-US" dirty="0" smtClean="0"/>
+              <a:t>ASP.NET Core 1.0 </a:t>
+            </a:r>
+            <a:r>
+              <a:rPr lang="en-US" dirty="0" smtClean="0"/>
+              <a:t>– </a:t>
+            </a:r>
+            <a:r>
+              <a:rPr lang="en-US" dirty="0" smtClean="0"/>
+              <a:t>Some time in 2016</a:t>
             </a:r>
             <a:endParaRPr lang="en-US" dirty="0"/>
           </a:p>
@@ -18237,6 +18171,67 @@
                       </p:childTnLst>
                     </p:cTn>
                   </p:par>
+                  <p:par>
+                    <p:cTn id="42" fill="hold">
+                      <p:stCondLst>
+                        <p:cond delay="indefinite"/>
+                      </p:stCondLst>
+                      <p:childTnLst>
+                        <p:par>
+                          <p:cTn id="43" fill="hold">
+                            <p:stCondLst>
+                              <p:cond delay="0"/>
+                            </p:stCondLst>
+                            <p:childTnLst>
+                              <p:par>
+                                <p:cTn id="44" presetID="10" presetClass="entr" presetSubtype="0" fill="hold" grpId="0" nodeType="clickEffect">
+                                  <p:stCondLst>
+                                    <p:cond delay="0"/>
+                                  </p:stCondLst>
+                                  <p:childTnLst>
+                                    <p:set>
+                                      <p:cBhvr>
+                                        <p:cTn id="45" dur="1" fill="hold">
+                                          <p:stCondLst>
+                                            <p:cond delay="0"/>
+                                          </p:stCondLst>
+                                        </p:cTn>
+                                        <p:tgtEl>
+                                          <p:spTgt spid="3">
+                                            <p:txEl>
+                                              <p:pRg st="9" end="9"/>
+                                            </p:txEl>
+                                          </p:spTgt>
+                                        </p:tgtEl>
+                                        <p:attrNameLst>
+                                          <p:attrName>style.visibility</p:attrName>
+                                        </p:attrNameLst>
+                                      </p:cBhvr>
+                                      <p:to>
+                                        <p:strVal val="visible"/>
+                                      </p:to>
+                                    </p:set>
+                                    <p:animEffect transition="in" filter="fade">
+                                      <p:cBhvr>
+                                        <p:cTn id="46" dur="500"/>
+                                        <p:tgtEl>
+                                          <p:spTgt spid="3">
+                                            <p:txEl>
+                                              <p:pRg st="9" end="9"/>
+                                            </p:txEl>
+                                          </p:spTgt>
+                                        </p:tgtEl>
+                                      </p:cBhvr>
+                                    </p:animEffect>
+                                  </p:childTnLst>
+                                </p:cTn>
+                              </p:par>
+                            </p:childTnLst>
+                          </p:cTn>
+                        </p:par>
+                      </p:childTnLst>
+                    </p:cTn>
+                  </p:par>
                 </p:childTnLst>
               </p:cTn>
               <p:prevCondLst>
@@ -19640,28 +19635,7 @@
                   </a:outerShdw>
                 </a:effectLst>
               </a:rPr>
-              <a:t>/</a:t>
-            </a:r>
-            <a:r>
-              <a:rPr lang="en-US" sz="2800" b="1" dirty="0" smtClean="0">
-                <a:ln w="9525">
-                  <a:solidFill>
-                    <a:schemeClr val="bg1"/>
-                  </a:solidFill>
-                  <a:prstDash val="solid"/>
-                </a:ln>
-                <a:solidFill>
-                  <a:schemeClr val="tx1"/>
-                </a:solidFill>
-                <a:effectLst>
-                  <a:outerShdw blurRad="12700" dist="38100" dir="2700000" algn="tl" rotWithShape="0">
-                    <a:schemeClr val="bg1">
-                      <a:lumMod val="50000"/>
-                    </a:schemeClr>
-                  </a:outerShdw>
-                </a:effectLst>
-              </a:rPr>
-              <a:t>Users/Ivo/</a:t>
+              <a:t>/Users/Ivo/</a:t>
             </a:r>
             <a:endParaRPr lang="en-US" sz="3600" b="1" dirty="0">
               <a:ln w="9525">
@@ -22218,7 +22192,15 @@
             </a:pPr>
             <a:r>
               <a:rPr lang="en-US" dirty="0" smtClean="0"/>
-              <a:t>Tools that we need:</a:t>
+              <a:t>Tools that </a:t>
+            </a:r>
+            <a:r>
+              <a:rPr lang="en-US" dirty="0" smtClean="0"/>
+              <a:t>you need</a:t>
+            </a:r>
+            <a:r>
+              <a:rPr lang="en-US" dirty="0" smtClean="0"/>
+              <a:t>:</a:t>
             </a:r>
           </a:p>
           <a:p>
@@ -22232,8 +22214,13 @@
             </a:pPr>
             <a:r>
               <a:rPr lang="en-US" dirty="0" smtClean="0"/>
-              <a:t>IDE: Visual Studio 2013 (2012 is also OK)</a:t>
-            </a:r>
+              <a:t>IDE: Visual Studio </a:t>
+            </a:r>
+            <a:r>
+              <a:rPr lang="en-US" dirty="0" smtClean="0"/>
+              <a:t>2015 with Update 1</a:t>
+            </a:r>
+            <a:endParaRPr lang="en-US" dirty="0" smtClean="0"/>
           </a:p>
           <a:p>
             <a:pPr lvl="1">
@@ -22246,8 +22233,13 @@
             </a:pPr>
             <a:r>
               <a:rPr lang="en-US" dirty="0" smtClean="0"/>
-              <a:t>Framework: .NET Framework 4.5</a:t>
-            </a:r>
+              <a:t>Framework: .NET Framework </a:t>
+            </a:r>
+            <a:r>
+              <a:rPr lang="en-US" dirty="0" smtClean="0"/>
+              <a:t>4.6</a:t>
+            </a:r>
+            <a:endParaRPr lang="en-US" dirty="0" smtClean="0"/>
           </a:p>
           <a:p>
             <a:pPr lvl="1">
@@ -22260,8 +22252,21 @@
             </a:pPr>
             <a:r>
               <a:rPr lang="en-US" dirty="0" smtClean="0"/>
-              <a:t>Web server: IIS 8.5 (Express)</a:t>
-            </a:r>
+              <a:t>Web server: IIS </a:t>
+            </a:r>
+            <a:r>
+              <a:rPr lang="en-US" dirty="0" smtClean="0"/>
+              <a:t>Express</a:t>
+            </a:r>
+            <a:r>
+              <a:rPr lang="en-US" dirty="0"/>
+              <a:t> </a:t>
+            </a:r>
+            <a:r>
+              <a:rPr lang="en-US" dirty="0" smtClean="0"/>
+              <a:t>(included in VS)</a:t>
+            </a:r>
+            <a:endParaRPr lang="en-US" dirty="0" smtClean="0"/>
           </a:p>
           <a:p>
             <a:pPr lvl="1">
@@ -22296,7 +22301,11 @@
             </a:pPr>
             <a:r>
               <a:rPr lang="en-US" dirty="0" smtClean="0"/>
-              <a:t>Visual Studio installer will install everything we need</a:t>
+              <a:t>Visual Studio installer will install everything </a:t>
+            </a:r>
+            <a:r>
+              <a:rPr lang="en-US" dirty="0" smtClean="0"/>
+              <a:t>you need</a:t>
             </a:r>
             <a:endParaRPr lang="en-US" dirty="0" smtClean="0">
               <a:hlinkClick r:id="rId2"/>
@@ -22315,13 +22324,13 @@
               <a:rPr lang="en-US" dirty="0">
                 <a:hlinkClick r:id="rId3"/>
               </a:rPr>
-              <a:t>http://</a:t>
+              <a:t>https://</a:t>
             </a:r>
             <a:r>
               <a:rPr lang="en-US" dirty="0" smtClean="0">
                 <a:hlinkClick r:id="rId3"/>
               </a:rPr>
-              <a:t>www.microsoft.com/visualstudio/eng/2013-downloads</a:t>
+              <a:t>www.visualstudio.com/downloads/download-visual-studio-vs</a:t>
             </a:r>
             <a:endParaRPr lang="en-US" dirty="0" smtClean="0"/>
           </a:p>
@@ -22623,7 +22632,15 @@
           <a:p>
             <a:r>
               <a:rPr lang="en-US" dirty="0" smtClean="0"/>
-              <a:t>Visual Studio 2012: New Project</a:t>
+              <a:t>Visual Studio </a:t>
+            </a:r>
+            <a:r>
+              <a:rPr lang="en-US" dirty="0" smtClean="0"/>
+              <a:t>2015: </a:t>
+            </a:r>
+            <a:r>
+              <a:rPr lang="en-US" dirty="0" smtClean="0"/>
+              <a:t>New Project</a:t>
             </a:r>
             <a:endParaRPr lang="en-US" dirty="0"/>
           </a:p>
@@ -22653,676 +22670,6 @@
                 <a:defRPr/>
               </a:pPr>
               <a:t>34</a:t>
-            </a:fld>
-            <a:endParaRPr lang="en-US" dirty="0"/>
-          </a:p>
-        </p:txBody>
-      </p:sp>
-      <p:pic>
-        <p:nvPicPr>
-          <p:cNvPr id="6" name="Picture 5"/>
-          <p:cNvPicPr>
-            <a:picLocks noChangeAspect="1"/>
-          </p:cNvPicPr>
-          <p:nvPr/>
-        </p:nvPicPr>
-        <p:blipFill>
-          <a:blip r:embed="rId2"/>
-          <a:stretch>
-            <a:fillRect/>
-          </a:stretch>
-        </p:blipFill>
-        <p:spPr>
-          <a:xfrm>
-            <a:off x="1524000" y="906080"/>
-            <a:ext cx="6134100" cy="971550"/>
-          </a:xfrm>
-          <a:prstGeom prst="rect">
-            <a:avLst/>
-          </a:prstGeom>
-          <a:ln>
-            <a:noFill/>
-          </a:ln>
-          <a:effectLst>
-            <a:outerShdw blurRad="292100" dist="139700" dir="2700000" algn="tl" rotWithShape="0">
-              <a:srgbClr val="333333">
-                <a:alpha val="65000"/>
-              </a:srgbClr>
-            </a:outerShdw>
-          </a:effectLst>
-        </p:spPr>
-      </p:pic>
-      <p:pic>
-        <p:nvPicPr>
-          <p:cNvPr id="12" name="Picture 11"/>
-          <p:cNvPicPr>
-            <a:picLocks noChangeAspect="1"/>
-          </p:cNvPicPr>
-          <p:nvPr/>
-        </p:nvPicPr>
-        <p:blipFill>
-          <a:blip r:embed="rId3"/>
-          <a:stretch>
-            <a:fillRect/>
-          </a:stretch>
-        </p:blipFill>
-        <p:spPr>
-          <a:xfrm>
-            <a:off x="228600" y="1981200"/>
-            <a:ext cx="6294486" cy="3632471"/>
-          </a:xfrm>
-          <a:prstGeom prst="roundRect">
-            <a:avLst>
-              <a:gd name="adj" fmla="val 0"/>
-            </a:avLst>
-          </a:prstGeom>
-          <a:solidFill>
-            <a:srgbClr val="FFFFFF">
-              <a:shade val="85000"/>
-            </a:srgbClr>
-          </a:solidFill>
-          <a:ln>
-            <a:noFill/>
-          </a:ln>
-          <a:effectLst>
-            <a:reflection blurRad="12700" stA="38000" endPos="28000" dist="5000" dir="5400000" sy="-100000" algn="bl" rotWithShape="0"/>
-          </a:effectLst>
-        </p:spPr>
-      </p:pic>
-      <p:pic>
-        <p:nvPicPr>
-          <p:cNvPr id="9" name="Picture 8"/>
-          <p:cNvPicPr>
-            <a:picLocks noChangeAspect="1"/>
-          </p:cNvPicPr>
-          <p:nvPr/>
-        </p:nvPicPr>
-        <p:blipFill>
-          <a:blip r:embed="rId4"/>
-          <a:stretch>
-            <a:fillRect/>
-          </a:stretch>
-        </p:blipFill>
-        <p:spPr>
-          <a:xfrm>
-            <a:off x="4782566" y="2819400"/>
-            <a:ext cx="4132834" cy="3715871"/>
-          </a:xfrm>
-          <a:prstGeom prst="rect">
-            <a:avLst/>
-          </a:prstGeom>
-          <a:ln>
-            <a:noFill/>
-          </a:ln>
-          <a:effectLst>
-            <a:outerShdw blurRad="190500" algn="tl" rotWithShape="0">
-              <a:srgbClr val="000000">
-                <a:alpha val="70000"/>
-              </a:srgbClr>
-            </a:outerShdw>
-          </a:effectLst>
-        </p:spPr>
-      </p:pic>
-    </p:spTree>
-    <p:extLst>
-      <p:ext uri="{BB962C8B-B14F-4D97-AF65-F5344CB8AC3E}">
-        <p14:creationId xmlns:p14="http://schemas.microsoft.com/office/powerpoint/2010/main" val="1145494060"/>
-      </p:ext>
-    </p:extLst>
-  </p:cSld>
-  <p:clrMapOvr>
-    <a:masterClrMapping/>
-  </p:clrMapOvr>
-  <p:timing>
-    <p:tnLst>
-      <p:par>
-        <p:cTn id="1" dur="indefinite" restart="never" nodeType="tmRoot">
-          <p:childTnLst>
-            <p:seq concurrent="1" nextAc="seek">
-              <p:cTn id="2" dur="indefinite" nodeType="mainSeq">
-                <p:childTnLst>
-                  <p:par>
-                    <p:cTn id="3" fill="hold">
-                      <p:stCondLst>
-                        <p:cond delay="indefinite"/>
-                      </p:stCondLst>
-                      <p:childTnLst>
-                        <p:par>
-                          <p:cTn id="4" fill="hold">
-                            <p:stCondLst>
-                              <p:cond delay="0"/>
-                            </p:stCondLst>
-                            <p:childTnLst>
-                              <p:par>
-                                <p:cTn id="5" presetID="10" presetClass="entr" presetSubtype="0" fill="hold" nodeType="clickEffect">
-                                  <p:stCondLst>
-                                    <p:cond delay="0"/>
-                                  </p:stCondLst>
-                                  <p:childTnLst>
-                                    <p:set>
-                                      <p:cBhvr>
-                                        <p:cTn id="6" dur="1" fill="hold">
-                                          <p:stCondLst>
-                                            <p:cond delay="0"/>
-                                          </p:stCondLst>
-                                        </p:cTn>
-                                        <p:tgtEl>
-                                          <p:spTgt spid="6"/>
-                                        </p:tgtEl>
-                                        <p:attrNameLst>
-                                          <p:attrName>style.visibility</p:attrName>
-                                        </p:attrNameLst>
-                                      </p:cBhvr>
-                                      <p:to>
-                                        <p:strVal val="visible"/>
-                                      </p:to>
-                                    </p:set>
-                                    <p:animEffect transition="in" filter="fade">
-                                      <p:cBhvr>
-                                        <p:cTn id="7" dur="500"/>
-                                        <p:tgtEl>
-                                          <p:spTgt spid="6"/>
-                                        </p:tgtEl>
-                                      </p:cBhvr>
-                                    </p:animEffect>
-                                  </p:childTnLst>
-                                </p:cTn>
-                              </p:par>
-                            </p:childTnLst>
-                          </p:cTn>
-                        </p:par>
-                      </p:childTnLst>
-                    </p:cTn>
-                  </p:par>
-                  <p:par>
-                    <p:cTn id="8" fill="hold">
-                      <p:stCondLst>
-                        <p:cond delay="indefinite"/>
-                      </p:stCondLst>
-                      <p:childTnLst>
-                        <p:par>
-                          <p:cTn id="9" fill="hold">
-                            <p:stCondLst>
-                              <p:cond delay="0"/>
-                            </p:stCondLst>
-                            <p:childTnLst>
-                              <p:par>
-                                <p:cTn id="10" presetID="10" presetClass="entr" presetSubtype="0" fill="hold" nodeType="clickEffect">
-                                  <p:stCondLst>
-                                    <p:cond delay="0"/>
-                                  </p:stCondLst>
-                                  <p:childTnLst>
-                                    <p:set>
-                                      <p:cBhvr>
-                                        <p:cTn id="11" dur="1" fill="hold">
-                                          <p:stCondLst>
-                                            <p:cond delay="0"/>
-                                          </p:stCondLst>
-                                        </p:cTn>
-                                        <p:tgtEl>
-                                          <p:spTgt spid="12"/>
-                                        </p:tgtEl>
-                                        <p:attrNameLst>
-                                          <p:attrName>style.visibility</p:attrName>
-                                        </p:attrNameLst>
-                                      </p:cBhvr>
-                                      <p:to>
-                                        <p:strVal val="visible"/>
-                                      </p:to>
-                                    </p:set>
-                                    <p:animEffect transition="in" filter="fade">
-                                      <p:cBhvr>
-                                        <p:cTn id="12" dur="500"/>
-                                        <p:tgtEl>
-                                          <p:spTgt spid="12"/>
-                                        </p:tgtEl>
-                                      </p:cBhvr>
-                                    </p:animEffect>
-                                  </p:childTnLst>
-                                </p:cTn>
-                              </p:par>
-                            </p:childTnLst>
-                          </p:cTn>
-                        </p:par>
-                      </p:childTnLst>
-                    </p:cTn>
-                  </p:par>
-                  <p:par>
-                    <p:cTn id="13" fill="hold">
-                      <p:stCondLst>
-                        <p:cond delay="indefinite"/>
-                      </p:stCondLst>
-                      <p:childTnLst>
-                        <p:par>
-                          <p:cTn id="14" fill="hold">
-                            <p:stCondLst>
-                              <p:cond delay="0"/>
-                            </p:stCondLst>
-                            <p:childTnLst>
-                              <p:par>
-                                <p:cTn id="15" presetID="10" presetClass="entr" presetSubtype="0" fill="hold" nodeType="clickEffect">
-                                  <p:stCondLst>
-                                    <p:cond delay="0"/>
-                                  </p:stCondLst>
-                                  <p:childTnLst>
-                                    <p:set>
-                                      <p:cBhvr>
-                                        <p:cTn id="16" dur="1" fill="hold">
-                                          <p:stCondLst>
-                                            <p:cond delay="0"/>
-                                          </p:stCondLst>
-                                        </p:cTn>
-                                        <p:tgtEl>
-                                          <p:spTgt spid="9"/>
-                                        </p:tgtEl>
-                                        <p:attrNameLst>
-                                          <p:attrName>style.visibility</p:attrName>
-                                        </p:attrNameLst>
-                                      </p:cBhvr>
-                                      <p:to>
-                                        <p:strVal val="visible"/>
-                                      </p:to>
-                                    </p:set>
-                                    <p:animEffect transition="in" filter="fade">
-                                      <p:cBhvr>
-                                        <p:cTn id="17" dur="500"/>
-                                        <p:tgtEl>
-                                          <p:spTgt spid="9"/>
-                                        </p:tgtEl>
-                                      </p:cBhvr>
-                                    </p:animEffect>
-                                  </p:childTnLst>
-                                </p:cTn>
-                              </p:par>
-                            </p:childTnLst>
-                          </p:cTn>
-                        </p:par>
-                      </p:childTnLst>
-                    </p:cTn>
-                  </p:par>
-                </p:childTnLst>
-              </p:cTn>
-              <p:prevCondLst>
-                <p:cond evt="onPrev" delay="0">
-                  <p:tgtEl>
-                    <p:sldTgt/>
-                  </p:tgtEl>
-                </p:cond>
-              </p:prevCondLst>
-              <p:nextCondLst>
-                <p:cond evt="onNext" delay="0">
-                  <p:tgtEl>
-                    <p:sldTgt/>
-                  </p:tgtEl>
-                </p:cond>
-              </p:nextCondLst>
-            </p:seq>
-          </p:childTnLst>
-        </p:cTn>
-      </p:par>
-    </p:tnLst>
-  </p:timing>
-</p:sld>
-</file>
-
-<file path=ppt/slides/slide35.xml><?xml version="1.0" encoding="utf-8"?>
-<p:sld xmlns:a="http://schemas.openxmlformats.org/drawingml/2006/main" xmlns:r="http://schemas.openxmlformats.org/officeDocument/2006/relationships" xmlns:p="http://schemas.openxmlformats.org/presentationml/2006/main">
-  <p:cSld>
-    <p:spTree>
-      <p:nvGrpSpPr>
-        <p:cNvPr id="1" name=""/>
-        <p:cNvGrpSpPr/>
-        <p:nvPr/>
-      </p:nvGrpSpPr>
-      <p:grpSpPr>
-        <a:xfrm>
-          <a:off x="0" y="0"/>
-          <a:ext cx="0" cy="0"/>
-          <a:chOff x="0" y="0"/>
-          <a:chExt cx="0" cy="0"/>
-        </a:xfrm>
-      </p:grpSpPr>
-      <p:sp>
-        <p:nvSpPr>
-          <p:cNvPr id="2" name="Title 1"/>
-          <p:cNvSpPr>
-            <a:spLocks noGrp="1"/>
-          </p:cNvSpPr>
-          <p:nvPr>
-            <p:ph type="title"/>
-          </p:nvPr>
-        </p:nvSpPr>
-        <p:spPr/>
-        <p:txBody>
-          <a:bodyPr/>
-          <a:lstStyle/>
-          <a:p>
-            <a:r>
-              <a:rPr lang="en-US" dirty="0" smtClean="0"/>
-              <a:t>VS 2012: Default Layout</a:t>
-            </a:r>
-            <a:endParaRPr lang="en-US" dirty="0"/>
-          </a:p>
-        </p:txBody>
-      </p:sp>
-      <p:sp>
-        <p:nvSpPr>
-          <p:cNvPr id="4" name="Slide Number Placeholder 3"/>
-          <p:cNvSpPr>
-            <a:spLocks noGrp="1"/>
-          </p:cNvSpPr>
-          <p:nvPr>
-            <p:ph type="sldNum" sz="quarter" idx="10"/>
-          </p:nvPr>
-        </p:nvSpPr>
-        <p:spPr/>
-        <p:txBody>
-          <a:bodyPr/>
-          <a:lstStyle/>
-          <a:p>
-            <a:pPr>
-              <a:defRPr/>
-            </a:pPr>
-            <a:fld id="{58452FF4-89E3-4D1B-9927-2DBDC00E58D7}" type="slidenum">
-              <a:rPr lang="en-US" smtClean="0"/>
-              <a:pPr>
-                <a:defRPr/>
-              </a:pPr>
-              <a:t>35</a:t>
-            </a:fld>
-            <a:endParaRPr lang="en-US" dirty="0"/>
-          </a:p>
-        </p:txBody>
-      </p:sp>
-      <p:pic>
-        <p:nvPicPr>
-          <p:cNvPr id="6" name="Picture 5"/>
-          <p:cNvPicPr>
-            <a:picLocks noChangeAspect="1"/>
-          </p:cNvPicPr>
-          <p:nvPr/>
-        </p:nvPicPr>
-        <p:blipFill>
-          <a:blip r:embed="rId2"/>
-          <a:stretch>
-            <a:fillRect/>
-          </a:stretch>
-        </p:blipFill>
-        <p:spPr>
-          <a:xfrm>
-            <a:off x="304800" y="1066800"/>
-            <a:ext cx="7239000" cy="4343400"/>
-          </a:xfrm>
-          <a:prstGeom prst="roundRect">
-            <a:avLst>
-              <a:gd name="adj" fmla="val 0"/>
-            </a:avLst>
-          </a:prstGeom>
-          <a:solidFill>
-            <a:srgbClr val="FFFFFF">
-              <a:shade val="85000"/>
-            </a:srgbClr>
-          </a:solidFill>
-          <a:ln>
-            <a:noFill/>
-          </a:ln>
-          <a:effectLst>
-            <a:reflection blurRad="12700" stA="38000" endPos="28000" dist="5000" dir="5400000" sy="-100000" algn="bl" rotWithShape="0"/>
-          </a:effectLst>
-        </p:spPr>
-      </p:pic>
-      <p:pic>
-        <p:nvPicPr>
-          <p:cNvPr id="7" name="Picture 6"/>
-          <p:cNvPicPr>
-            <a:picLocks noChangeAspect="1"/>
-          </p:cNvPicPr>
-          <p:nvPr/>
-        </p:nvPicPr>
-        <p:blipFill>
-          <a:blip r:embed="rId3"/>
-          <a:stretch>
-            <a:fillRect/>
-          </a:stretch>
-        </p:blipFill>
-        <p:spPr>
-          <a:xfrm>
-            <a:off x="2514600" y="2895600"/>
-            <a:ext cx="6324600" cy="3579226"/>
-          </a:xfrm>
-          <a:prstGeom prst="rect">
-            <a:avLst/>
-          </a:prstGeom>
-          <a:ln>
-            <a:noFill/>
-          </a:ln>
-          <a:effectLst>
-            <a:outerShdw blurRad="190500" algn="tl" rotWithShape="0">
-              <a:srgbClr val="000000">
-                <a:alpha val="70000"/>
-              </a:srgbClr>
-            </a:outerShdw>
-          </a:effectLst>
-        </p:spPr>
-      </p:pic>
-    </p:spTree>
-    <p:extLst>
-      <p:ext uri="{BB962C8B-B14F-4D97-AF65-F5344CB8AC3E}">
-        <p14:creationId xmlns:p14="http://schemas.microsoft.com/office/powerpoint/2010/main" val="775213755"/>
-      </p:ext>
-    </p:extLst>
-  </p:cSld>
-  <p:clrMapOvr>
-    <a:masterClrMapping/>
-  </p:clrMapOvr>
-  <p:timing>
-    <p:tnLst>
-      <p:par>
-        <p:cTn id="1" dur="indefinite" restart="never" nodeType="tmRoot">
-          <p:childTnLst>
-            <p:seq concurrent="1" nextAc="seek">
-              <p:cTn id="2" dur="indefinite" nodeType="mainSeq">
-                <p:childTnLst>
-                  <p:par>
-                    <p:cTn id="3" fill="hold">
-                      <p:stCondLst>
-                        <p:cond delay="indefinite"/>
-                      </p:stCondLst>
-                      <p:childTnLst>
-                        <p:par>
-                          <p:cTn id="4" fill="hold">
-                            <p:stCondLst>
-                              <p:cond delay="0"/>
-                            </p:stCondLst>
-                            <p:childTnLst>
-                              <p:par>
-                                <p:cTn id="5" presetID="10" presetClass="entr" presetSubtype="0" fill="hold" nodeType="clickEffect">
-                                  <p:stCondLst>
-                                    <p:cond delay="0"/>
-                                  </p:stCondLst>
-                                  <p:childTnLst>
-                                    <p:set>
-                                      <p:cBhvr>
-                                        <p:cTn id="6" dur="1" fill="hold">
-                                          <p:stCondLst>
-                                            <p:cond delay="0"/>
-                                          </p:stCondLst>
-                                        </p:cTn>
-                                        <p:tgtEl>
-                                          <p:spTgt spid="6"/>
-                                        </p:tgtEl>
-                                        <p:attrNameLst>
-                                          <p:attrName>style.visibility</p:attrName>
-                                        </p:attrNameLst>
-                                      </p:cBhvr>
-                                      <p:to>
-                                        <p:strVal val="visible"/>
-                                      </p:to>
-                                    </p:set>
-                                    <p:animEffect transition="in" filter="fade">
-                                      <p:cBhvr>
-                                        <p:cTn id="7" dur="500"/>
-                                        <p:tgtEl>
-                                          <p:spTgt spid="6"/>
-                                        </p:tgtEl>
-                                      </p:cBhvr>
-                                    </p:animEffect>
-                                  </p:childTnLst>
-                                </p:cTn>
-                              </p:par>
-                            </p:childTnLst>
-                          </p:cTn>
-                        </p:par>
-                      </p:childTnLst>
-                    </p:cTn>
-                  </p:par>
-                  <p:par>
-                    <p:cTn id="8" fill="hold">
-                      <p:stCondLst>
-                        <p:cond delay="indefinite"/>
-                      </p:stCondLst>
-                      <p:childTnLst>
-                        <p:par>
-                          <p:cTn id="9" fill="hold">
-                            <p:stCondLst>
-                              <p:cond delay="0"/>
-                            </p:stCondLst>
-                            <p:childTnLst>
-                              <p:par>
-                                <p:cTn id="10" presetID="10" presetClass="entr" presetSubtype="0" fill="hold" nodeType="clickEffect">
-                                  <p:stCondLst>
-                                    <p:cond delay="0"/>
-                                  </p:stCondLst>
-                                  <p:childTnLst>
-                                    <p:set>
-                                      <p:cBhvr>
-                                        <p:cTn id="11" dur="1" fill="hold">
-                                          <p:stCondLst>
-                                            <p:cond delay="0"/>
-                                          </p:stCondLst>
-                                        </p:cTn>
-                                        <p:tgtEl>
-                                          <p:spTgt spid="7"/>
-                                        </p:tgtEl>
-                                        <p:attrNameLst>
-                                          <p:attrName>style.visibility</p:attrName>
-                                        </p:attrNameLst>
-                                      </p:cBhvr>
-                                      <p:to>
-                                        <p:strVal val="visible"/>
-                                      </p:to>
-                                    </p:set>
-                                    <p:animEffect transition="in" filter="fade">
-                                      <p:cBhvr>
-                                        <p:cTn id="12" dur="500"/>
-                                        <p:tgtEl>
-                                          <p:spTgt spid="7"/>
-                                        </p:tgtEl>
-                                      </p:cBhvr>
-                                    </p:animEffect>
-                                  </p:childTnLst>
-                                </p:cTn>
-                              </p:par>
-                            </p:childTnLst>
-                          </p:cTn>
-                        </p:par>
-                      </p:childTnLst>
-                    </p:cTn>
-                  </p:par>
-                </p:childTnLst>
-              </p:cTn>
-              <p:prevCondLst>
-                <p:cond evt="onPrev" delay="0">
-                  <p:tgtEl>
-                    <p:sldTgt/>
-                  </p:tgtEl>
-                </p:cond>
-              </p:prevCondLst>
-              <p:nextCondLst>
-                <p:cond evt="onNext" delay="0">
-                  <p:tgtEl>
-                    <p:sldTgt/>
-                  </p:tgtEl>
-                </p:cond>
-              </p:nextCondLst>
-            </p:seq>
-          </p:childTnLst>
-        </p:cTn>
-      </p:par>
-    </p:tnLst>
-  </p:timing>
-</p:sld>
-</file>
-
-<file path=ppt/slides/slide36.xml><?xml version="1.0" encoding="utf-8"?>
-<p:sld xmlns:a="http://schemas.openxmlformats.org/drawingml/2006/main" xmlns:r="http://schemas.openxmlformats.org/officeDocument/2006/relationships" xmlns:p="http://schemas.openxmlformats.org/presentationml/2006/main">
-  <p:cSld>
-    <p:spTree>
-      <p:nvGrpSpPr>
-        <p:cNvPr id="1" name=""/>
-        <p:cNvGrpSpPr/>
-        <p:nvPr/>
-      </p:nvGrpSpPr>
-      <p:grpSpPr>
-        <a:xfrm>
-          <a:off x="0" y="0"/>
-          <a:ext cx="0" cy="0"/>
-          <a:chOff x="0" y="0"/>
-          <a:chExt cx="0" cy="0"/>
-        </a:xfrm>
-      </p:grpSpPr>
-      <p:sp>
-        <p:nvSpPr>
-          <p:cNvPr id="2" name="Title 1"/>
-          <p:cNvSpPr>
-            <a:spLocks noGrp="1"/>
-          </p:cNvSpPr>
-          <p:nvPr>
-            <p:ph type="title"/>
-          </p:nvPr>
-        </p:nvSpPr>
-        <p:spPr>
-          <a:xfrm>
-            <a:off x="1828800" y="76200"/>
-            <a:ext cx="7239000" cy="838200"/>
-          </a:xfrm>
-        </p:spPr>
-        <p:txBody>
-          <a:bodyPr/>
-          <a:lstStyle/>
-          <a:p>
-            <a:r>
-              <a:rPr lang="en-US" dirty="0" smtClean="0"/>
-              <a:t>Visual Studio 2013: New Project</a:t>
-            </a:r>
-            <a:endParaRPr lang="en-US" dirty="0"/>
-          </a:p>
-        </p:txBody>
-      </p:sp>
-      <p:sp>
-        <p:nvSpPr>
-          <p:cNvPr id="4" name="Slide Number Placeholder 3"/>
-          <p:cNvSpPr>
-            <a:spLocks noGrp="1"/>
-          </p:cNvSpPr>
-          <p:nvPr>
-            <p:ph type="sldNum" sz="quarter" idx="10"/>
-          </p:nvPr>
-        </p:nvSpPr>
-        <p:spPr/>
-        <p:txBody>
-          <a:bodyPr/>
-          <a:lstStyle/>
-          <a:p>
-            <a:pPr>
-              <a:defRPr/>
-            </a:pPr>
-            <a:fld id="{58452FF4-89E3-4D1B-9927-2DBDC00E58D7}" type="slidenum">
-              <a:rPr lang="en-US" smtClean="0"/>
-              <a:pPr>
-                <a:defRPr/>
-              </a:pPr>
-              <a:t>36</a:t>
             </a:fld>
             <a:endParaRPr lang="en-US" dirty="0"/>
           </a:p>
@@ -23722,7 +23069,7 @@
 </p:sld>
 </file>
 
-<file path=ppt/slides/slide37.xml><?xml version="1.0" encoding="utf-8"?>
+<file path=ppt/slides/slide35.xml><?xml version="1.0" encoding="utf-8"?>
 <p:sld xmlns:a="http://schemas.openxmlformats.org/drawingml/2006/main" xmlns:r="http://schemas.openxmlformats.org/officeDocument/2006/relationships" xmlns:p="http://schemas.openxmlformats.org/presentationml/2006/main">
   <p:cSld>
     <p:spTree>
@@ -23756,7 +23103,15 @@
           <a:p>
             <a:r>
               <a:rPr lang="en-US" dirty="0" smtClean="0"/>
-              <a:t>VS 2013: Default Layout</a:t>
+              <a:t>VS </a:t>
+            </a:r>
+            <a:r>
+              <a:rPr lang="en-US" dirty="0" smtClean="0"/>
+              <a:t>2015: </a:t>
+            </a:r>
+            <a:r>
+              <a:rPr lang="en-US" dirty="0" smtClean="0"/>
+              <a:t>Default Layout</a:t>
             </a:r>
             <a:endParaRPr lang="en-US" dirty="0"/>
           </a:p>
@@ -23785,7 +23140,7 @@
               <a:pPr>
                 <a:defRPr/>
               </a:pPr>
-              <a:t>37</a:t>
+              <a:t>35</a:t>
             </a:fld>
             <a:endParaRPr lang="en-US" dirty="0"/>
           </a:p>
@@ -24098,7 +23453,7 @@
 </p:sld>
 </file>
 
-<file path=ppt/slides/slide38.xml><?xml version="1.0" encoding="utf-8"?>
+<file path=ppt/slides/slide36.xml><?xml version="1.0" encoding="utf-8"?>
 <p:sld xmlns:a="http://schemas.openxmlformats.org/drawingml/2006/main" xmlns:r="http://schemas.openxmlformats.org/officeDocument/2006/relationships" xmlns:p="http://schemas.openxmlformats.org/presentationml/2006/main">
   <p:cSld>
     <p:spTree>
@@ -24189,7 +23544,7 @@
               <a:pPr>
                 <a:defRPr/>
               </a:pPr>
-              <a:t>38</a:t>
+              <a:t>36</a:t>
             </a:fld>
             <a:endParaRPr lang="en-US" dirty="0"/>
           </a:p>
@@ -25801,7 +25156,7 @@
 </p:sld>
 </file>
 
-<file path=ppt/slides/slide39.xml><?xml version="1.0" encoding="utf-8"?>
+<file path=ppt/slides/slide37.xml><?xml version="1.0" encoding="utf-8"?>
 <p:sld xmlns:a="http://schemas.openxmlformats.org/drawingml/2006/main" xmlns:r="http://schemas.openxmlformats.org/officeDocument/2006/relationships" xmlns:p="http://schemas.openxmlformats.org/presentationml/2006/main">
   <p:cSld>
     <p:spTree>
@@ -25934,228 +25289,7 @@
 </p:sld>
 </file>
 
-<file path=ppt/slides/slide4.xml><?xml version="1.0" encoding="utf-8"?>
-<p:sld xmlns:a="http://schemas.openxmlformats.org/drawingml/2006/main" xmlns:r="http://schemas.openxmlformats.org/officeDocument/2006/relationships" xmlns:p="http://schemas.openxmlformats.org/presentationml/2006/main" showMasterPhAnim="0">
-  <p:cSld>
-    <p:spTree>
-      <p:nvGrpSpPr>
-        <p:cNvPr id="1" name=""/>
-        <p:cNvGrpSpPr/>
-        <p:nvPr/>
-      </p:nvGrpSpPr>
-      <p:grpSpPr>
-        <a:xfrm>
-          <a:off x="0" y="0"/>
-          <a:ext cx="0" cy="0"/>
-          <a:chOff x="0" y="0"/>
-          <a:chExt cx="0" cy="0"/>
-        </a:xfrm>
-      </p:grpSpPr>
-      <p:sp>
-        <p:nvSpPr>
-          <p:cNvPr id="473090" name="Rectangle 2"/>
-          <p:cNvSpPr>
-            <a:spLocks noGrp="1" noChangeArrowheads="1"/>
-          </p:cNvSpPr>
-          <p:nvPr>
-            <p:ph type="title"/>
-          </p:nvPr>
-        </p:nvSpPr>
-        <p:spPr/>
-        <p:txBody>
-          <a:bodyPr/>
-          <a:lstStyle/>
-          <a:p>
-            <a:r>
-              <a:rPr lang="en-US" sz="3600" dirty="0" smtClean="0"/>
-              <a:t>HTTP</a:t>
-            </a:r>
-            <a:endParaRPr lang="en-US" sz="3600" dirty="0"/>
-          </a:p>
-        </p:txBody>
-      </p:sp>
-      <p:sp>
-        <p:nvSpPr>
-          <p:cNvPr id="473091" name="Rectangle 3"/>
-          <p:cNvSpPr>
-            <a:spLocks noGrp="1" noChangeArrowheads="1"/>
-          </p:cNvSpPr>
-          <p:nvPr>
-            <p:ph idx="1"/>
-          </p:nvPr>
-        </p:nvSpPr>
-        <p:spPr/>
-        <p:txBody>
-          <a:bodyPr/>
-          <a:lstStyle/>
-          <a:p>
-            <a:pPr>
-              <a:lnSpc>
-                <a:spcPct val="100000"/>
-              </a:lnSpc>
-            </a:pPr>
-            <a:r>
-              <a:rPr lang="en-US" dirty="0">
-                <a:solidFill>
-                  <a:schemeClr val="accent5">
-                    <a:lumMod val="20000"/>
-                    <a:lumOff val="80000"/>
-                  </a:schemeClr>
-                </a:solidFill>
-              </a:rPr>
-              <a:t>Hyper Text Transfer Protocol (HTTP)</a:t>
-            </a:r>
-          </a:p>
-          <a:p>
-            <a:pPr lvl="1">
-              <a:lnSpc>
-                <a:spcPct val="100000"/>
-              </a:lnSpc>
-            </a:pPr>
-            <a:r>
-              <a:rPr lang="en-US" dirty="0"/>
-              <a:t>Client-server protocol for transferring Web </a:t>
-            </a:r>
-            <a:r>
-              <a:rPr lang="en-US" dirty="0" smtClean="0"/>
-              <a:t>resources (HTML files, images, styles, etc.)</a:t>
-            </a:r>
-            <a:endParaRPr lang="en-US" dirty="0"/>
-          </a:p>
-          <a:p>
-            <a:pPr>
-              <a:lnSpc>
-                <a:spcPct val="100000"/>
-              </a:lnSpc>
-            </a:pPr>
-            <a:r>
-              <a:rPr lang="en-US" dirty="0"/>
-              <a:t>Important properties of HTTP</a:t>
-            </a:r>
-          </a:p>
-          <a:p>
-            <a:pPr lvl="1">
-              <a:lnSpc>
-                <a:spcPct val="100000"/>
-              </a:lnSpc>
-            </a:pPr>
-            <a:r>
-              <a:rPr lang="en-US" dirty="0"/>
-              <a:t>Request-response </a:t>
-            </a:r>
-            <a:r>
-              <a:rPr lang="en-US" dirty="0" smtClean="0"/>
-              <a:t>model</a:t>
-            </a:r>
-            <a:endParaRPr lang="en-US" dirty="0"/>
-          </a:p>
-          <a:p>
-            <a:pPr lvl="1">
-              <a:lnSpc>
-                <a:spcPct val="100000"/>
-              </a:lnSpc>
-            </a:pPr>
-            <a:r>
-              <a:rPr lang="en-US" dirty="0"/>
-              <a:t>Text-based format</a:t>
-            </a:r>
-          </a:p>
-          <a:p>
-            <a:pPr lvl="1">
-              <a:lnSpc>
-                <a:spcPct val="100000"/>
-              </a:lnSpc>
-            </a:pPr>
-            <a:r>
-              <a:rPr lang="en-US" dirty="0" smtClean="0"/>
-              <a:t>Relies </a:t>
-            </a:r>
-            <a:r>
-              <a:rPr lang="en-US" dirty="0"/>
-              <a:t>on a </a:t>
-            </a:r>
-            <a:r>
-              <a:rPr lang="en-US" dirty="0" smtClean="0"/>
-              <a:t>unique resource URLs</a:t>
-            </a:r>
-            <a:endParaRPr lang="en-US" dirty="0"/>
-          </a:p>
-          <a:p>
-            <a:pPr lvl="1">
-              <a:lnSpc>
-                <a:spcPct val="100000"/>
-              </a:lnSpc>
-            </a:pPr>
-            <a:r>
-              <a:rPr lang="en-US" dirty="0" smtClean="0"/>
-              <a:t>Provides resource metadata (e.g. encoding)</a:t>
-            </a:r>
-            <a:endParaRPr lang="en-US" dirty="0"/>
-          </a:p>
-          <a:p>
-            <a:pPr lvl="1">
-              <a:lnSpc>
-                <a:spcPct val="100000"/>
-              </a:lnSpc>
-            </a:pPr>
-            <a:r>
-              <a:rPr lang="en-US" dirty="0" smtClean="0"/>
-              <a:t>Stateless (cookies can overcome this)</a:t>
-            </a:r>
-            <a:endParaRPr lang="en-US" dirty="0"/>
-          </a:p>
-        </p:txBody>
-      </p:sp>
-      <p:sp>
-        <p:nvSpPr>
-          <p:cNvPr id="4" name="Slide Number Placeholder 3"/>
-          <p:cNvSpPr>
-            <a:spLocks noGrp="1"/>
-          </p:cNvSpPr>
-          <p:nvPr>
-            <p:ph type="sldNum" sz="quarter" idx="10"/>
-          </p:nvPr>
-        </p:nvSpPr>
-        <p:spPr/>
-        <p:txBody>
-          <a:bodyPr/>
-          <a:lstStyle/>
-          <a:p>
-            <a:pPr>
-              <a:defRPr/>
-            </a:pPr>
-            <a:fld id="{58452FF4-89E3-4D1B-9927-2DBDC00E58D7}" type="slidenum">
-              <a:rPr lang="en-US" smtClean="0"/>
-              <a:pPr>
-                <a:defRPr/>
-              </a:pPr>
-              <a:t>4</a:t>
-            </a:fld>
-            <a:endParaRPr lang="en-US" dirty="0"/>
-          </a:p>
-        </p:txBody>
-      </p:sp>
-    </p:spTree>
-    <p:extLst>
-      <p:ext uri="{BB962C8B-B14F-4D97-AF65-F5344CB8AC3E}">
-        <p14:creationId xmlns:p14="http://schemas.microsoft.com/office/powerpoint/2010/main" val="2440486903"/>
-      </p:ext>
-    </p:extLst>
-  </p:cSld>
-  <p:clrMapOvr>
-    <a:masterClrMapping/>
-  </p:clrMapOvr>
-  <p:timing>
-    <p:tnLst>
-      <p:par>
-        <p:cTn id="1" dur="indefinite" restart="never" nodeType="tmRoot"/>
-      </p:par>
-    </p:tnLst>
-  </p:timing>
-</p:sld>
-</file>
-
-<file path=ppt/slides/slide40.xml><?xml version="1.0" encoding="utf-8"?>
+<file path=ppt/slides/slide38.xml><?xml version="1.0" encoding="utf-8"?>
 <p:sld xmlns:a="http://schemas.openxmlformats.org/drawingml/2006/main" xmlns:r="http://schemas.openxmlformats.org/officeDocument/2006/relationships" xmlns:p="http://schemas.openxmlformats.org/presentationml/2006/main">
   <p:cSld>
     <p:spTree>
@@ -26301,7 +25435,7 @@
 </p:sld>
 </file>
 
-<file path=ppt/slides/slide41.xml><?xml version="1.0" encoding="utf-8"?>
+<file path=ppt/slides/slide39.xml><?xml version="1.0" encoding="utf-8"?>
 <p:sld xmlns:a="http://schemas.openxmlformats.org/drawingml/2006/main" xmlns:r="http://schemas.openxmlformats.org/officeDocument/2006/relationships" xmlns:p="http://schemas.openxmlformats.org/presentationml/2006/main">
   <p:cSld>
     <p:spTree>
@@ -26450,7 +25584,7 @@
               <a:pPr>
                 <a:defRPr/>
               </a:pPr>
-              <a:t>41</a:t>
+              <a:t>39</a:t>
             </a:fld>
             <a:endParaRPr lang="en-US" dirty="0"/>
           </a:p>
@@ -26550,7 +25684,228 @@
 </p:sld>
 </file>
 
-<file path=ppt/slides/slide42.xml><?xml version="1.0" encoding="utf-8"?>
+<file path=ppt/slides/slide4.xml><?xml version="1.0" encoding="utf-8"?>
+<p:sld xmlns:a="http://schemas.openxmlformats.org/drawingml/2006/main" xmlns:r="http://schemas.openxmlformats.org/officeDocument/2006/relationships" xmlns:p="http://schemas.openxmlformats.org/presentationml/2006/main" showMasterPhAnim="0">
+  <p:cSld>
+    <p:spTree>
+      <p:nvGrpSpPr>
+        <p:cNvPr id="1" name=""/>
+        <p:cNvGrpSpPr/>
+        <p:nvPr/>
+      </p:nvGrpSpPr>
+      <p:grpSpPr>
+        <a:xfrm>
+          <a:off x="0" y="0"/>
+          <a:ext cx="0" cy="0"/>
+          <a:chOff x="0" y="0"/>
+          <a:chExt cx="0" cy="0"/>
+        </a:xfrm>
+      </p:grpSpPr>
+      <p:sp>
+        <p:nvSpPr>
+          <p:cNvPr id="473090" name="Rectangle 2"/>
+          <p:cNvSpPr>
+            <a:spLocks noGrp="1" noChangeArrowheads="1"/>
+          </p:cNvSpPr>
+          <p:nvPr>
+            <p:ph type="title"/>
+          </p:nvPr>
+        </p:nvSpPr>
+        <p:spPr/>
+        <p:txBody>
+          <a:bodyPr/>
+          <a:lstStyle/>
+          <a:p>
+            <a:r>
+              <a:rPr lang="en-US" sz="3600" dirty="0" smtClean="0"/>
+              <a:t>HTTP</a:t>
+            </a:r>
+            <a:endParaRPr lang="en-US" sz="3600" dirty="0"/>
+          </a:p>
+        </p:txBody>
+      </p:sp>
+      <p:sp>
+        <p:nvSpPr>
+          <p:cNvPr id="473091" name="Rectangle 3"/>
+          <p:cNvSpPr>
+            <a:spLocks noGrp="1" noChangeArrowheads="1"/>
+          </p:cNvSpPr>
+          <p:nvPr>
+            <p:ph idx="1"/>
+          </p:nvPr>
+        </p:nvSpPr>
+        <p:spPr/>
+        <p:txBody>
+          <a:bodyPr/>
+          <a:lstStyle/>
+          <a:p>
+            <a:pPr>
+              <a:lnSpc>
+                <a:spcPct val="100000"/>
+              </a:lnSpc>
+            </a:pPr>
+            <a:r>
+              <a:rPr lang="en-US" dirty="0">
+                <a:solidFill>
+                  <a:schemeClr val="accent5">
+                    <a:lumMod val="20000"/>
+                    <a:lumOff val="80000"/>
+                  </a:schemeClr>
+                </a:solidFill>
+              </a:rPr>
+              <a:t>Hyper Text Transfer Protocol (HTTP)</a:t>
+            </a:r>
+          </a:p>
+          <a:p>
+            <a:pPr lvl="1">
+              <a:lnSpc>
+                <a:spcPct val="100000"/>
+              </a:lnSpc>
+            </a:pPr>
+            <a:r>
+              <a:rPr lang="en-US" dirty="0"/>
+              <a:t>Client-server protocol for transferring Web </a:t>
+            </a:r>
+            <a:r>
+              <a:rPr lang="en-US" dirty="0" smtClean="0"/>
+              <a:t>resources (HTML files, images, styles, etc.)</a:t>
+            </a:r>
+            <a:endParaRPr lang="en-US" dirty="0"/>
+          </a:p>
+          <a:p>
+            <a:pPr>
+              <a:lnSpc>
+                <a:spcPct val="100000"/>
+              </a:lnSpc>
+            </a:pPr>
+            <a:r>
+              <a:rPr lang="en-US" dirty="0"/>
+              <a:t>Important properties of HTTP</a:t>
+            </a:r>
+          </a:p>
+          <a:p>
+            <a:pPr lvl="1">
+              <a:lnSpc>
+                <a:spcPct val="100000"/>
+              </a:lnSpc>
+            </a:pPr>
+            <a:r>
+              <a:rPr lang="en-US" dirty="0"/>
+              <a:t>Request-response </a:t>
+            </a:r>
+            <a:r>
+              <a:rPr lang="en-US" dirty="0" smtClean="0"/>
+              <a:t>model</a:t>
+            </a:r>
+            <a:endParaRPr lang="en-US" dirty="0"/>
+          </a:p>
+          <a:p>
+            <a:pPr lvl="1">
+              <a:lnSpc>
+                <a:spcPct val="100000"/>
+              </a:lnSpc>
+            </a:pPr>
+            <a:r>
+              <a:rPr lang="en-US" dirty="0"/>
+              <a:t>Text-based format</a:t>
+            </a:r>
+          </a:p>
+          <a:p>
+            <a:pPr lvl="1">
+              <a:lnSpc>
+                <a:spcPct val="100000"/>
+              </a:lnSpc>
+            </a:pPr>
+            <a:r>
+              <a:rPr lang="en-US" dirty="0" smtClean="0"/>
+              <a:t>Relies </a:t>
+            </a:r>
+            <a:r>
+              <a:rPr lang="en-US" dirty="0"/>
+              <a:t>on a </a:t>
+            </a:r>
+            <a:r>
+              <a:rPr lang="en-US" dirty="0" smtClean="0"/>
+              <a:t>unique resource URLs</a:t>
+            </a:r>
+            <a:endParaRPr lang="en-US" dirty="0"/>
+          </a:p>
+          <a:p>
+            <a:pPr lvl="1">
+              <a:lnSpc>
+                <a:spcPct val="100000"/>
+              </a:lnSpc>
+            </a:pPr>
+            <a:r>
+              <a:rPr lang="en-US" dirty="0" smtClean="0"/>
+              <a:t>Provides resource metadata (e.g. encoding)</a:t>
+            </a:r>
+            <a:endParaRPr lang="en-US" dirty="0"/>
+          </a:p>
+          <a:p>
+            <a:pPr lvl="1">
+              <a:lnSpc>
+                <a:spcPct val="100000"/>
+              </a:lnSpc>
+            </a:pPr>
+            <a:r>
+              <a:rPr lang="en-US" dirty="0" smtClean="0"/>
+              <a:t>Stateless (cookies can overcome this)</a:t>
+            </a:r>
+            <a:endParaRPr lang="en-US" dirty="0"/>
+          </a:p>
+        </p:txBody>
+      </p:sp>
+      <p:sp>
+        <p:nvSpPr>
+          <p:cNvPr id="4" name="Slide Number Placeholder 3"/>
+          <p:cNvSpPr>
+            <a:spLocks noGrp="1"/>
+          </p:cNvSpPr>
+          <p:nvPr>
+            <p:ph type="sldNum" sz="quarter" idx="10"/>
+          </p:nvPr>
+        </p:nvSpPr>
+        <p:spPr/>
+        <p:txBody>
+          <a:bodyPr/>
+          <a:lstStyle/>
+          <a:p>
+            <a:pPr>
+              <a:defRPr/>
+            </a:pPr>
+            <a:fld id="{58452FF4-89E3-4D1B-9927-2DBDC00E58D7}" type="slidenum">
+              <a:rPr lang="en-US" smtClean="0"/>
+              <a:pPr>
+                <a:defRPr/>
+              </a:pPr>
+              <a:t>4</a:t>
+            </a:fld>
+            <a:endParaRPr lang="en-US" dirty="0"/>
+          </a:p>
+        </p:txBody>
+      </p:sp>
+    </p:spTree>
+    <p:extLst>
+      <p:ext uri="{BB962C8B-B14F-4D97-AF65-F5344CB8AC3E}">
+        <p14:creationId xmlns:p14="http://schemas.microsoft.com/office/powerpoint/2010/main" val="2440486903"/>
+      </p:ext>
+    </p:extLst>
+  </p:cSld>
+  <p:clrMapOvr>
+    <a:masterClrMapping/>
+  </p:clrMapOvr>
+  <p:timing>
+    <p:tnLst>
+      <p:par>
+        <p:cTn id="1" dur="indefinite" restart="never" nodeType="tmRoot"/>
+      </p:par>
+    </p:tnLst>
+  </p:timing>
+</p:sld>
+</file>
+
+<file path=ppt/slides/slide40.xml><?xml version="1.0" encoding="utf-8"?>
 <p:sld xmlns:a="http://schemas.openxmlformats.org/drawingml/2006/main" xmlns:r="http://schemas.openxmlformats.org/officeDocument/2006/relationships" xmlns:p="http://schemas.openxmlformats.org/presentationml/2006/main">
   <p:cSld>
     <p:spTree>
@@ -26691,7 +26046,7 @@
               <a:pPr>
                 <a:defRPr/>
               </a:pPr>
-              <a:t>42</a:t>
+              <a:t>40</a:t>
             </a:fld>
             <a:endParaRPr lang="en-US" dirty="0"/>
           </a:p>
@@ -26741,7 +26096,7 @@
 </p:sld>
 </file>
 
-<file path=ppt/slides/slide43.xml><?xml version="1.0" encoding="utf-8"?>
+<file path=ppt/slides/slide41.xml><?xml version="1.0" encoding="utf-8"?>
 <p:sld xmlns:a="http://schemas.openxmlformats.org/drawingml/2006/main" xmlns:r="http://schemas.openxmlformats.org/officeDocument/2006/relationships" xmlns:p="http://schemas.openxmlformats.org/presentationml/2006/main">
   <p:cSld>
     <p:spTree>
@@ -26875,7 +26230,7 @@
 </p:sld>
 </file>
 
-<file path=ppt/slides/slide44.xml><?xml version="1.0" encoding="utf-8"?>
+<file path=ppt/slides/slide42.xml><?xml version="1.0" encoding="utf-8"?>
 <p:sld xmlns:a="http://schemas.openxmlformats.org/drawingml/2006/main" xmlns:r="http://schemas.openxmlformats.org/officeDocument/2006/relationships" xmlns:p="http://schemas.openxmlformats.org/presentationml/2006/main">
   <p:cSld>
     <p:spTree>
@@ -27093,7 +26448,7 @@
 </p:sld>
 </file>
 
-<file path=ppt/slides/slide45.xml><?xml version="1.0" encoding="utf-8"?>
+<file path=ppt/slides/slide43.xml><?xml version="1.0" encoding="utf-8"?>
 <p:sld xmlns:a="http://schemas.openxmlformats.org/drawingml/2006/main" xmlns:r="http://schemas.openxmlformats.org/officeDocument/2006/relationships" xmlns:p="http://schemas.openxmlformats.org/presentationml/2006/main">
   <p:cSld>
     <p:spTree>
@@ -27240,7 +26595,7 @@
               <a:pPr>
                 <a:defRPr/>
               </a:pPr>
-              <a:t>45</a:t>
+              <a:t>43</a:t>
             </a:fld>
             <a:endParaRPr lang="en-US" dirty="0"/>
           </a:p>
@@ -27290,7 +26645,7 @@
 </p:sld>
 </file>
 
-<file path=ppt/slides/slide46.xml><?xml version="1.0" encoding="utf-8"?>
+<file path=ppt/slides/slide44.xml><?xml version="1.0" encoding="utf-8"?>
 <p:sld xmlns:a="http://schemas.openxmlformats.org/drawingml/2006/main" xmlns:r="http://schemas.openxmlformats.org/officeDocument/2006/relationships" xmlns:p="http://schemas.openxmlformats.org/presentationml/2006/main">
   <p:cSld>
     <p:spTree>
@@ -27399,13 +26754,7 @@
               <a:rPr lang="en-US" dirty="0" smtClean="0">
                 <a:hlinkClick r:id="rId2"/>
               </a:rPr>
-              <a:t>http://</a:t>
-            </a:r>
-            <a:r>
-              <a:rPr lang="en-US" dirty="0" smtClean="0">
-                <a:hlinkClick r:id="rId2"/>
-              </a:rPr>
-              <a:t>localhost:port/Glimpse.axd</a:t>
+              <a:t>http://localhost:port/Glimpse.axd</a:t>
             </a:r>
             <a:endParaRPr lang="en-US" i="1" dirty="0" smtClean="0"/>
           </a:p>
@@ -27434,7 +26783,7 @@
               <a:pPr>
                 <a:defRPr/>
               </a:pPr>
-              <a:t>46</a:t>
+              <a:t>44</a:t>
             </a:fld>
             <a:endParaRPr lang="en-US" dirty="0"/>
           </a:p>
@@ -27510,7 +26859,7 @@
 </p:sld>
 </file>
 
-<file path=ppt/slides/slide47.xml><?xml version="1.0" encoding="utf-8"?>
+<file path=ppt/slides/slide45.xml><?xml version="1.0" encoding="utf-8"?>
 <p:sld xmlns:a="http://schemas.openxmlformats.org/drawingml/2006/main" xmlns:r="http://schemas.openxmlformats.org/officeDocument/2006/relationships" xmlns:p="http://schemas.openxmlformats.org/presentationml/2006/main">
   <p:cSld>
     <p:bg>
@@ -27642,7 +26991,7 @@
               <a:pPr>
                 <a:defRPr/>
               </a:pPr>
-              <a:t>47</a:t>
+              <a:t>45</a:t>
             </a:fld>
             <a:endParaRPr lang="en-US" dirty="0"/>
           </a:p>
@@ -27987,7 +27336,7 @@
 </p:sld>
 </file>
 
-<file path=ppt/slides/slide48.xml><?xml version="1.0" encoding="utf-8"?>
+<file path=ppt/slides/slide46.xml><?xml version="1.0" encoding="utf-8"?>
 <p:sld xmlns:a="http://schemas.openxmlformats.org/drawingml/2006/main" xmlns:r="http://schemas.openxmlformats.org/officeDocument/2006/relationships" xmlns:p="http://schemas.openxmlformats.org/presentationml/2006/main">
   <p:cSld>
     <p:spTree>
@@ -28093,7 +27442,7 @@
 </p:sld>
 </file>
 
-<file path=ppt/slides/slide49.xml><?xml version="1.0" encoding="utf-8"?>
+<file path=ppt/slides/slide47.xml><?xml version="1.0" encoding="utf-8"?>
 <p:sld xmlns:a="http://schemas.openxmlformats.org/drawingml/2006/main" xmlns:r="http://schemas.openxmlformats.org/officeDocument/2006/relationships" xmlns:p="http://schemas.openxmlformats.org/presentationml/2006/main">
   <p:cSld>
     <p:spTree>
@@ -28267,7 +27616,7 @@
               <a:pPr>
                 <a:defRPr/>
               </a:pPr>
-              <a:t>49</a:t>
+              <a:t>47</a:t>
             </a:fld>
             <a:endParaRPr lang="en-US" dirty="0"/>
           </a:p>
@@ -28277,6 +27626,595 @@
     <p:extLst>
       <p:ext uri="{BB962C8B-B14F-4D97-AF65-F5344CB8AC3E}">
         <p14:creationId xmlns:p14="http://schemas.microsoft.com/office/powerpoint/2010/main" val="1229180615"/>
+      </p:ext>
+    </p:extLst>
+  </p:cSld>
+  <p:clrMapOvr>
+    <a:masterClrMapping/>
+  </p:clrMapOvr>
+  <p:timing>
+    <p:tnLst>
+      <p:par>
+        <p:cTn id="1" dur="indefinite" restart="never" nodeType="tmRoot"/>
+      </p:par>
+    </p:tnLst>
+  </p:timing>
+</p:sld>
+</file>
+
+<file path=ppt/slides/slide48.xml><?xml version="1.0" encoding="utf-8"?>
+<p:sld xmlns:a="http://schemas.openxmlformats.org/drawingml/2006/main" xmlns:r="http://schemas.openxmlformats.org/officeDocument/2006/relationships" xmlns:p="http://schemas.openxmlformats.org/presentationml/2006/main">
+  <p:cSld>
+    <p:spTree>
+      <p:nvGrpSpPr>
+        <p:cNvPr id="1" name=""/>
+        <p:cNvGrpSpPr/>
+        <p:nvPr/>
+      </p:nvGrpSpPr>
+      <p:grpSpPr>
+        <a:xfrm>
+          <a:off x="0" y="0"/>
+          <a:ext cx="0" cy="0"/>
+          <a:chOff x="0" y="0"/>
+          <a:chExt cx="0" cy="0"/>
+        </a:xfrm>
+      </p:grpSpPr>
+      <p:sp>
+        <p:nvSpPr>
+          <p:cNvPr id="2" name="Title 1"/>
+          <p:cNvSpPr>
+            <a:spLocks noGrp="1"/>
+          </p:cNvSpPr>
+          <p:nvPr>
+            <p:ph type="title"/>
+          </p:nvPr>
+        </p:nvSpPr>
+        <p:spPr/>
+        <p:txBody>
+          <a:bodyPr/>
+          <a:lstStyle/>
+          <a:p>
+            <a:r>
+              <a:rPr lang="en-US" dirty="0"/>
+              <a:t>Introduction to ASP.NET </a:t>
+            </a:r>
+            <a:r>
+              <a:rPr lang="en-US" dirty="0" smtClean="0"/>
+              <a:t>MVC</a:t>
+            </a:r>
+            <a:endParaRPr lang="en-US" dirty="0"/>
+          </a:p>
+        </p:txBody>
+      </p:sp>
+      <p:sp>
+        <p:nvSpPr>
+          <p:cNvPr id="3" name="Text Placeholder 2"/>
+          <p:cNvSpPr>
+            <a:spLocks noGrp="1"/>
+          </p:cNvSpPr>
+          <p:nvPr>
+            <p:ph type="body" sz="quarter" idx="10"/>
+          </p:nvPr>
+        </p:nvSpPr>
+        <p:spPr>
+          <a:xfrm>
+            <a:off x="6115980" y="6400800"/>
+            <a:ext cx="2909707" cy="369332"/>
+          </a:xfrm>
+        </p:spPr>
+        <p:txBody>
+          <a:bodyPr/>
+          <a:lstStyle/>
+          <a:p>
+            <a:r>
+              <a:rPr lang="en-US" dirty="0">
+                <a:hlinkClick r:id="rId2"/>
+              </a:rPr>
+              <a:t>http</a:t>
+            </a:r>
+            <a:r>
+              <a:rPr lang="en-US" dirty="0" smtClean="0">
+                <a:hlinkClick r:id="rId2"/>
+              </a:rPr>
+              <a:t>://academy.telerik.com</a:t>
+            </a:r>
+            <a:endParaRPr lang="en-US" dirty="0"/>
+          </a:p>
+        </p:txBody>
+      </p:sp>
+    </p:spTree>
+    <p:extLst>
+      <p:ext uri="{BB962C8B-B14F-4D97-AF65-F5344CB8AC3E}">
+        <p14:creationId xmlns:p14="http://schemas.microsoft.com/office/powerpoint/2010/main" val="3133162700"/>
+      </p:ext>
+    </p:extLst>
+  </p:cSld>
+  <p:clrMapOvr>
+    <a:masterClrMapping/>
+  </p:clrMapOvr>
+  <p:timing>
+    <p:tnLst>
+      <p:par>
+        <p:cTn id="1" dur="indefinite" restart="never" nodeType="tmRoot"/>
+      </p:par>
+    </p:tnLst>
+  </p:timing>
+</p:sld>
+</file>
+
+<file path=ppt/slides/slide49.xml><?xml version="1.0" encoding="utf-8"?>
+<p:sld xmlns:a="http://schemas.openxmlformats.org/drawingml/2006/main" xmlns:r="http://schemas.openxmlformats.org/officeDocument/2006/relationships" xmlns:p="http://schemas.openxmlformats.org/presentationml/2006/main">
+  <p:cSld>
+    <p:spTree>
+      <p:nvGrpSpPr>
+        <p:cNvPr id="1" name=""/>
+        <p:cNvGrpSpPr/>
+        <p:nvPr/>
+      </p:nvGrpSpPr>
+      <p:grpSpPr>
+        <a:xfrm>
+          <a:off x="0" y="0"/>
+          <a:ext cx="0" cy="0"/>
+          <a:chOff x="0" y="0"/>
+          <a:chExt cx="0" cy="0"/>
+        </a:xfrm>
+      </p:grpSpPr>
+      <p:sp>
+        <p:nvSpPr>
+          <p:cNvPr id="3" name="Title 2"/>
+          <p:cNvSpPr>
+            <a:spLocks noGrp="1"/>
+          </p:cNvSpPr>
+          <p:nvPr>
+            <p:ph type="title"/>
+          </p:nvPr>
+        </p:nvSpPr>
+        <p:spPr/>
+        <p:txBody>
+          <a:bodyPr/>
+          <a:lstStyle/>
+          <a:p>
+            <a:r>
+              <a:rPr lang="en-US" sz="3600" dirty="0" smtClean="0"/>
+              <a:t>Free Trainings @ Telerik Academy</a:t>
+            </a:r>
+            <a:endParaRPr lang="en-US" sz="3600" dirty="0"/>
+          </a:p>
+        </p:txBody>
+      </p:sp>
+      <p:sp>
+        <p:nvSpPr>
+          <p:cNvPr id="4" name="Content Placeholder 3"/>
+          <p:cNvSpPr>
+            <a:spLocks noGrp="1"/>
+          </p:cNvSpPr>
+          <p:nvPr>
+            <p:ph idx="1"/>
+          </p:nvPr>
+        </p:nvSpPr>
+        <p:spPr>
+          <a:xfrm>
+            <a:off x="228600" y="1066800"/>
+            <a:ext cx="8686800" cy="5638800"/>
+          </a:xfrm>
+        </p:spPr>
+        <p:txBody>
+          <a:bodyPr/>
+          <a:lstStyle/>
+          <a:p>
+            <a:r>
+              <a:rPr lang="en-US" dirty="0" smtClean="0"/>
+              <a:t>“C# Programming @ Telerik Academy</a:t>
+            </a:r>
+          </a:p>
+          <a:p>
+            <a:pPr marL="574675" lvl="2" indent="-282575">
+              <a:buClr>
+                <a:schemeClr val="accent5">
+                  <a:lumMod val="40000"/>
+                  <a:lumOff val="60000"/>
+                </a:schemeClr>
+              </a:buClr>
+              <a:buSzPct val="70000"/>
+              <a:buFont typeface="Wingdings 2" pitchFamily="18" charset="2"/>
+              <a:buChar char=""/>
+              <a:tabLst>
+                <a:tab pos="282575" algn="l"/>
+              </a:tabLst>
+            </a:pPr>
+            <a:r>
+              <a:rPr lang="en-US" noProof="1">
+                <a:hlinkClick r:id="rId2"/>
+              </a:rPr>
+              <a:t>csharpfundamentals.telerik.com</a:t>
+            </a:r>
+            <a:endParaRPr lang="en-US" noProof="1"/>
+          </a:p>
+          <a:p>
+            <a:pPr marL="282575" lvl="1" indent="-282575">
+              <a:spcBef>
+                <a:spcPts val="1800"/>
+              </a:spcBef>
+              <a:buClr>
+                <a:schemeClr val="accent5">
+                  <a:lumMod val="40000"/>
+                  <a:lumOff val="60000"/>
+                </a:schemeClr>
+              </a:buClr>
+              <a:buSzPct val="70000"/>
+              <a:buFont typeface="Wingdings 2" pitchFamily="18" charset="2"/>
+              <a:buChar char=""/>
+              <a:tabLst>
+                <a:tab pos="282575" algn="l"/>
+              </a:tabLst>
+            </a:pPr>
+            <a:r>
+              <a:rPr lang="en-US" dirty="0" smtClean="0"/>
+              <a:t>Telerik Software Academy</a:t>
+            </a:r>
+          </a:p>
+          <a:p>
+            <a:pPr marL="574675" lvl="2" indent="-282575">
+              <a:buClr>
+                <a:schemeClr val="accent5">
+                  <a:lumMod val="40000"/>
+                  <a:lumOff val="60000"/>
+                </a:schemeClr>
+              </a:buClr>
+              <a:buSzPct val="70000"/>
+              <a:buFont typeface="Wingdings 2" pitchFamily="18" charset="2"/>
+              <a:buChar char=""/>
+              <a:tabLst>
+                <a:tab pos="282575" algn="l"/>
+              </a:tabLst>
+            </a:pPr>
+            <a:r>
+              <a:rPr lang="en-US" noProof="1" smtClean="0">
+                <a:hlinkClick r:id="rId3" tooltip="Telerik Software Academy - Free Programming Courses"/>
+              </a:rPr>
+              <a:t>academy.telerik.com</a:t>
+            </a:r>
+            <a:endParaRPr lang="en-US" noProof="1" smtClean="0"/>
+          </a:p>
+          <a:p>
+            <a:pPr marL="282575" lvl="1" indent="-282575">
+              <a:spcBef>
+                <a:spcPts val="1800"/>
+              </a:spcBef>
+              <a:buClr>
+                <a:schemeClr val="accent5">
+                  <a:lumMod val="40000"/>
+                  <a:lumOff val="60000"/>
+                </a:schemeClr>
+              </a:buClr>
+              <a:buSzPct val="70000"/>
+              <a:buFont typeface="Wingdings 2" pitchFamily="18" charset="2"/>
+              <a:buChar char=""/>
+              <a:tabLst>
+                <a:tab pos="282575" algn="l"/>
+              </a:tabLst>
+            </a:pPr>
+            <a:r>
+              <a:rPr lang="en-US" dirty="0" smtClean="0"/>
+              <a:t>Telerik Academy @ Facebook</a:t>
+            </a:r>
+          </a:p>
+          <a:p>
+            <a:pPr marL="574675" lvl="2" indent="-282575">
+              <a:buClr>
+                <a:schemeClr val="accent5">
+                  <a:lumMod val="40000"/>
+                  <a:lumOff val="60000"/>
+                </a:schemeClr>
+              </a:buClr>
+              <a:buSzPct val="70000"/>
+              <a:buFont typeface="Wingdings 2" pitchFamily="18" charset="2"/>
+              <a:buChar char=""/>
+              <a:tabLst>
+                <a:tab pos="282575" algn="l"/>
+              </a:tabLst>
+            </a:pPr>
+            <a:r>
+              <a:rPr lang="en-US" noProof="1" smtClean="0">
+                <a:hlinkClick r:id="rId4" tooltip="Telerik Softyware Academy @ Facebook"/>
+              </a:rPr>
+              <a:t>facebook.com/TelerikAcademy</a:t>
+            </a:r>
+            <a:endParaRPr lang="en-US" noProof="1" smtClean="0"/>
+          </a:p>
+          <a:p>
+            <a:pPr marL="282575" lvl="1" indent="-282575">
+              <a:spcBef>
+                <a:spcPts val="1800"/>
+              </a:spcBef>
+              <a:buClr>
+                <a:schemeClr val="accent5">
+                  <a:lumMod val="40000"/>
+                  <a:lumOff val="60000"/>
+                </a:schemeClr>
+              </a:buClr>
+              <a:buSzPct val="70000"/>
+              <a:buFont typeface="Wingdings 2" pitchFamily="18" charset="2"/>
+              <a:buChar char=""/>
+              <a:tabLst>
+                <a:tab pos="282575" algn="l"/>
+              </a:tabLst>
+            </a:pPr>
+            <a:r>
+              <a:rPr lang="en-US" dirty="0" smtClean="0"/>
+              <a:t>Telerik Software Academy Forums</a:t>
+            </a:r>
+          </a:p>
+          <a:p>
+            <a:pPr marL="574675" lvl="2" indent="-282575">
+              <a:buClr>
+                <a:schemeClr val="accent5">
+                  <a:lumMod val="40000"/>
+                  <a:lumOff val="60000"/>
+                </a:schemeClr>
+              </a:buClr>
+              <a:buSzPct val="70000"/>
+              <a:buFont typeface="Wingdings 2" pitchFamily="18" charset="2"/>
+              <a:buChar char=""/>
+              <a:tabLst>
+                <a:tab pos="282575" algn="l"/>
+              </a:tabLst>
+            </a:pPr>
+            <a:r>
+              <a:rPr lang="en-US" noProof="1" smtClean="0">
+                <a:hlinkClick r:id="rId5" tooltip="Telerik Software Academy Forums - Community for Programmers"/>
+              </a:rPr>
+              <a:t>forums.academy.telerik.com</a:t>
+            </a:r>
+            <a:endParaRPr lang="en-US" noProof="1"/>
+          </a:p>
+        </p:txBody>
+      </p:sp>
+      <p:pic>
+        <p:nvPicPr>
+          <p:cNvPr id="5" name="Picture 5">
+            <a:hlinkClick r:id="rId5" tooltip="Telerik Software Academy Forums - Discussion Board for Developers"/>
+          </p:cNvPr>
+          <p:cNvPicPr>
+            <a:picLocks noChangeAspect="1" noChangeArrowheads="1"/>
+          </p:cNvPicPr>
+          <p:nvPr/>
+        </p:nvPicPr>
+        <p:blipFill>
+          <a:blip r:embed="rId6">
+            <a:extLst>
+              <a:ext uri="{28A0092B-C50C-407E-A947-70E740481C1C}">
+                <a14:useLocalDpi xmlns:a14="http://schemas.microsoft.com/office/drawing/2010/main" val="0"/>
+              </a:ext>
+            </a:extLst>
+          </a:blip>
+          <a:srcRect/>
+          <a:stretch>
+            <a:fillRect/>
+          </a:stretch>
+        </p:blipFill>
+        <p:spPr bwMode="auto">
+          <a:xfrm>
+            <a:off x="7523898" y="5218092"/>
+            <a:ext cx="1162902" cy="1268619"/>
+          </a:xfrm>
+          <a:prstGeom prst="rect">
+            <a:avLst/>
+          </a:prstGeom>
+          <a:noFill/>
+          <a:ln>
+            <a:noFill/>
+          </a:ln>
+          <a:effectLst/>
+          <a:extLst>
+            <a:ext uri="{909E8E84-426E-40DD-AFC4-6F175D3DCCD1}">
+              <a14:hiddenFill xmlns:a14="http://schemas.microsoft.com/office/drawing/2010/main">
+                <a:solidFill>
+                  <a:schemeClr val="accent1"/>
+                </a:solidFill>
+              </a14:hiddenFill>
+            </a:ext>
+            <a:ext uri="{91240B29-F687-4F45-9708-019B960494DF}">
+              <a14:hiddenLine xmlns:a14="http://schemas.microsoft.com/office/drawing/2010/main" w="9525">
+                <a:solidFill>
+                  <a:schemeClr val="tx1"/>
+                </a:solidFill>
+                <a:miter lim="800000"/>
+                <a:headEnd/>
+                <a:tailEnd/>
+              </a14:hiddenLine>
+            </a:ext>
+            <a:ext uri="{AF507438-7753-43E0-B8FC-AC1667EBCBE1}">
+              <a14:hiddenEffects xmlns:a14="http://schemas.microsoft.com/office/drawing/2010/main">
+                <a:effectLst>
+                  <a:outerShdw dist="35921" dir="2700000" algn="ctr" rotWithShape="0">
+                    <a:schemeClr val="bg2"/>
+                  </a:outerShdw>
+                </a:effectLst>
+              </a14:hiddenEffects>
+            </a:ext>
+          </a:extLst>
+        </p:spPr>
+      </p:pic>
+      <p:pic>
+        <p:nvPicPr>
+          <p:cNvPr id="1028" name="Picture 4">
+            <a:hlinkClick r:id="rId3" tooltip="Telerik Software Academy"/>
+          </p:cNvPr>
+          <p:cNvPicPr>
+            <a:picLocks noChangeAspect="1" noChangeArrowheads="1"/>
+          </p:cNvPicPr>
+          <p:nvPr/>
+        </p:nvPicPr>
+        <p:blipFill>
+          <a:blip r:embed="rId7">
+            <a:extLst>
+              <a:ext uri="{28A0092B-C50C-407E-A947-70E740481C1C}">
+                <a14:useLocalDpi xmlns:a14="http://schemas.microsoft.com/office/drawing/2010/main" val="0"/>
+              </a:ext>
+            </a:extLst>
+          </a:blip>
+          <a:srcRect/>
+          <a:stretch>
+            <a:fillRect/>
+          </a:stretch>
+        </p:blipFill>
+        <p:spPr bwMode="auto">
+          <a:xfrm>
+            <a:off x="5548941" y="2667000"/>
+            <a:ext cx="3137859" cy="918234"/>
+          </a:xfrm>
+          <a:prstGeom prst="rect">
+            <a:avLst/>
+          </a:prstGeom>
+          <a:noFill/>
+          <a:ln>
+            <a:solidFill>
+              <a:srgbClr val="9BCC00"/>
+            </a:solidFill>
+          </a:ln>
+          <a:extLst>
+            <a:ext uri="{909E8E84-426E-40DD-AFC4-6F175D3DCCD1}">
+              <a14:hiddenFill xmlns:a14="http://schemas.microsoft.com/office/drawing/2010/main">
+                <a:solidFill>
+                  <a:srgbClr val="FFFFFF"/>
+                </a:solidFill>
+              </a14:hiddenFill>
+            </a:ext>
+          </a:extLst>
+        </p:spPr>
+      </p:pic>
+      <p:pic>
+        <p:nvPicPr>
+          <p:cNvPr id="1037" name="Picture 13">
+            <a:hlinkClick r:id="rId8" tooltip="Telerik Academy @ Facebook"/>
+          </p:cNvPr>
+          <p:cNvPicPr>
+            <a:picLocks noChangeAspect="1" noChangeArrowheads="1"/>
+          </p:cNvPicPr>
+          <p:nvPr/>
+        </p:nvPicPr>
+        <p:blipFill>
+          <a:blip r:embed="rId9">
+            <a:extLst>
+              <a:ext uri="{28A0092B-C50C-407E-A947-70E740481C1C}">
+                <a14:useLocalDpi xmlns:a14="http://schemas.microsoft.com/office/drawing/2010/main" val="0"/>
+              </a:ext>
+            </a:extLst>
+          </a:blip>
+          <a:srcRect/>
+          <a:stretch>
+            <a:fillRect/>
+          </a:stretch>
+        </p:blipFill>
+        <p:spPr bwMode="auto">
+          <a:xfrm>
+            <a:off x="7748587" y="4003901"/>
+            <a:ext cx="938213" cy="938213"/>
+          </a:xfrm>
+          <a:prstGeom prst="rect">
+            <a:avLst/>
+          </a:prstGeom>
+          <a:noFill/>
+          <a:ln>
+            <a:noFill/>
+          </a:ln>
+          <a:effectLst/>
+          <a:extLst>
+            <a:ext uri="{909E8E84-426E-40DD-AFC4-6F175D3DCCD1}">
+              <a14:hiddenFill xmlns:a14="http://schemas.microsoft.com/office/drawing/2010/main">
+                <a:solidFill>
+                  <a:schemeClr val="accent1"/>
+                </a:solidFill>
+              </a14:hiddenFill>
+            </a:ext>
+            <a:ext uri="{91240B29-F687-4F45-9708-019B960494DF}">
+              <a14:hiddenLine xmlns:a14="http://schemas.microsoft.com/office/drawing/2010/main" w="9525">
+                <a:solidFill>
+                  <a:schemeClr val="tx1"/>
+                </a:solidFill>
+                <a:miter lim="800000"/>
+                <a:headEnd/>
+                <a:tailEnd/>
+              </a14:hiddenLine>
+            </a:ext>
+            <a:ext uri="{AF507438-7753-43E0-B8FC-AC1667EBCBE1}">
+              <a14:hiddenEffects xmlns:a14="http://schemas.microsoft.com/office/drawing/2010/main">
+                <a:effectLst>
+                  <a:outerShdw dist="35921" dir="2700000" algn="ctr" rotWithShape="0">
+                    <a:schemeClr val="bg2"/>
+                  </a:outerShdw>
+                </a:effectLst>
+              </a14:hiddenEffects>
+            </a:ext>
+          </a:extLst>
+        </p:spPr>
+      </p:pic>
+      <p:pic>
+        <p:nvPicPr>
+          <p:cNvPr id="2" name="Picture 1">
+            <a:hlinkClick r:id="rId2"/>
+          </p:cNvPr>
+          <p:cNvPicPr>
+            <a:picLocks noChangeAspect="1"/>
+          </p:cNvPicPr>
+          <p:nvPr/>
+        </p:nvPicPr>
+        <p:blipFill>
+          <a:blip r:embed="rId10" cstate="print">
+            <a:extLst>
+              <a:ext uri="{28A0092B-C50C-407E-A947-70E740481C1C}">
+                <a14:useLocalDpi xmlns:a14="http://schemas.microsoft.com/office/drawing/2010/main" val="0"/>
+              </a:ext>
+            </a:extLst>
+          </a:blip>
+          <a:stretch>
+            <a:fillRect/>
+          </a:stretch>
+        </p:blipFill>
+        <p:spPr>
+          <a:xfrm>
+            <a:off x="7562025" y="1123558"/>
+            <a:ext cx="1124775" cy="1124775"/>
+          </a:xfrm>
+          <a:prstGeom prst="rect">
+            <a:avLst/>
+          </a:prstGeom>
+        </p:spPr>
+      </p:pic>
+      <p:sp>
+        <p:nvSpPr>
+          <p:cNvPr id="6" name="Slide Number Placeholder 5"/>
+          <p:cNvSpPr>
+            <a:spLocks noGrp="1"/>
+          </p:cNvSpPr>
+          <p:nvPr>
+            <p:ph type="sldNum" sz="quarter" idx="10"/>
+          </p:nvPr>
+        </p:nvSpPr>
+        <p:spPr/>
+        <p:txBody>
+          <a:bodyPr/>
+          <a:lstStyle/>
+          <a:p>
+            <a:pPr>
+              <a:defRPr/>
+            </a:pPr>
+            <a:fld id="{58452FF4-89E3-4D1B-9927-2DBDC00E58D7}" type="slidenum">
+              <a:rPr lang="en-US" smtClean="0"/>
+              <a:pPr>
+                <a:defRPr/>
+              </a:pPr>
+              <a:t>49</a:t>
+            </a:fld>
+            <a:endParaRPr lang="en-US" dirty="0"/>
+          </a:p>
+        </p:txBody>
+      </p:sp>
+    </p:spTree>
+    <p:extLst>
+      <p:ext uri="{BB962C8B-B14F-4D97-AF65-F5344CB8AC3E}">
+        <p14:creationId xmlns:p14="http://schemas.microsoft.com/office/powerpoint/2010/main" val="15045004"/>
       </p:ext>
     </p:extLst>
   </p:cSld>
@@ -29405,595 +29343,6 @@
       <p:transition spd="slow"/>
     </mc:Fallback>
   </mc:AlternateContent>
-  <p:timing>
-    <p:tnLst>
-      <p:par>
-        <p:cTn id="1" dur="indefinite" restart="never" nodeType="tmRoot"/>
-      </p:par>
-    </p:tnLst>
-  </p:timing>
-</p:sld>
-</file>
-
-<file path=ppt/slides/slide50.xml><?xml version="1.0" encoding="utf-8"?>
-<p:sld xmlns:a="http://schemas.openxmlformats.org/drawingml/2006/main" xmlns:r="http://schemas.openxmlformats.org/officeDocument/2006/relationships" xmlns:p="http://schemas.openxmlformats.org/presentationml/2006/main">
-  <p:cSld>
-    <p:spTree>
-      <p:nvGrpSpPr>
-        <p:cNvPr id="1" name=""/>
-        <p:cNvGrpSpPr/>
-        <p:nvPr/>
-      </p:nvGrpSpPr>
-      <p:grpSpPr>
-        <a:xfrm>
-          <a:off x="0" y="0"/>
-          <a:ext cx="0" cy="0"/>
-          <a:chOff x="0" y="0"/>
-          <a:chExt cx="0" cy="0"/>
-        </a:xfrm>
-      </p:grpSpPr>
-      <p:sp>
-        <p:nvSpPr>
-          <p:cNvPr id="2" name="Title 1"/>
-          <p:cNvSpPr>
-            <a:spLocks noGrp="1"/>
-          </p:cNvSpPr>
-          <p:nvPr>
-            <p:ph type="title"/>
-          </p:nvPr>
-        </p:nvSpPr>
-        <p:spPr/>
-        <p:txBody>
-          <a:bodyPr/>
-          <a:lstStyle/>
-          <a:p>
-            <a:r>
-              <a:rPr lang="en-US" dirty="0"/>
-              <a:t>Introduction to ASP.NET </a:t>
-            </a:r>
-            <a:r>
-              <a:rPr lang="en-US" dirty="0" smtClean="0"/>
-              <a:t>MVC</a:t>
-            </a:r>
-            <a:endParaRPr lang="en-US" dirty="0"/>
-          </a:p>
-        </p:txBody>
-      </p:sp>
-      <p:sp>
-        <p:nvSpPr>
-          <p:cNvPr id="3" name="Text Placeholder 2"/>
-          <p:cNvSpPr>
-            <a:spLocks noGrp="1"/>
-          </p:cNvSpPr>
-          <p:nvPr>
-            <p:ph type="body" sz="quarter" idx="10"/>
-          </p:nvPr>
-        </p:nvSpPr>
-        <p:spPr>
-          <a:xfrm>
-            <a:off x="6115980" y="6400800"/>
-            <a:ext cx="2909707" cy="369332"/>
-          </a:xfrm>
-        </p:spPr>
-        <p:txBody>
-          <a:bodyPr/>
-          <a:lstStyle/>
-          <a:p>
-            <a:r>
-              <a:rPr lang="en-US" dirty="0">
-                <a:hlinkClick r:id="rId2"/>
-              </a:rPr>
-              <a:t>http</a:t>
-            </a:r>
-            <a:r>
-              <a:rPr lang="en-US" dirty="0" smtClean="0">
-                <a:hlinkClick r:id="rId2"/>
-              </a:rPr>
-              <a:t>://academy.telerik.com</a:t>
-            </a:r>
-            <a:endParaRPr lang="en-US" dirty="0"/>
-          </a:p>
-        </p:txBody>
-      </p:sp>
-    </p:spTree>
-    <p:extLst>
-      <p:ext uri="{BB962C8B-B14F-4D97-AF65-F5344CB8AC3E}">
-        <p14:creationId xmlns:p14="http://schemas.microsoft.com/office/powerpoint/2010/main" val="3133162700"/>
-      </p:ext>
-    </p:extLst>
-  </p:cSld>
-  <p:clrMapOvr>
-    <a:masterClrMapping/>
-  </p:clrMapOvr>
-  <p:timing>
-    <p:tnLst>
-      <p:par>
-        <p:cTn id="1" dur="indefinite" restart="never" nodeType="tmRoot"/>
-      </p:par>
-    </p:tnLst>
-  </p:timing>
-</p:sld>
-</file>
-
-<file path=ppt/slides/slide51.xml><?xml version="1.0" encoding="utf-8"?>
-<p:sld xmlns:a="http://schemas.openxmlformats.org/drawingml/2006/main" xmlns:r="http://schemas.openxmlformats.org/officeDocument/2006/relationships" xmlns:p="http://schemas.openxmlformats.org/presentationml/2006/main">
-  <p:cSld>
-    <p:spTree>
-      <p:nvGrpSpPr>
-        <p:cNvPr id="1" name=""/>
-        <p:cNvGrpSpPr/>
-        <p:nvPr/>
-      </p:nvGrpSpPr>
-      <p:grpSpPr>
-        <a:xfrm>
-          <a:off x="0" y="0"/>
-          <a:ext cx="0" cy="0"/>
-          <a:chOff x="0" y="0"/>
-          <a:chExt cx="0" cy="0"/>
-        </a:xfrm>
-      </p:grpSpPr>
-      <p:sp>
-        <p:nvSpPr>
-          <p:cNvPr id="3" name="Title 2"/>
-          <p:cNvSpPr>
-            <a:spLocks noGrp="1"/>
-          </p:cNvSpPr>
-          <p:nvPr>
-            <p:ph type="title"/>
-          </p:nvPr>
-        </p:nvSpPr>
-        <p:spPr/>
-        <p:txBody>
-          <a:bodyPr/>
-          <a:lstStyle/>
-          <a:p>
-            <a:r>
-              <a:rPr lang="en-US" sz="3600" dirty="0" smtClean="0"/>
-              <a:t>Free Trainings @ Telerik Academy</a:t>
-            </a:r>
-            <a:endParaRPr lang="en-US" sz="3600" dirty="0"/>
-          </a:p>
-        </p:txBody>
-      </p:sp>
-      <p:sp>
-        <p:nvSpPr>
-          <p:cNvPr id="4" name="Content Placeholder 3"/>
-          <p:cNvSpPr>
-            <a:spLocks noGrp="1"/>
-          </p:cNvSpPr>
-          <p:nvPr>
-            <p:ph idx="1"/>
-          </p:nvPr>
-        </p:nvSpPr>
-        <p:spPr>
-          <a:xfrm>
-            <a:off x="228600" y="1066800"/>
-            <a:ext cx="8686800" cy="5638800"/>
-          </a:xfrm>
-        </p:spPr>
-        <p:txBody>
-          <a:bodyPr/>
-          <a:lstStyle/>
-          <a:p>
-            <a:r>
-              <a:rPr lang="en-US" dirty="0" smtClean="0"/>
-              <a:t>“C# Programming @ Telerik Academy</a:t>
-            </a:r>
-          </a:p>
-          <a:p>
-            <a:pPr marL="574675" lvl="2" indent="-282575">
-              <a:buClr>
-                <a:schemeClr val="accent5">
-                  <a:lumMod val="40000"/>
-                  <a:lumOff val="60000"/>
-                </a:schemeClr>
-              </a:buClr>
-              <a:buSzPct val="70000"/>
-              <a:buFont typeface="Wingdings 2" pitchFamily="18" charset="2"/>
-              <a:buChar char=""/>
-              <a:tabLst>
-                <a:tab pos="282575" algn="l"/>
-              </a:tabLst>
-            </a:pPr>
-            <a:r>
-              <a:rPr lang="en-US" noProof="1">
-                <a:hlinkClick r:id="rId2"/>
-              </a:rPr>
-              <a:t>csharpfundamentals.telerik.com</a:t>
-            </a:r>
-            <a:endParaRPr lang="en-US" noProof="1"/>
-          </a:p>
-          <a:p>
-            <a:pPr marL="282575" lvl="1" indent="-282575">
-              <a:spcBef>
-                <a:spcPts val="1800"/>
-              </a:spcBef>
-              <a:buClr>
-                <a:schemeClr val="accent5">
-                  <a:lumMod val="40000"/>
-                  <a:lumOff val="60000"/>
-                </a:schemeClr>
-              </a:buClr>
-              <a:buSzPct val="70000"/>
-              <a:buFont typeface="Wingdings 2" pitchFamily="18" charset="2"/>
-              <a:buChar char=""/>
-              <a:tabLst>
-                <a:tab pos="282575" algn="l"/>
-              </a:tabLst>
-            </a:pPr>
-            <a:r>
-              <a:rPr lang="en-US" dirty="0" smtClean="0"/>
-              <a:t>Telerik Software Academy</a:t>
-            </a:r>
-          </a:p>
-          <a:p>
-            <a:pPr marL="574675" lvl="2" indent="-282575">
-              <a:buClr>
-                <a:schemeClr val="accent5">
-                  <a:lumMod val="40000"/>
-                  <a:lumOff val="60000"/>
-                </a:schemeClr>
-              </a:buClr>
-              <a:buSzPct val="70000"/>
-              <a:buFont typeface="Wingdings 2" pitchFamily="18" charset="2"/>
-              <a:buChar char=""/>
-              <a:tabLst>
-                <a:tab pos="282575" algn="l"/>
-              </a:tabLst>
-            </a:pPr>
-            <a:r>
-              <a:rPr lang="en-US" noProof="1" smtClean="0">
-                <a:hlinkClick r:id="rId3" tooltip="Telerik Software Academy - Free Programming Courses"/>
-              </a:rPr>
-              <a:t>academy.telerik.com</a:t>
-            </a:r>
-            <a:endParaRPr lang="en-US" noProof="1" smtClean="0"/>
-          </a:p>
-          <a:p>
-            <a:pPr marL="282575" lvl="1" indent="-282575">
-              <a:spcBef>
-                <a:spcPts val="1800"/>
-              </a:spcBef>
-              <a:buClr>
-                <a:schemeClr val="accent5">
-                  <a:lumMod val="40000"/>
-                  <a:lumOff val="60000"/>
-                </a:schemeClr>
-              </a:buClr>
-              <a:buSzPct val="70000"/>
-              <a:buFont typeface="Wingdings 2" pitchFamily="18" charset="2"/>
-              <a:buChar char=""/>
-              <a:tabLst>
-                <a:tab pos="282575" algn="l"/>
-              </a:tabLst>
-            </a:pPr>
-            <a:r>
-              <a:rPr lang="en-US" dirty="0" smtClean="0"/>
-              <a:t>Telerik Academy @ Facebook</a:t>
-            </a:r>
-          </a:p>
-          <a:p>
-            <a:pPr marL="574675" lvl="2" indent="-282575">
-              <a:buClr>
-                <a:schemeClr val="accent5">
-                  <a:lumMod val="40000"/>
-                  <a:lumOff val="60000"/>
-                </a:schemeClr>
-              </a:buClr>
-              <a:buSzPct val="70000"/>
-              <a:buFont typeface="Wingdings 2" pitchFamily="18" charset="2"/>
-              <a:buChar char=""/>
-              <a:tabLst>
-                <a:tab pos="282575" algn="l"/>
-              </a:tabLst>
-            </a:pPr>
-            <a:r>
-              <a:rPr lang="en-US" noProof="1" smtClean="0">
-                <a:hlinkClick r:id="rId4" tooltip="Telerik Softyware Academy @ Facebook"/>
-              </a:rPr>
-              <a:t>facebook.com/TelerikAcademy</a:t>
-            </a:r>
-            <a:endParaRPr lang="en-US" noProof="1" smtClean="0"/>
-          </a:p>
-          <a:p>
-            <a:pPr marL="282575" lvl="1" indent="-282575">
-              <a:spcBef>
-                <a:spcPts val="1800"/>
-              </a:spcBef>
-              <a:buClr>
-                <a:schemeClr val="accent5">
-                  <a:lumMod val="40000"/>
-                  <a:lumOff val="60000"/>
-                </a:schemeClr>
-              </a:buClr>
-              <a:buSzPct val="70000"/>
-              <a:buFont typeface="Wingdings 2" pitchFamily="18" charset="2"/>
-              <a:buChar char=""/>
-              <a:tabLst>
-                <a:tab pos="282575" algn="l"/>
-              </a:tabLst>
-            </a:pPr>
-            <a:r>
-              <a:rPr lang="en-US" dirty="0" smtClean="0"/>
-              <a:t>Telerik Software Academy Forums</a:t>
-            </a:r>
-          </a:p>
-          <a:p>
-            <a:pPr marL="574675" lvl="2" indent="-282575">
-              <a:buClr>
-                <a:schemeClr val="accent5">
-                  <a:lumMod val="40000"/>
-                  <a:lumOff val="60000"/>
-                </a:schemeClr>
-              </a:buClr>
-              <a:buSzPct val="70000"/>
-              <a:buFont typeface="Wingdings 2" pitchFamily="18" charset="2"/>
-              <a:buChar char=""/>
-              <a:tabLst>
-                <a:tab pos="282575" algn="l"/>
-              </a:tabLst>
-            </a:pPr>
-            <a:r>
-              <a:rPr lang="en-US" noProof="1" smtClean="0">
-                <a:hlinkClick r:id="rId5" tooltip="Telerik Software Academy Forums - Community for Programmers"/>
-              </a:rPr>
-              <a:t>forums.academy.telerik.com</a:t>
-            </a:r>
-            <a:endParaRPr lang="en-US" noProof="1"/>
-          </a:p>
-        </p:txBody>
-      </p:sp>
-      <p:pic>
-        <p:nvPicPr>
-          <p:cNvPr id="5" name="Picture 5">
-            <a:hlinkClick r:id="rId5" tooltip="Telerik Software Academy Forums - Discussion Board for Developers"/>
-          </p:cNvPr>
-          <p:cNvPicPr>
-            <a:picLocks noChangeAspect="1" noChangeArrowheads="1"/>
-          </p:cNvPicPr>
-          <p:nvPr/>
-        </p:nvPicPr>
-        <p:blipFill>
-          <a:blip r:embed="rId6">
-            <a:extLst>
-              <a:ext uri="{28A0092B-C50C-407E-A947-70E740481C1C}">
-                <a14:useLocalDpi xmlns:a14="http://schemas.microsoft.com/office/drawing/2010/main" val="0"/>
-              </a:ext>
-            </a:extLst>
-          </a:blip>
-          <a:srcRect/>
-          <a:stretch>
-            <a:fillRect/>
-          </a:stretch>
-        </p:blipFill>
-        <p:spPr bwMode="auto">
-          <a:xfrm>
-            <a:off x="7523898" y="5218092"/>
-            <a:ext cx="1162902" cy="1268619"/>
-          </a:xfrm>
-          <a:prstGeom prst="rect">
-            <a:avLst/>
-          </a:prstGeom>
-          <a:noFill/>
-          <a:ln>
-            <a:noFill/>
-          </a:ln>
-          <a:effectLst/>
-          <a:extLst>
-            <a:ext uri="{909E8E84-426E-40DD-AFC4-6F175D3DCCD1}">
-              <a14:hiddenFill xmlns:a14="http://schemas.microsoft.com/office/drawing/2010/main">
-                <a:solidFill>
-                  <a:schemeClr val="accent1"/>
-                </a:solidFill>
-              </a14:hiddenFill>
-            </a:ext>
-            <a:ext uri="{91240B29-F687-4F45-9708-019B960494DF}">
-              <a14:hiddenLine xmlns:a14="http://schemas.microsoft.com/office/drawing/2010/main" w="9525">
-                <a:solidFill>
-                  <a:schemeClr val="tx1"/>
-                </a:solidFill>
-                <a:miter lim="800000"/>
-                <a:headEnd/>
-                <a:tailEnd/>
-              </a14:hiddenLine>
-            </a:ext>
-            <a:ext uri="{AF507438-7753-43E0-B8FC-AC1667EBCBE1}">
-              <a14:hiddenEffects xmlns:a14="http://schemas.microsoft.com/office/drawing/2010/main">
-                <a:effectLst>
-                  <a:outerShdw dist="35921" dir="2700000" algn="ctr" rotWithShape="0">
-                    <a:schemeClr val="bg2"/>
-                  </a:outerShdw>
-                </a:effectLst>
-              </a14:hiddenEffects>
-            </a:ext>
-          </a:extLst>
-        </p:spPr>
-      </p:pic>
-      <p:pic>
-        <p:nvPicPr>
-          <p:cNvPr id="1028" name="Picture 4">
-            <a:hlinkClick r:id="rId3" tooltip="Telerik Software Academy"/>
-          </p:cNvPr>
-          <p:cNvPicPr>
-            <a:picLocks noChangeAspect="1" noChangeArrowheads="1"/>
-          </p:cNvPicPr>
-          <p:nvPr/>
-        </p:nvPicPr>
-        <p:blipFill>
-          <a:blip r:embed="rId7">
-            <a:extLst>
-              <a:ext uri="{28A0092B-C50C-407E-A947-70E740481C1C}">
-                <a14:useLocalDpi xmlns:a14="http://schemas.microsoft.com/office/drawing/2010/main" val="0"/>
-              </a:ext>
-            </a:extLst>
-          </a:blip>
-          <a:srcRect/>
-          <a:stretch>
-            <a:fillRect/>
-          </a:stretch>
-        </p:blipFill>
-        <p:spPr bwMode="auto">
-          <a:xfrm>
-            <a:off x="5548941" y="2667000"/>
-            <a:ext cx="3137859" cy="918234"/>
-          </a:xfrm>
-          <a:prstGeom prst="rect">
-            <a:avLst/>
-          </a:prstGeom>
-          <a:noFill/>
-          <a:ln>
-            <a:solidFill>
-              <a:srgbClr val="9BCC00"/>
-            </a:solidFill>
-          </a:ln>
-          <a:extLst>
-            <a:ext uri="{909E8E84-426E-40DD-AFC4-6F175D3DCCD1}">
-              <a14:hiddenFill xmlns:a14="http://schemas.microsoft.com/office/drawing/2010/main">
-                <a:solidFill>
-                  <a:srgbClr val="FFFFFF"/>
-                </a:solidFill>
-              </a14:hiddenFill>
-            </a:ext>
-          </a:extLst>
-        </p:spPr>
-      </p:pic>
-      <p:pic>
-        <p:nvPicPr>
-          <p:cNvPr id="1037" name="Picture 13">
-            <a:hlinkClick r:id="rId8" tooltip="Telerik Academy @ Facebook"/>
-          </p:cNvPr>
-          <p:cNvPicPr>
-            <a:picLocks noChangeAspect="1" noChangeArrowheads="1"/>
-          </p:cNvPicPr>
-          <p:nvPr/>
-        </p:nvPicPr>
-        <p:blipFill>
-          <a:blip r:embed="rId9">
-            <a:extLst>
-              <a:ext uri="{28A0092B-C50C-407E-A947-70E740481C1C}">
-                <a14:useLocalDpi xmlns:a14="http://schemas.microsoft.com/office/drawing/2010/main" val="0"/>
-              </a:ext>
-            </a:extLst>
-          </a:blip>
-          <a:srcRect/>
-          <a:stretch>
-            <a:fillRect/>
-          </a:stretch>
-        </p:blipFill>
-        <p:spPr bwMode="auto">
-          <a:xfrm>
-            <a:off x="7748587" y="4003901"/>
-            <a:ext cx="938213" cy="938213"/>
-          </a:xfrm>
-          <a:prstGeom prst="rect">
-            <a:avLst/>
-          </a:prstGeom>
-          <a:noFill/>
-          <a:ln>
-            <a:noFill/>
-          </a:ln>
-          <a:effectLst/>
-          <a:extLst>
-            <a:ext uri="{909E8E84-426E-40DD-AFC4-6F175D3DCCD1}">
-              <a14:hiddenFill xmlns:a14="http://schemas.microsoft.com/office/drawing/2010/main">
-                <a:solidFill>
-                  <a:schemeClr val="accent1"/>
-                </a:solidFill>
-              </a14:hiddenFill>
-            </a:ext>
-            <a:ext uri="{91240B29-F687-4F45-9708-019B960494DF}">
-              <a14:hiddenLine xmlns:a14="http://schemas.microsoft.com/office/drawing/2010/main" w="9525">
-                <a:solidFill>
-                  <a:schemeClr val="tx1"/>
-                </a:solidFill>
-                <a:miter lim="800000"/>
-                <a:headEnd/>
-                <a:tailEnd/>
-              </a14:hiddenLine>
-            </a:ext>
-            <a:ext uri="{AF507438-7753-43E0-B8FC-AC1667EBCBE1}">
-              <a14:hiddenEffects xmlns:a14="http://schemas.microsoft.com/office/drawing/2010/main">
-                <a:effectLst>
-                  <a:outerShdw dist="35921" dir="2700000" algn="ctr" rotWithShape="0">
-                    <a:schemeClr val="bg2"/>
-                  </a:outerShdw>
-                </a:effectLst>
-              </a14:hiddenEffects>
-            </a:ext>
-          </a:extLst>
-        </p:spPr>
-      </p:pic>
-      <p:pic>
-        <p:nvPicPr>
-          <p:cNvPr id="2" name="Picture 1">
-            <a:hlinkClick r:id="rId2"/>
-          </p:cNvPr>
-          <p:cNvPicPr>
-            <a:picLocks noChangeAspect="1"/>
-          </p:cNvPicPr>
-          <p:nvPr/>
-        </p:nvPicPr>
-        <p:blipFill>
-          <a:blip r:embed="rId10" cstate="print">
-            <a:extLst>
-              <a:ext uri="{28A0092B-C50C-407E-A947-70E740481C1C}">
-                <a14:useLocalDpi xmlns:a14="http://schemas.microsoft.com/office/drawing/2010/main" val="0"/>
-              </a:ext>
-            </a:extLst>
-          </a:blip>
-          <a:stretch>
-            <a:fillRect/>
-          </a:stretch>
-        </p:blipFill>
-        <p:spPr>
-          <a:xfrm>
-            <a:off x="7562025" y="1123558"/>
-            <a:ext cx="1124775" cy="1124775"/>
-          </a:xfrm>
-          <a:prstGeom prst="rect">
-            <a:avLst/>
-          </a:prstGeom>
-        </p:spPr>
-      </p:pic>
-      <p:sp>
-        <p:nvSpPr>
-          <p:cNvPr id="6" name="Slide Number Placeholder 5"/>
-          <p:cNvSpPr>
-            <a:spLocks noGrp="1"/>
-          </p:cNvSpPr>
-          <p:nvPr>
-            <p:ph type="sldNum" sz="quarter" idx="10"/>
-          </p:nvPr>
-        </p:nvSpPr>
-        <p:spPr/>
-        <p:txBody>
-          <a:bodyPr/>
-          <a:lstStyle/>
-          <a:p>
-            <a:pPr>
-              <a:defRPr/>
-            </a:pPr>
-            <a:fld id="{58452FF4-89E3-4D1B-9927-2DBDC00E58D7}" type="slidenum">
-              <a:rPr lang="en-US" smtClean="0"/>
-              <a:pPr>
-                <a:defRPr/>
-              </a:pPr>
-              <a:t>51</a:t>
-            </a:fld>
-            <a:endParaRPr lang="en-US" dirty="0"/>
-          </a:p>
-        </p:txBody>
-      </p:sp>
-    </p:spTree>
-    <p:extLst>
-      <p:ext uri="{BB962C8B-B14F-4D97-AF65-F5344CB8AC3E}">
-        <p14:creationId xmlns:p14="http://schemas.microsoft.com/office/powerpoint/2010/main" val="15045004"/>
-      </p:ext>
-    </p:extLst>
-  </p:cSld>
-  <p:clrMapOvr>
-    <a:masterClrMapping/>
-  </p:clrMapOvr>
   <p:timing>
     <p:tnLst>
       <p:par>

--- a/01. Introduction-to-ASP.NET-MVC/Introduction to ASP.NET MVC.pptx
+++ b/01. Introduction-to-ASP.NET-MVC/Introduction to ASP.NET MVC.pptx
@@ -5,10 +5,10 @@
     <p:sldMasterId id="2147483672" r:id="rId1"/>
   </p:sldMasterIdLst>
   <p:notesMasterIdLst>
-    <p:notesMasterId r:id="rId51"/>
+    <p:notesMasterId r:id="rId49"/>
   </p:notesMasterIdLst>
   <p:handoutMasterIdLst>
-    <p:handoutMasterId r:id="rId52"/>
+    <p:handoutMasterId r:id="rId50"/>
   </p:handoutMasterIdLst>
   <p:sldIdLst>
     <p:sldId id="338" r:id="rId2"/>
@@ -42,29 +42,27 @@
     <p:sldId id="442" r:id="rId30"/>
     <p:sldId id="366" r:id="rId31"/>
     <p:sldId id="365" r:id="rId32"/>
-    <p:sldId id="339" r:id="rId33"/>
-    <p:sldId id="345" r:id="rId34"/>
-    <p:sldId id="438" r:id="rId35"/>
-    <p:sldId id="439" r:id="rId36"/>
-    <p:sldId id="348" r:id="rId37"/>
-    <p:sldId id="369" r:id="rId38"/>
-    <p:sldId id="447" r:id="rId39"/>
-    <p:sldId id="372" r:id="rId40"/>
-    <p:sldId id="435" r:id="rId41"/>
-    <p:sldId id="383" r:id="rId42"/>
-    <p:sldId id="446" r:id="rId43"/>
-    <p:sldId id="437" r:id="rId44"/>
-    <p:sldId id="443" r:id="rId45"/>
-    <p:sldId id="445" r:id="rId46"/>
-    <p:sldId id="444" r:id="rId47"/>
-    <p:sldId id="370" r:id="rId48"/>
-    <p:sldId id="334" r:id="rId49"/>
-    <p:sldId id="403" r:id="rId50"/>
+    <p:sldId id="438" r:id="rId33"/>
+    <p:sldId id="439" r:id="rId34"/>
+    <p:sldId id="348" r:id="rId35"/>
+    <p:sldId id="369" r:id="rId36"/>
+    <p:sldId id="447" r:id="rId37"/>
+    <p:sldId id="372" r:id="rId38"/>
+    <p:sldId id="435" r:id="rId39"/>
+    <p:sldId id="383" r:id="rId40"/>
+    <p:sldId id="446" r:id="rId41"/>
+    <p:sldId id="437" r:id="rId42"/>
+    <p:sldId id="443" r:id="rId43"/>
+    <p:sldId id="445" r:id="rId44"/>
+    <p:sldId id="444" r:id="rId45"/>
+    <p:sldId id="370" r:id="rId46"/>
+    <p:sldId id="334" r:id="rId47"/>
+    <p:sldId id="403" r:id="rId48"/>
   </p:sldIdLst>
   <p:sldSz cx="9144000" cy="6858000" type="screen4x3"/>
   <p:notesSz cx="6881813" cy="9296400"/>
   <p:custDataLst>
-    <p:tags r:id="rId53"/>
+    <p:tags r:id="rId51"/>
   </p:custDataLst>
   <p:defaultTextStyle>
     <a:defPPr>
@@ -243,8 +241,6 @@
         <p14:section name="Creating ASP.NET MVC Project" id="{C1D15716-48AA-499B-9313-0183838F7B1E}">
           <p14:sldIdLst>
             <p14:sldId id="365"/>
-            <p14:sldId id="339"/>
-            <p14:sldId id="345"/>
             <p14:sldId id="438"/>
             <p14:sldId id="439"/>
             <p14:sldId id="348"/>
@@ -424,7 +420,7 @@
             <a:fld id="{3BF7C7B5-275F-4D1F-9AB4-9255447DBC73}" type="datetimeFigureOut">
               <a:rPr lang="en-US"/>
               <a:pPr/>
-              <a:t>1/30/2016</a:t>
+              <a:t>1/31/2016</a:t>
             </a:fld>
             <a:endParaRPr lang="en-US" dirty="0"/>
           </a:p>
@@ -655,7 +651,7 @@
             <a:fld id="{9B46F231-FB2B-4655-A644-E2477325E686}" type="datetimeFigureOut">
               <a:rPr lang="en-US"/>
               <a:pPr/>
-              <a:t>1/30/2016</a:t>
+              <a:t>1/31/2016</a:t>
             </a:fld>
             <a:endParaRPr lang="en-US" dirty="0"/>
           </a:p>
@@ -1313,7 +1309,7 @@
             <a:fld id="{6FB4F6EA-423E-42DF-9292-215E7D886C4E}" type="slidenum">
               <a:rPr lang="en-US" smtClean="0"/>
               <a:pPr/>
-              <a:t>43</a:t>
+              <a:t>41</a:t>
             </a:fld>
             <a:endParaRPr lang="en-US" dirty="0"/>
           </a:p>
@@ -17604,15 +17600,7 @@
             </a:pPr>
             <a:r>
               <a:rPr lang="en-US" dirty="0" smtClean="0"/>
-              <a:t>ASP.NET Core 1.0 </a:t>
-            </a:r>
-            <a:r>
-              <a:rPr lang="en-US" dirty="0" smtClean="0"/>
-              <a:t>– </a:t>
-            </a:r>
-            <a:r>
-              <a:rPr lang="en-US" dirty="0" smtClean="0"/>
-              <a:t>Some time in 2016</a:t>
+              <a:t>ASP.NET Core 1.0 – Some time in 2016</a:t>
             </a:r>
             <a:endParaRPr lang="en-US" dirty="0"/>
           </a:p>
@@ -22146,472 +22134,6 @@
       </p:grpSpPr>
       <p:sp>
         <p:nvSpPr>
-          <p:cNvPr id="4" name="Title 3"/>
-          <p:cNvSpPr>
-            <a:spLocks noGrp="1"/>
-          </p:cNvSpPr>
-          <p:nvPr>
-            <p:ph type="title"/>
-          </p:nvPr>
-        </p:nvSpPr>
-        <p:spPr/>
-        <p:txBody>
-          <a:bodyPr/>
-          <a:lstStyle/>
-          <a:p>
-            <a:r>
-              <a:rPr lang="en-US" dirty="0" smtClean="0"/>
-              <a:t>The Tools</a:t>
-            </a:r>
-            <a:endParaRPr lang="en-US" dirty="0"/>
-          </a:p>
-        </p:txBody>
-      </p:sp>
-      <p:sp>
-        <p:nvSpPr>
-          <p:cNvPr id="5" name="Content Placeholder 4"/>
-          <p:cNvSpPr>
-            <a:spLocks noGrp="1"/>
-          </p:cNvSpPr>
-          <p:nvPr>
-            <p:ph idx="1"/>
-          </p:nvPr>
-        </p:nvSpPr>
-        <p:spPr/>
-        <p:txBody>
-          <a:bodyPr/>
-          <a:lstStyle/>
-          <a:p>
-            <a:pPr>
-              <a:spcBef>
-                <a:spcPts val="300"/>
-              </a:spcBef>
-              <a:spcAft>
-                <a:spcPts val="300"/>
-              </a:spcAft>
-            </a:pPr>
-            <a:r>
-              <a:rPr lang="en-US" dirty="0" smtClean="0"/>
-              <a:t>Tools that </a:t>
-            </a:r>
-            <a:r>
-              <a:rPr lang="en-US" dirty="0" smtClean="0"/>
-              <a:t>you need</a:t>
-            </a:r>
-            <a:r>
-              <a:rPr lang="en-US" dirty="0" smtClean="0"/>
-              <a:t>:</a:t>
-            </a:r>
-          </a:p>
-          <a:p>
-            <a:pPr lvl="1">
-              <a:spcBef>
-                <a:spcPts val="300"/>
-              </a:spcBef>
-              <a:spcAft>
-                <a:spcPts val="300"/>
-              </a:spcAft>
-            </a:pPr>
-            <a:r>
-              <a:rPr lang="en-US" dirty="0" smtClean="0"/>
-              <a:t>IDE: Visual Studio </a:t>
-            </a:r>
-            <a:r>
-              <a:rPr lang="en-US" dirty="0" smtClean="0"/>
-              <a:t>2015 with Update 1</a:t>
-            </a:r>
-            <a:endParaRPr lang="en-US" dirty="0" smtClean="0"/>
-          </a:p>
-          <a:p>
-            <a:pPr lvl="1">
-              <a:spcBef>
-                <a:spcPts val="300"/>
-              </a:spcBef>
-              <a:spcAft>
-                <a:spcPts val="300"/>
-              </a:spcAft>
-            </a:pPr>
-            <a:r>
-              <a:rPr lang="en-US" dirty="0" smtClean="0"/>
-              <a:t>Framework: .NET Framework </a:t>
-            </a:r>
-            <a:r>
-              <a:rPr lang="en-US" dirty="0" smtClean="0"/>
-              <a:t>4.6</a:t>
-            </a:r>
-            <a:endParaRPr lang="en-US" dirty="0" smtClean="0"/>
-          </a:p>
-          <a:p>
-            <a:pPr lvl="1">
-              <a:spcBef>
-                <a:spcPts val="300"/>
-              </a:spcBef>
-              <a:spcAft>
-                <a:spcPts val="300"/>
-              </a:spcAft>
-            </a:pPr>
-            <a:r>
-              <a:rPr lang="en-US" dirty="0" smtClean="0"/>
-              <a:t>Web server: IIS </a:t>
-            </a:r>
-            <a:r>
-              <a:rPr lang="en-US" dirty="0" smtClean="0"/>
-              <a:t>Express</a:t>
-            </a:r>
-            <a:r>
-              <a:rPr lang="en-US" dirty="0"/>
-              <a:t> </a:t>
-            </a:r>
-            <a:r>
-              <a:rPr lang="en-US" dirty="0" smtClean="0"/>
-              <a:t>(included in VS)</a:t>
-            </a:r>
-            <a:endParaRPr lang="en-US" dirty="0" smtClean="0"/>
-          </a:p>
-          <a:p>
-            <a:pPr lvl="1">
-              <a:spcBef>
-                <a:spcPts val="300"/>
-              </a:spcBef>
-              <a:spcAft>
-                <a:spcPts val="300"/>
-              </a:spcAft>
-            </a:pPr>
-            <a:r>
-              <a:rPr lang="en-US" dirty="0" smtClean="0"/>
-              <a:t>Data: Microsoft SQL Sever (Express or </a:t>
-            </a:r>
-            <a:r>
-              <a:rPr lang="en-US" dirty="0" err="1" smtClean="0"/>
-              <a:t>LocalDB</a:t>
-            </a:r>
-            <a:r>
-              <a:rPr lang="en-US" dirty="0" smtClean="0"/>
-              <a:t>)</a:t>
-            </a:r>
-          </a:p>
-          <a:p>
-            <a:pPr>
-              <a:spcBef>
-                <a:spcPts val="300"/>
-              </a:spcBef>
-              <a:spcAft>
-                <a:spcPts val="300"/>
-              </a:spcAft>
-            </a:pPr>
-            <a:r>
-              <a:rPr lang="en-US" dirty="0" smtClean="0"/>
-              <a:t>Visual Studio installer will install everything </a:t>
-            </a:r>
-            <a:r>
-              <a:rPr lang="en-US" dirty="0" smtClean="0"/>
-              <a:t>you need</a:t>
-            </a:r>
-            <a:endParaRPr lang="en-US" dirty="0" smtClean="0">
-              <a:hlinkClick r:id="rId2"/>
-            </a:endParaRPr>
-          </a:p>
-          <a:p>
-            <a:pPr lvl="1">
-              <a:spcBef>
-                <a:spcPts val="300"/>
-              </a:spcBef>
-              <a:spcAft>
-                <a:spcPts val="300"/>
-              </a:spcAft>
-            </a:pPr>
-            <a:r>
-              <a:rPr lang="en-US" dirty="0">
-                <a:hlinkClick r:id="rId3"/>
-              </a:rPr>
-              <a:t>https://</a:t>
-            </a:r>
-            <a:r>
-              <a:rPr lang="en-US" dirty="0" smtClean="0">
-                <a:hlinkClick r:id="rId3"/>
-              </a:rPr>
-              <a:t>www.visualstudio.com/downloads/download-visual-studio-vs</a:t>
-            </a:r>
-            <a:endParaRPr lang="en-US" dirty="0" smtClean="0"/>
-          </a:p>
-        </p:txBody>
-      </p:sp>
-      <p:sp>
-        <p:nvSpPr>
-          <p:cNvPr id="2" name="Slide Number Placeholder 1"/>
-          <p:cNvSpPr>
-            <a:spLocks noGrp="1"/>
-          </p:cNvSpPr>
-          <p:nvPr>
-            <p:ph type="sldNum" sz="quarter" idx="10"/>
-          </p:nvPr>
-        </p:nvSpPr>
-        <p:spPr/>
-        <p:txBody>
-          <a:bodyPr/>
-          <a:lstStyle/>
-          <a:p>
-            <a:pPr>
-              <a:defRPr/>
-            </a:pPr>
-            <a:fld id="{58452FF4-89E3-4D1B-9927-2DBDC00E58D7}" type="slidenum">
-              <a:rPr lang="en-US" smtClean="0"/>
-              <a:pPr>
-                <a:defRPr/>
-              </a:pPr>
-              <a:t>32</a:t>
-            </a:fld>
-            <a:endParaRPr lang="en-US" dirty="0"/>
-          </a:p>
-        </p:txBody>
-      </p:sp>
-    </p:spTree>
-    <p:extLst>
-      <p:ext uri="{BB962C8B-B14F-4D97-AF65-F5344CB8AC3E}">
-        <p14:creationId xmlns:p14="http://schemas.microsoft.com/office/powerpoint/2010/main" val="3843600284"/>
-      </p:ext>
-    </p:extLst>
-  </p:cSld>
-  <p:clrMapOvr>
-    <a:masterClrMapping/>
-  </p:clrMapOvr>
-  <p:timing>
-    <p:tnLst>
-      <p:par>
-        <p:cTn id="1" dur="indefinite" restart="never" nodeType="tmRoot"/>
-      </p:par>
-    </p:tnLst>
-  </p:timing>
-</p:sld>
-</file>
-
-<file path=ppt/slides/slide33.xml><?xml version="1.0" encoding="utf-8"?>
-<p:sld xmlns:a="http://schemas.openxmlformats.org/drawingml/2006/main" xmlns:r="http://schemas.openxmlformats.org/officeDocument/2006/relationships" xmlns:p="http://schemas.openxmlformats.org/presentationml/2006/main">
-  <p:cSld>
-    <p:spTree>
-      <p:nvGrpSpPr>
-        <p:cNvPr id="1" name=""/>
-        <p:cNvGrpSpPr/>
-        <p:nvPr/>
-      </p:nvGrpSpPr>
-      <p:grpSpPr>
-        <a:xfrm>
-          <a:off x="0" y="0"/>
-          <a:ext cx="0" cy="0"/>
-          <a:chOff x="0" y="0"/>
-          <a:chExt cx="0" cy="0"/>
-        </a:xfrm>
-      </p:grpSpPr>
-      <p:sp>
-        <p:nvSpPr>
-          <p:cNvPr id="2" name="Title 1"/>
-          <p:cNvSpPr>
-            <a:spLocks noGrp="1"/>
-          </p:cNvSpPr>
-          <p:nvPr>
-            <p:ph type="title"/>
-          </p:nvPr>
-        </p:nvSpPr>
-        <p:spPr/>
-        <p:txBody>
-          <a:bodyPr/>
-          <a:lstStyle/>
-          <a:p>
-            <a:r>
-              <a:rPr lang="en-US" dirty="0" smtClean="0"/>
-              <a:t>The Technologies</a:t>
-            </a:r>
-            <a:endParaRPr lang="en-US" dirty="0"/>
-          </a:p>
-        </p:txBody>
-      </p:sp>
-      <p:sp>
-        <p:nvSpPr>
-          <p:cNvPr id="3" name="Content Placeholder 2"/>
-          <p:cNvSpPr>
-            <a:spLocks noGrp="1"/>
-          </p:cNvSpPr>
-          <p:nvPr>
-            <p:ph idx="1"/>
-          </p:nvPr>
-        </p:nvSpPr>
-        <p:spPr/>
-        <p:txBody>
-          <a:bodyPr/>
-          <a:lstStyle/>
-          <a:p>
-            <a:r>
-              <a:rPr lang="en-US" dirty="0" smtClean="0"/>
-              <a:t>Technologies that ASP.NET MVC uses</a:t>
-            </a:r>
-          </a:p>
-          <a:p>
-            <a:pPr lvl="1"/>
-            <a:r>
-              <a:rPr lang="en-US" dirty="0" smtClean="0"/>
-              <a:t>C</a:t>
-            </a:r>
-            <a:r>
-              <a:rPr lang="en-US" dirty="0"/>
-              <a:t># (</a:t>
-            </a:r>
-            <a:r>
-              <a:rPr lang="en-US" dirty="0" smtClean="0"/>
-              <a:t>OOP, </a:t>
-            </a:r>
-            <a:r>
-              <a:rPr lang="en-US" dirty="0"/>
-              <a:t>u</a:t>
-            </a:r>
-            <a:r>
-              <a:rPr lang="en-US" dirty="0" smtClean="0"/>
-              <a:t>nit testing, </a:t>
-            </a:r>
-            <a:r>
-              <a:rPr lang="en-US" dirty="0" err="1" smtClean="0"/>
-              <a:t>async</a:t>
-            </a:r>
-            <a:r>
-              <a:rPr lang="en-US" dirty="0" smtClean="0"/>
-              <a:t>, etc.)</a:t>
-            </a:r>
-          </a:p>
-          <a:p>
-            <a:pPr lvl="1"/>
-            <a:r>
-              <a:rPr lang="en-US" dirty="0"/>
-              <a:t>ASP.NET</a:t>
-            </a:r>
-          </a:p>
-          <a:p>
-            <a:pPr lvl="1"/>
-            <a:r>
-              <a:rPr lang="en-US" dirty="0" smtClean="0"/>
-              <a:t>HTML(5) and CSS</a:t>
-            </a:r>
-          </a:p>
-          <a:p>
-            <a:pPr lvl="1"/>
-            <a:r>
-              <a:rPr lang="en-US" dirty="0" smtClean="0"/>
-              <a:t>JavaScript (jQuery, </a:t>
-            </a:r>
-            <a:r>
-              <a:rPr lang="en-US" dirty="0" err="1" smtClean="0"/>
-              <a:t>KendoUI</a:t>
-            </a:r>
-            <a:r>
-              <a:rPr lang="en-US" dirty="0" smtClean="0"/>
-              <a:t>, </a:t>
-            </a:r>
-            <a:r>
-              <a:rPr lang="en-US" dirty="0" err="1" smtClean="0"/>
-              <a:t>AngularJS</a:t>
-            </a:r>
-            <a:r>
-              <a:rPr lang="en-US" dirty="0" smtClean="0"/>
-              <a:t>, etc.)</a:t>
-            </a:r>
-          </a:p>
-          <a:p>
-            <a:pPr lvl="1"/>
-            <a:r>
-              <a:rPr lang="en-US" dirty="0" smtClean="0"/>
-              <a:t>AJAX, Single-page apps</a:t>
-            </a:r>
-          </a:p>
-          <a:p>
-            <a:pPr lvl="1"/>
-            <a:r>
-              <a:rPr lang="en-US" dirty="0" smtClean="0"/>
-              <a:t>Databases (MS SQL)</a:t>
-            </a:r>
-          </a:p>
-          <a:p>
-            <a:pPr lvl="1"/>
-            <a:r>
-              <a:rPr lang="en-US" dirty="0" smtClean="0"/>
-              <a:t>ORM (Entity Framework and LINQ)</a:t>
-            </a:r>
-          </a:p>
-          <a:p>
-            <a:pPr lvl="1"/>
-            <a:r>
-              <a:rPr lang="en-US" dirty="0" smtClean="0"/>
-              <a:t>Web and HTTP</a:t>
-            </a:r>
-            <a:endParaRPr lang="en-US" dirty="0"/>
-          </a:p>
-        </p:txBody>
-      </p:sp>
-      <p:sp>
-        <p:nvSpPr>
-          <p:cNvPr id="4" name="Slide Number Placeholder 3"/>
-          <p:cNvSpPr>
-            <a:spLocks noGrp="1"/>
-          </p:cNvSpPr>
-          <p:nvPr>
-            <p:ph type="sldNum" sz="quarter" idx="10"/>
-          </p:nvPr>
-        </p:nvSpPr>
-        <p:spPr/>
-        <p:txBody>
-          <a:bodyPr/>
-          <a:lstStyle/>
-          <a:p>
-            <a:pPr>
-              <a:defRPr/>
-            </a:pPr>
-            <a:fld id="{58452FF4-89E3-4D1B-9927-2DBDC00E58D7}" type="slidenum">
-              <a:rPr lang="en-US" smtClean="0"/>
-              <a:pPr>
-                <a:defRPr/>
-              </a:pPr>
-              <a:t>33</a:t>
-            </a:fld>
-            <a:endParaRPr lang="en-US" dirty="0"/>
-          </a:p>
-        </p:txBody>
-      </p:sp>
-    </p:spTree>
-    <p:extLst>
-      <p:ext uri="{BB962C8B-B14F-4D97-AF65-F5344CB8AC3E}">
-        <p14:creationId xmlns:p14="http://schemas.microsoft.com/office/powerpoint/2010/main" val="3878562838"/>
-      </p:ext>
-    </p:extLst>
-  </p:cSld>
-  <p:clrMapOvr>
-    <a:masterClrMapping/>
-  </p:clrMapOvr>
-  <p:timing>
-    <p:tnLst>
-      <p:par>
-        <p:cTn id="1" dur="indefinite" restart="never" nodeType="tmRoot"/>
-      </p:par>
-    </p:tnLst>
-  </p:timing>
-</p:sld>
-</file>
-
-<file path=ppt/slides/slide34.xml><?xml version="1.0" encoding="utf-8"?>
-<p:sld xmlns:a="http://schemas.openxmlformats.org/drawingml/2006/main" xmlns:r="http://schemas.openxmlformats.org/officeDocument/2006/relationships" xmlns:p="http://schemas.openxmlformats.org/presentationml/2006/main">
-  <p:cSld>
-    <p:spTree>
-      <p:nvGrpSpPr>
-        <p:cNvPr id="1" name=""/>
-        <p:cNvGrpSpPr/>
-        <p:nvPr/>
-      </p:nvGrpSpPr>
-      <p:grpSpPr>
-        <a:xfrm>
-          <a:off x="0" y="0"/>
-          <a:ext cx="0" cy="0"/>
-          <a:chOff x="0" y="0"/>
-          <a:chExt cx="0" cy="0"/>
-        </a:xfrm>
-      </p:grpSpPr>
-      <p:sp>
-        <p:nvSpPr>
           <p:cNvPr id="2" name="Title 1"/>
           <p:cNvSpPr>
             <a:spLocks noGrp="1"/>
@@ -22632,15 +22154,7 @@
           <a:p>
             <a:r>
               <a:rPr lang="en-US" dirty="0" smtClean="0"/>
-              <a:t>Visual Studio </a:t>
-            </a:r>
-            <a:r>
-              <a:rPr lang="en-US" dirty="0" smtClean="0"/>
-              <a:t>2015: </a:t>
-            </a:r>
-            <a:r>
-              <a:rPr lang="en-US" dirty="0" smtClean="0"/>
-              <a:t>New Project</a:t>
+              <a:t>Visual Studio 2015: New Project</a:t>
             </a:r>
             <a:endParaRPr lang="en-US" dirty="0"/>
           </a:p>
@@ -22669,7 +22183,7 @@
               <a:pPr>
                 <a:defRPr/>
               </a:pPr>
-              <a:t>34</a:t>
+              <a:t>32</a:t>
             </a:fld>
             <a:endParaRPr lang="en-US" dirty="0"/>
           </a:p>
@@ -23069,7 +22583,7 @@
 </p:sld>
 </file>
 
-<file path=ppt/slides/slide35.xml><?xml version="1.0" encoding="utf-8"?>
+<file path=ppt/slides/slide33.xml><?xml version="1.0" encoding="utf-8"?>
 <p:sld xmlns:a="http://schemas.openxmlformats.org/drawingml/2006/main" xmlns:r="http://schemas.openxmlformats.org/officeDocument/2006/relationships" xmlns:p="http://schemas.openxmlformats.org/presentationml/2006/main">
   <p:cSld>
     <p:spTree>
@@ -23103,15 +22617,7 @@
           <a:p>
             <a:r>
               <a:rPr lang="en-US" dirty="0" smtClean="0"/>
-              <a:t>VS </a:t>
-            </a:r>
-            <a:r>
-              <a:rPr lang="en-US" dirty="0" smtClean="0"/>
-              <a:t>2015: </a:t>
-            </a:r>
-            <a:r>
-              <a:rPr lang="en-US" dirty="0" smtClean="0"/>
-              <a:t>Default Layout</a:t>
+              <a:t>VS 2015: Default Layout</a:t>
             </a:r>
             <a:endParaRPr lang="en-US" dirty="0"/>
           </a:p>
@@ -23140,7 +22646,7 @@
               <a:pPr>
                 <a:defRPr/>
               </a:pPr>
-              <a:t>35</a:t>
+              <a:t>33</a:t>
             </a:fld>
             <a:endParaRPr lang="en-US" dirty="0"/>
           </a:p>
@@ -23453,7 +22959,7 @@
 </p:sld>
 </file>
 
-<file path=ppt/slides/slide36.xml><?xml version="1.0" encoding="utf-8"?>
+<file path=ppt/slides/slide34.xml><?xml version="1.0" encoding="utf-8"?>
 <p:sld xmlns:a="http://schemas.openxmlformats.org/drawingml/2006/main" xmlns:r="http://schemas.openxmlformats.org/officeDocument/2006/relationships" xmlns:p="http://schemas.openxmlformats.org/presentationml/2006/main">
   <p:cSld>
     <p:spTree>
@@ -23544,7 +23050,7 @@
               <a:pPr>
                 <a:defRPr/>
               </a:pPr>
-              <a:t>36</a:t>
+              <a:t>34</a:t>
             </a:fld>
             <a:endParaRPr lang="en-US" dirty="0"/>
           </a:p>
@@ -25156,7 +24662,7 @@
 </p:sld>
 </file>
 
-<file path=ppt/slides/slide37.xml><?xml version="1.0" encoding="utf-8"?>
+<file path=ppt/slides/slide35.xml><?xml version="1.0" encoding="utf-8"?>
 <p:sld xmlns:a="http://schemas.openxmlformats.org/drawingml/2006/main" xmlns:r="http://schemas.openxmlformats.org/officeDocument/2006/relationships" xmlns:p="http://schemas.openxmlformats.org/presentationml/2006/main">
   <p:cSld>
     <p:spTree>
@@ -25289,7 +24795,7 @@
 </p:sld>
 </file>
 
-<file path=ppt/slides/slide38.xml><?xml version="1.0" encoding="utf-8"?>
+<file path=ppt/slides/slide36.xml><?xml version="1.0" encoding="utf-8"?>
 <p:sld xmlns:a="http://schemas.openxmlformats.org/drawingml/2006/main" xmlns:r="http://schemas.openxmlformats.org/officeDocument/2006/relationships" xmlns:p="http://schemas.openxmlformats.org/presentationml/2006/main">
   <p:cSld>
     <p:spTree>
@@ -25435,7 +24941,7 @@
 </p:sld>
 </file>
 
-<file path=ppt/slides/slide39.xml><?xml version="1.0" encoding="utf-8"?>
+<file path=ppt/slides/slide37.xml><?xml version="1.0" encoding="utf-8"?>
 <p:sld xmlns:a="http://schemas.openxmlformats.org/drawingml/2006/main" xmlns:r="http://schemas.openxmlformats.org/officeDocument/2006/relationships" xmlns:p="http://schemas.openxmlformats.org/presentationml/2006/main">
   <p:cSld>
     <p:spTree>
@@ -25584,7 +25090,7 @@
               <a:pPr>
                 <a:defRPr/>
               </a:pPr>
-              <a:t>39</a:t>
+              <a:t>37</a:t>
             </a:fld>
             <a:endParaRPr lang="en-US" dirty="0"/>
           </a:p>
@@ -25684,228 +25190,7 @@
 </p:sld>
 </file>
 
-<file path=ppt/slides/slide4.xml><?xml version="1.0" encoding="utf-8"?>
-<p:sld xmlns:a="http://schemas.openxmlformats.org/drawingml/2006/main" xmlns:r="http://schemas.openxmlformats.org/officeDocument/2006/relationships" xmlns:p="http://schemas.openxmlformats.org/presentationml/2006/main" showMasterPhAnim="0">
-  <p:cSld>
-    <p:spTree>
-      <p:nvGrpSpPr>
-        <p:cNvPr id="1" name=""/>
-        <p:cNvGrpSpPr/>
-        <p:nvPr/>
-      </p:nvGrpSpPr>
-      <p:grpSpPr>
-        <a:xfrm>
-          <a:off x="0" y="0"/>
-          <a:ext cx="0" cy="0"/>
-          <a:chOff x="0" y="0"/>
-          <a:chExt cx="0" cy="0"/>
-        </a:xfrm>
-      </p:grpSpPr>
-      <p:sp>
-        <p:nvSpPr>
-          <p:cNvPr id="473090" name="Rectangle 2"/>
-          <p:cNvSpPr>
-            <a:spLocks noGrp="1" noChangeArrowheads="1"/>
-          </p:cNvSpPr>
-          <p:nvPr>
-            <p:ph type="title"/>
-          </p:nvPr>
-        </p:nvSpPr>
-        <p:spPr/>
-        <p:txBody>
-          <a:bodyPr/>
-          <a:lstStyle/>
-          <a:p>
-            <a:r>
-              <a:rPr lang="en-US" sz="3600" dirty="0" smtClean="0"/>
-              <a:t>HTTP</a:t>
-            </a:r>
-            <a:endParaRPr lang="en-US" sz="3600" dirty="0"/>
-          </a:p>
-        </p:txBody>
-      </p:sp>
-      <p:sp>
-        <p:nvSpPr>
-          <p:cNvPr id="473091" name="Rectangle 3"/>
-          <p:cNvSpPr>
-            <a:spLocks noGrp="1" noChangeArrowheads="1"/>
-          </p:cNvSpPr>
-          <p:nvPr>
-            <p:ph idx="1"/>
-          </p:nvPr>
-        </p:nvSpPr>
-        <p:spPr/>
-        <p:txBody>
-          <a:bodyPr/>
-          <a:lstStyle/>
-          <a:p>
-            <a:pPr>
-              <a:lnSpc>
-                <a:spcPct val="100000"/>
-              </a:lnSpc>
-            </a:pPr>
-            <a:r>
-              <a:rPr lang="en-US" dirty="0">
-                <a:solidFill>
-                  <a:schemeClr val="accent5">
-                    <a:lumMod val="20000"/>
-                    <a:lumOff val="80000"/>
-                  </a:schemeClr>
-                </a:solidFill>
-              </a:rPr>
-              <a:t>Hyper Text Transfer Protocol (HTTP)</a:t>
-            </a:r>
-          </a:p>
-          <a:p>
-            <a:pPr lvl="1">
-              <a:lnSpc>
-                <a:spcPct val="100000"/>
-              </a:lnSpc>
-            </a:pPr>
-            <a:r>
-              <a:rPr lang="en-US" dirty="0"/>
-              <a:t>Client-server protocol for transferring Web </a:t>
-            </a:r>
-            <a:r>
-              <a:rPr lang="en-US" dirty="0" smtClean="0"/>
-              <a:t>resources (HTML files, images, styles, etc.)</a:t>
-            </a:r>
-            <a:endParaRPr lang="en-US" dirty="0"/>
-          </a:p>
-          <a:p>
-            <a:pPr>
-              <a:lnSpc>
-                <a:spcPct val="100000"/>
-              </a:lnSpc>
-            </a:pPr>
-            <a:r>
-              <a:rPr lang="en-US" dirty="0"/>
-              <a:t>Important properties of HTTP</a:t>
-            </a:r>
-          </a:p>
-          <a:p>
-            <a:pPr lvl="1">
-              <a:lnSpc>
-                <a:spcPct val="100000"/>
-              </a:lnSpc>
-            </a:pPr>
-            <a:r>
-              <a:rPr lang="en-US" dirty="0"/>
-              <a:t>Request-response </a:t>
-            </a:r>
-            <a:r>
-              <a:rPr lang="en-US" dirty="0" smtClean="0"/>
-              <a:t>model</a:t>
-            </a:r>
-            <a:endParaRPr lang="en-US" dirty="0"/>
-          </a:p>
-          <a:p>
-            <a:pPr lvl="1">
-              <a:lnSpc>
-                <a:spcPct val="100000"/>
-              </a:lnSpc>
-            </a:pPr>
-            <a:r>
-              <a:rPr lang="en-US" dirty="0"/>
-              <a:t>Text-based format</a:t>
-            </a:r>
-          </a:p>
-          <a:p>
-            <a:pPr lvl="1">
-              <a:lnSpc>
-                <a:spcPct val="100000"/>
-              </a:lnSpc>
-            </a:pPr>
-            <a:r>
-              <a:rPr lang="en-US" dirty="0" smtClean="0"/>
-              <a:t>Relies </a:t>
-            </a:r>
-            <a:r>
-              <a:rPr lang="en-US" dirty="0"/>
-              <a:t>on a </a:t>
-            </a:r>
-            <a:r>
-              <a:rPr lang="en-US" dirty="0" smtClean="0"/>
-              <a:t>unique resource URLs</a:t>
-            </a:r>
-            <a:endParaRPr lang="en-US" dirty="0"/>
-          </a:p>
-          <a:p>
-            <a:pPr lvl="1">
-              <a:lnSpc>
-                <a:spcPct val="100000"/>
-              </a:lnSpc>
-            </a:pPr>
-            <a:r>
-              <a:rPr lang="en-US" dirty="0" smtClean="0"/>
-              <a:t>Provides resource metadata (e.g. encoding)</a:t>
-            </a:r>
-            <a:endParaRPr lang="en-US" dirty="0"/>
-          </a:p>
-          <a:p>
-            <a:pPr lvl="1">
-              <a:lnSpc>
-                <a:spcPct val="100000"/>
-              </a:lnSpc>
-            </a:pPr>
-            <a:r>
-              <a:rPr lang="en-US" dirty="0" smtClean="0"/>
-              <a:t>Stateless (cookies can overcome this)</a:t>
-            </a:r>
-            <a:endParaRPr lang="en-US" dirty="0"/>
-          </a:p>
-        </p:txBody>
-      </p:sp>
-      <p:sp>
-        <p:nvSpPr>
-          <p:cNvPr id="4" name="Slide Number Placeholder 3"/>
-          <p:cNvSpPr>
-            <a:spLocks noGrp="1"/>
-          </p:cNvSpPr>
-          <p:nvPr>
-            <p:ph type="sldNum" sz="quarter" idx="10"/>
-          </p:nvPr>
-        </p:nvSpPr>
-        <p:spPr/>
-        <p:txBody>
-          <a:bodyPr/>
-          <a:lstStyle/>
-          <a:p>
-            <a:pPr>
-              <a:defRPr/>
-            </a:pPr>
-            <a:fld id="{58452FF4-89E3-4D1B-9927-2DBDC00E58D7}" type="slidenum">
-              <a:rPr lang="en-US" smtClean="0"/>
-              <a:pPr>
-                <a:defRPr/>
-              </a:pPr>
-              <a:t>4</a:t>
-            </a:fld>
-            <a:endParaRPr lang="en-US" dirty="0"/>
-          </a:p>
-        </p:txBody>
-      </p:sp>
-    </p:spTree>
-    <p:extLst>
-      <p:ext uri="{BB962C8B-B14F-4D97-AF65-F5344CB8AC3E}">
-        <p14:creationId xmlns:p14="http://schemas.microsoft.com/office/powerpoint/2010/main" val="2440486903"/>
-      </p:ext>
-    </p:extLst>
-  </p:cSld>
-  <p:clrMapOvr>
-    <a:masterClrMapping/>
-  </p:clrMapOvr>
-  <p:timing>
-    <p:tnLst>
-      <p:par>
-        <p:cTn id="1" dur="indefinite" restart="never" nodeType="tmRoot"/>
-      </p:par>
-    </p:tnLst>
-  </p:timing>
-</p:sld>
-</file>
-
-<file path=ppt/slides/slide40.xml><?xml version="1.0" encoding="utf-8"?>
+<file path=ppt/slides/slide38.xml><?xml version="1.0" encoding="utf-8"?>
 <p:sld xmlns:a="http://schemas.openxmlformats.org/drawingml/2006/main" xmlns:r="http://schemas.openxmlformats.org/officeDocument/2006/relationships" xmlns:p="http://schemas.openxmlformats.org/presentationml/2006/main">
   <p:cSld>
     <p:spTree>
@@ -26046,7 +25331,7 @@
               <a:pPr>
                 <a:defRPr/>
               </a:pPr>
-              <a:t>40</a:t>
+              <a:t>38</a:t>
             </a:fld>
             <a:endParaRPr lang="en-US" dirty="0"/>
           </a:p>
@@ -26096,7 +25381,7 @@
 </p:sld>
 </file>
 
-<file path=ppt/slides/slide41.xml><?xml version="1.0" encoding="utf-8"?>
+<file path=ppt/slides/slide39.xml><?xml version="1.0" encoding="utf-8"?>
 <p:sld xmlns:a="http://schemas.openxmlformats.org/drawingml/2006/main" xmlns:r="http://schemas.openxmlformats.org/officeDocument/2006/relationships" xmlns:p="http://schemas.openxmlformats.org/presentationml/2006/main">
   <p:cSld>
     <p:spTree>
@@ -26230,7 +25515,228 @@
 </p:sld>
 </file>
 
-<file path=ppt/slides/slide42.xml><?xml version="1.0" encoding="utf-8"?>
+<file path=ppt/slides/slide4.xml><?xml version="1.0" encoding="utf-8"?>
+<p:sld xmlns:a="http://schemas.openxmlformats.org/drawingml/2006/main" xmlns:r="http://schemas.openxmlformats.org/officeDocument/2006/relationships" xmlns:p="http://schemas.openxmlformats.org/presentationml/2006/main" showMasterPhAnim="0">
+  <p:cSld>
+    <p:spTree>
+      <p:nvGrpSpPr>
+        <p:cNvPr id="1" name=""/>
+        <p:cNvGrpSpPr/>
+        <p:nvPr/>
+      </p:nvGrpSpPr>
+      <p:grpSpPr>
+        <a:xfrm>
+          <a:off x="0" y="0"/>
+          <a:ext cx="0" cy="0"/>
+          <a:chOff x="0" y="0"/>
+          <a:chExt cx="0" cy="0"/>
+        </a:xfrm>
+      </p:grpSpPr>
+      <p:sp>
+        <p:nvSpPr>
+          <p:cNvPr id="473090" name="Rectangle 2"/>
+          <p:cNvSpPr>
+            <a:spLocks noGrp="1" noChangeArrowheads="1"/>
+          </p:cNvSpPr>
+          <p:nvPr>
+            <p:ph type="title"/>
+          </p:nvPr>
+        </p:nvSpPr>
+        <p:spPr/>
+        <p:txBody>
+          <a:bodyPr/>
+          <a:lstStyle/>
+          <a:p>
+            <a:r>
+              <a:rPr lang="en-US" sz="3600" dirty="0" smtClean="0"/>
+              <a:t>HTTP</a:t>
+            </a:r>
+            <a:endParaRPr lang="en-US" sz="3600" dirty="0"/>
+          </a:p>
+        </p:txBody>
+      </p:sp>
+      <p:sp>
+        <p:nvSpPr>
+          <p:cNvPr id="473091" name="Rectangle 3"/>
+          <p:cNvSpPr>
+            <a:spLocks noGrp="1" noChangeArrowheads="1"/>
+          </p:cNvSpPr>
+          <p:nvPr>
+            <p:ph idx="1"/>
+          </p:nvPr>
+        </p:nvSpPr>
+        <p:spPr/>
+        <p:txBody>
+          <a:bodyPr/>
+          <a:lstStyle/>
+          <a:p>
+            <a:pPr>
+              <a:lnSpc>
+                <a:spcPct val="100000"/>
+              </a:lnSpc>
+            </a:pPr>
+            <a:r>
+              <a:rPr lang="en-US" dirty="0">
+                <a:solidFill>
+                  <a:schemeClr val="accent5">
+                    <a:lumMod val="20000"/>
+                    <a:lumOff val="80000"/>
+                  </a:schemeClr>
+                </a:solidFill>
+              </a:rPr>
+              <a:t>Hyper Text Transfer Protocol (HTTP)</a:t>
+            </a:r>
+          </a:p>
+          <a:p>
+            <a:pPr lvl="1">
+              <a:lnSpc>
+                <a:spcPct val="100000"/>
+              </a:lnSpc>
+            </a:pPr>
+            <a:r>
+              <a:rPr lang="en-US" dirty="0"/>
+              <a:t>Client-server protocol for transferring Web </a:t>
+            </a:r>
+            <a:r>
+              <a:rPr lang="en-US" dirty="0" smtClean="0"/>
+              <a:t>resources (HTML files, images, styles, etc.)</a:t>
+            </a:r>
+            <a:endParaRPr lang="en-US" dirty="0"/>
+          </a:p>
+          <a:p>
+            <a:pPr>
+              <a:lnSpc>
+                <a:spcPct val="100000"/>
+              </a:lnSpc>
+            </a:pPr>
+            <a:r>
+              <a:rPr lang="en-US" dirty="0"/>
+              <a:t>Important properties of HTTP</a:t>
+            </a:r>
+          </a:p>
+          <a:p>
+            <a:pPr lvl="1">
+              <a:lnSpc>
+                <a:spcPct val="100000"/>
+              </a:lnSpc>
+            </a:pPr>
+            <a:r>
+              <a:rPr lang="en-US" dirty="0"/>
+              <a:t>Request-response </a:t>
+            </a:r>
+            <a:r>
+              <a:rPr lang="en-US" dirty="0" smtClean="0"/>
+              <a:t>model</a:t>
+            </a:r>
+            <a:endParaRPr lang="en-US" dirty="0"/>
+          </a:p>
+          <a:p>
+            <a:pPr lvl="1">
+              <a:lnSpc>
+                <a:spcPct val="100000"/>
+              </a:lnSpc>
+            </a:pPr>
+            <a:r>
+              <a:rPr lang="en-US" dirty="0"/>
+              <a:t>Text-based format</a:t>
+            </a:r>
+          </a:p>
+          <a:p>
+            <a:pPr lvl="1">
+              <a:lnSpc>
+                <a:spcPct val="100000"/>
+              </a:lnSpc>
+            </a:pPr>
+            <a:r>
+              <a:rPr lang="en-US" dirty="0" smtClean="0"/>
+              <a:t>Relies </a:t>
+            </a:r>
+            <a:r>
+              <a:rPr lang="en-US" dirty="0"/>
+              <a:t>on a </a:t>
+            </a:r>
+            <a:r>
+              <a:rPr lang="en-US" dirty="0" smtClean="0"/>
+              <a:t>unique resource URLs</a:t>
+            </a:r>
+            <a:endParaRPr lang="en-US" dirty="0"/>
+          </a:p>
+          <a:p>
+            <a:pPr lvl="1">
+              <a:lnSpc>
+                <a:spcPct val="100000"/>
+              </a:lnSpc>
+            </a:pPr>
+            <a:r>
+              <a:rPr lang="en-US" dirty="0" smtClean="0"/>
+              <a:t>Provides resource metadata (e.g. encoding)</a:t>
+            </a:r>
+            <a:endParaRPr lang="en-US" dirty="0"/>
+          </a:p>
+          <a:p>
+            <a:pPr lvl="1">
+              <a:lnSpc>
+                <a:spcPct val="100000"/>
+              </a:lnSpc>
+            </a:pPr>
+            <a:r>
+              <a:rPr lang="en-US" dirty="0" smtClean="0"/>
+              <a:t>Stateless (cookies can overcome this)</a:t>
+            </a:r>
+            <a:endParaRPr lang="en-US" dirty="0"/>
+          </a:p>
+        </p:txBody>
+      </p:sp>
+      <p:sp>
+        <p:nvSpPr>
+          <p:cNvPr id="4" name="Slide Number Placeholder 3"/>
+          <p:cNvSpPr>
+            <a:spLocks noGrp="1"/>
+          </p:cNvSpPr>
+          <p:nvPr>
+            <p:ph type="sldNum" sz="quarter" idx="10"/>
+          </p:nvPr>
+        </p:nvSpPr>
+        <p:spPr/>
+        <p:txBody>
+          <a:bodyPr/>
+          <a:lstStyle/>
+          <a:p>
+            <a:pPr>
+              <a:defRPr/>
+            </a:pPr>
+            <a:fld id="{58452FF4-89E3-4D1B-9927-2DBDC00E58D7}" type="slidenum">
+              <a:rPr lang="en-US" smtClean="0"/>
+              <a:pPr>
+                <a:defRPr/>
+              </a:pPr>
+              <a:t>4</a:t>
+            </a:fld>
+            <a:endParaRPr lang="en-US" dirty="0"/>
+          </a:p>
+        </p:txBody>
+      </p:sp>
+    </p:spTree>
+    <p:extLst>
+      <p:ext uri="{BB962C8B-B14F-4D97-AF65-F5344CB8AC3E}">
+        <p14:creationId xmlns:p14="http://schemas.microsoft.com/office/powerpoint/2010/main" val="2440486903"/>
+      </p:ext>
+    </p:extLst>
+  </p:cSld>
+  <p:clrMapOvr>
+    <a:masterClrMapping/>
+  </p:clrMapOvr>
+  <p:timing>
+    <p:tnLst>
+      <p:par>
+        <p:cTn id="1" dur="indefinite" restart="never" nodeType="tmRoot"/>
+      </p:par>
+    </p:tnLst>
+  </p:timing>
+</p:sld>
+</file>
+
+<file path=ppt/slides/slide40.xml><?xml version="1.0" encoding="utf-8"?>
 <p:sld xmlns:a="http://schemas.openxmlformats.org/drawingml/2006/main" xmlns:r="http://schemas.openxmlformats.org/officeDocument/2006/relationships" xmlns:p="http://schemas.openxmlformats.org/presentationml/2006/main">
   <p:cSld>
     <p:spTree>
@@ -26448,7 +25954,7 @@
 </p:sld>
 </file>
 
-<file path=ppt/slides/slide43.xml><?xml version="1.0" encoding="utf-8"?>
+<file path=ppt/slides/slide41.xml><?xml version="1.0" encoding="utf-8"?>
 <p:sld xmlns:a="http://schemas.openxmlformats.org/drawingml/2006/main" xmlns:r="http://schemas.openxmlformats.org/officeDocument/2006/relationships" xmlns:p="http://schemas.openxmlformats.org/presentationml/2006/main">
   <p:cSld>
     <p:spTree>
@@ -26595,7 +26101,7 @@
               <a:pPr>
                 <a:defRPr/>
               </a:pPr>
-              <a:t>43</a:t>
+              <a:t>41</a:t>
             </a:fld>
             <a:endParaRPr lang="en-US" dirty="0"/>
           </a:p>
@@ -26645,7 +26151,7 @@
 </p:sld>
 </file>
 
-<file path=ppt/slides/slide44.xml><?xml version="1.0" encoding="utf-8"?>
+<file path=ppt/slides/slide42.xml><?xml version="1.0" encoding="utf-8"?>
 <p:sld xmlns:a="http://schemas.openxmlformats.org/drawingml/2006/main" xmlns:r="http://schemas.openxmlformats.org/officeDocument/2006/relationships" xmlns:p="http://schemas.openxmlformats.org/presentationml/2006/main">
   <p:cSld>
     <p:spTree>
@@ -26783,7 +26289,7 @@
               <a:pPr>
                 <a:defRPr/>
               </a:pPr>
-              <a:t>44</a:t>
+              <a:t>42</a:t>
             </a:fld>
             <a:endParaRPr lang="en-US" dirty="0"/>
           </a:p>
@@ -26859,7 +26365,7 @@
 </p:sld>
 </file>
 
-<file path=ppt/slides/slide45.xml><?xml version="1.0" encoding="utf-8"?>
+<file path=ppt/slides/slide43.xml><?xml version="1.0" encoding="utf-8"?>
 <p:sld xmlns:a="http://schemas.openxmlformats.org/drawingml/2006/main" xmlns:r="http://schemas.openxmlformats.org/officeDocument/2006/relationships" xmlns:p="http://schemas.openxmlformats.org/presentationml/2006/main">
   <p:cSld>
     <p:bg>
@@ -26991,7 +26497,7 @@
               <a:pPr>
                 <a:defRPr/>
               </a:pPr>
-              <a:t>45</a:t>
+              <a:t>43</a:t>
             </a:fld>
             <a:endParaRPr lang="en-US" dirty="0"/>
           </a:p>
@@ -27336,7 +26842,7 @@
 </p:sld>
 </file>
 
-<file path=ppt/slides/slide46.xml><?xml version="1.0" encoding="utf-8"?>
+<file path=ppt/slides/slide44.xml><?xml version="1.0" encoding="utf-8"?>
 <p:sld xmlns:a="http://schemas.openxmlformats.org/drawingml/2006/main" xmlns:r="http://schemas.openxmlformats.org/officeDocument/2006/relationships" xmlns:p="http://schemas.openxmlformats.org/presentationml/2006/main">
   <p:cSld>
     <p:spTree>
@@ -27442,7 +26948,7 @@
 </p:sld>
 </file>
 
-<file path=ppt/slides/slide47.xml><?xml version="1.0" encoding="utf-8"?>
+<file path=ppt/slides/slide45.xml><?xml version="1.0" encoding="utf-8"?>
 <p:sld xmlns:a="http://schemas.openxmlformats.org/drawingml/2006/main" xmlns:r="http://schemas.openxmlformats.org/officeDocument/2006/relationships" xmlns:p="http://schemas.openxmlformats.org/presentationml/2006/main">
   <p:cSld>
     <p:spTree>
@@ -27616,7 +27122,7 @@
               <a:pPr>
                 <a:defRPr/>
               </a:pPr>
-              <a:t>47</a:t>
+              <a:t>45</a:t>
             </a:fld>
             <a:endParaRPr lang="en-US" dirty="0"/>
           </a:p>
@@ -27642,7 +27148,7 @@
 </p:sld>
 </file>
 
-<file path=ppt/slides/slide48.xml><?xml version="1.0" encoding="utf-8"?>
+<file path=ppt/slides/slide46.xml><?xml version="1.0" encoding="utf-8"?>
 <p:sld xmlns:a="http://schemas.openxmlformats.org/drawingml/2006/main" xmlns:r="http://schemas.openxmlformats.org/officeDocument/2006/relationships" xmlns:p="http://schemas.openxmlformats.org/presentationml/2006/main">
   <p:cSld>
     <p:spTree>
@@ -27742,7 +27248,7 @@
 </p:sld>
 </file>
 
-<file path=ppt/slides/slide49.xml><?xml version="1.0" encoding="utf-8"?>
+<file path=ppt/slides/slide47.xml><?xml version="1.0" encoding="utf-8"?>
 <p:sld xmlns:a="http://schemas.openxmlformats.org/drawingml/2006/main" xmlns:r="http://schemas.openxmlformats.org/officeDocument/2006/relationships" xmlns:p="http://schemas.openxmlformats.org/presentationml/2006/main">
   <p:cSld>
     <p:spTree>
@@ -28205,7 +27711,7 @@
               <a:pPr>
                 <a:defRPr/>
               </a:pPr>
-              <a:t>49</a:t>
+              <a:t>47</a:t>
             </a:fld>
             <a:endParaRPr lang="en-US" dirty="0"/>
           </a:p>

--- a/01. Introduction-to-ASP.NET-MVC/Introduction to ASP.NET MVC.pptx
+++ b/01. Introduction-to-ASP.NET-MVC/Introduction to ASP.NET MVC.pptx
@@ -5,10 +5,10 @@
     <p:sldMasterId id="2147483672" r:id="rId1"/>
   </p:sldMasterIdLst>
   <p:notesMasterIdLst>
-    <p:notesMasterId r:id="rId49"/>
+    <p:notesMasterId r:id="rId48"/>
   </p:notesMasterIdLst>
   <p:handoutMasterIdLst>
-    <p:handoutMasterId r:id="rId50"/>
+    <p:handoutMasterId r:id="rId49"/>
   </p:handoutMasterIdLst>
   <p:sldIdLst>
     <p:sldId id="338" r:id="rId2"/>
@@ -45,24 +45,23 @@
     <p:sldId id="438" r:id="rId33"/>
     <p:sldId id="439" r:id="rId34"/>
     <p:sldId id="348" r:id="rId35"/>
-    <p:sldId id="369" r:id="rId36"/>
-    <p:sldId id="447" r:id="rId37"/>
-    <p:sldId id="372" r:id="rId38"/>
-    <p:sldId id="435" r:id="rId39"/>
-    <p:sldId id="383" r:id="rId40"/>
-    <p:sldId id="446" r:id="rId41"/>
-    <p:sldId id="437" r:id="rId42"/>
-    <p:sldId id="443" r:id="rId43"/>
-    <p:sldId id="445" r:id="rId44"/>
-    <p:sldId id="444" r:id="rId45"/>
-    <p:sldId id="370" r:id="rId46"/>
-    <p:sldId id="334" r:id="rId47"/>
-    <p:sldId id="403" r:id="rId48"/>
+    <p:sldId id="372" r:id="rId36"/>
+    <p:sldId id="369" r:id="rId37"/>
+    <p:sldId id="446" r:id="rId38"/>
+    <p:sldId id="437" r:id="rId39"/>
+    <p:sldId id="443" r:id="rId40"/>
+    <p:sldId id="445" r:id="rId41"/>
+    <p:sldId id="456" r:id="rId42"/>
+    <p:sldId id="457" r:id="rId43"/>
+    <p:sldId id="444" r:id="rId44"/>
+    <p:sldId id="370" r:id="rId45"/>
+    <p:sldId id="334" r:id="rId46"/>
+    <p:sldId id="403" r:id="rId47"/>
   </p:sldIdLst>
   <p:sldSz cx="9144000" cy="6858000" type="screen4x3"/>
   <p:notesSz cx="6881813" cy="9296400"/>
   <p:custDataLst>
-    <p:tags r:id="rId51"/>
+    <p:tags r:id="rId50"/>
   </p:custDataLst>
   <p:defaultTextStyle>
     <a:defPPr>
@@ -209,7 +208,7 @@
             <p14:sldId id="455"/>
           </p14:sldIdLst>
         </p14:section>
-        <p14:section name="The MVC Pattern" id="{8CF34BE0-F434-4137-A7FF-4BA785BCEE54}">
+        <p14:section name="The MVC Design Pattern" id="{8CF34BE0-F434-4137-A7FF-4BA785BCEE54}">
           <p14:sldIdLst>
             <p14:sldId id="364"/>
             <p14:sldId id="350"/>
@@ -244,15 +243,8 @@
             <p14:sldId id="438"/>
             <p14:sldId id="439"/>
             <p14:sldId id="348"/>
+            <p14:sldId id="372"/>
             <p14:sldId id="369"/>
-          </p14:sldIdLst>
-        </p14:section>
-        <p14:section name="NuGet Package Management" id="{8FF2DE43-510E-467D-A0FD-3112C602D486}">
-          <p14:sldIdLst>
-            <p14:sldId id="447"/>
-            <p14:sldId id="372"/>
-            <p14:sldId id="435"/>
-            <p14:sldId id="383"/>
           </p14:sldIdLst>
         </p14:section>
         <p14:section name="Glimpse" id="{4A66DA90-D85C-4A0A-9907-1C26D4F851A0}">
@@ -261,10 +253,12 @@
             <p14:sldId id="437"/>
             <p14:sldId id="443"/>
             <p14:sldId id="445"/>
+            <p14:sldId id="456"/>
+            <p14:sldId id="457"/>
             <p14:sldId id="444"/>
           </p14:sldIdLst>
         </p14:section>
-        <p14:section name="Summary, Questions, Homework" id="{5346AD75-CFEF-4826-8EDA-D95E01706B79}">
+        <p14:section name="Summary and Questions" id="{5346AD75-CFEF-4826-8EDA-D95E01706B79}">
           <p14:sldIdLst>
             <p14:sldId id="370"/>
             <p14:sldId id="334"/>
@@ -420,7 +414,7 @@
             <a:fld id="{3BF7C7B5-275F-4D1F-9AB4-9255447DBC73}" type="datetimeFigureOut">
               <a:rPr lang="en-US"/>
               <a:pPr/>
-              <a:t>1/31/2016</a:t>
+              <a:t>2/1/2016</a:t>
             </a:fld>
             <a:endParaRPr lang="en-US" dirty="0"/>
           </a:p>
@@ -651,7 +645,7 @@
             <a:fld id="{9B46F231-FB2B-4655-A644-E2477325E686}" type="datetimeFigureOut">
               <a:rPr lang="en-US"/>
               <a:pPr/>
-              <a:t>1/31/2016</a:t>
+              <a:t>2/1/2016</a:t>
             </a:fld>
             <a:endParaRPr lang="en-US" dirty="0"/>
           </a:p>
@@ -1309,7 +1303,7 @@
             <a:fld id="{6FB4F6EA-423E-42DF-9292-215E7D886C4E}" type="slidenum">
               <a:rPr lang="en-US" smtClean="0"/>
               <a:pPr/>
-              <a:t>41</a:t>
+              <a:t>38</a:t>
             </a:fld>
             <a:endParaRPr lang="en-US" dirty="0"/>
           </a:p>
@@ -7378,9 +7372,10 @@
               <a:t>MVC </a:t>
             </a:r>
             <a:r>
-              <a:rPr lang="en-US" dirty="0"/>
-              <a:t>Pattern</a:t>
-            </a:r>
+              <a:rPr lang="en-US" dirty="0" smtClean="0"/>
+              <a:t>Design Pattern</a:t>
+            </a:r>
+            <a:endParaRPr lang="en-US" dirty="0"/>
           </a:p>
         </p:txBody>
       </p:sp>
@@ -7518,7 +7513,11 @@
           <a:p>
             <a:r>
               <a:rPr lang="en-US" dirty="0" smtClean="0"/>
-              <a:t>The MVC Pattern</a:t>
+              <a:t>The </a:t>
+            </a:r>
+            <a:r>
+              <a:rPr lang="en-US" dirty="0" smtClean="0"/>
+              <a:t>MVC Design Pattern</a:t>
             </a:r>
             <a:endParaRPr lang="en-US" dirty="0"/>
           </a:p>
@@ -14939,7 +14938,7 @@
         </p:nvSpPr>
         <p:spPr>
           <a:xfrm>
-            <a:off x="228600" y="838200"/>
+            <a:off x="228600" y="762000"/>
             <a:ext cx="8686800" cy="5791200"/>
           </a:xfrm>
         </p:spPr>
@@ -14947,14 +14946,6 @@
           <a:bodyPr/>
           <a:lstStyle/>
           <a:p>
-            <a:pPr>
-              <a:spcBef>
-                <a:spcPts val="300"/>
-              </a:spcBef>
-              <a:spcAft>
-                <a:spcPts val="300"/>
-              </a:spcAft>
-            </a:pPr>
             <a:r>
               <a:rPr lang="en-US" dirty="0" smtClean="0"/>
               <a:t>The HTTP Protocol</a:t>
@@ -14962,42 +14953,25 @@
             <a:endParaRPr lang="bg-BG" dirty="0" smtClean="0"/>
           </a:p>
           <a:p>
-            <a:pPr>
-              <a:spcBef>
-                <a:spcPts val="300"/>
-              </a:spcBef>
-              <a:spcAft>
-                <a:spcPts val="300"/>
-              </a:spcAft>
-            </a:pPr>
             <a:r>
               <a:rPr lang="en-US" dirty="0" smtClean="0"/>
-              <a:t>The MVC Pattern</a:t>
-            </a:r>
-          </a:p>
-          <a:p>
-            <a:pPr lvl="1">
-              <a:spcBef>
-                <a:spcPts val="300"/>
-              </a:spcBef>
-              <a:spcAft>
-                <a:spcPts val="300"/>
-              </a:spcAft>
-            </a:pPr>
+              <a:t>The MVC </a:t>
+            </a:r>
+            <a:r>
+              <a:rPr lang="en-US" dirty="0" smtClean="0"/>
+              <a:t>Design Pattern</a:t>
+            </a:r>
+            <a:endParaRPr lang="en-US" dirty="0" smtClean="0"/>
+          </a:p>
+          <a:p>
+            <a:pPr lvl="1"/>
             <a:r>
               <a:rPr lang="en-US" dirty="0" smtClean="0"/>
               <a:t>Model, View, Controller</a:t>
             </a:r>
           </a:p>
           <a:p>
-            <a:pPr lvl="1">
-              <a:spcBef>
-                <a:spcPts val="300"/>
-              </a:spcBef>
-              <a:spcAft>
-                <a:spcPts val="300"/>
-              </a:spcAft>
-            </a:pPr>
+            <a:pPr lvl="1"/>
             <a:r>
               <a:rPr lang="en-US" dirty="0"/>
               <a:t>The MVC Pattern for </a:t>
@@ -15008,59 +14982,38 @@
             </a:r>
           </a:p>
           <a:p>
-            <a:pPr>
-              <a:spcBef>
-                <a:spcPts val="300"/>
-              </a:spcBef>
-              <a:spcAft>
-                <a:spcPts val="300"/>
-              </a:spcAft>
-            </a:pPr>
             <a:r>
               <a:rPr lang="en-US" dirty="0" smtClean="0"/>
               <a:t>ASP.NET MVC</a:t>
             </a:r>
           </a:p>
           <a:p>
-            <a:pPr lvl="1">
-              <a:spcBef>
-                <a:spcPts val="300"/>
-              </a:spcBef>
-              <a:spcAft>
-                <a:spcPts val="300"/>
-              </a:spcAft>
-            </a:pPr>
+            <a:pPr lvl="1"/>
             <a:r>
               <a:rPr lang="en-US" dirty="0" smtClean="0"/>
-              <a:t>Comparison with ASP.NET</a:t>
-            </a:r>
-          </a:p>
-          <a:p>
-            <a:pPr lvl="1">
-              <a:spcBef>
-                <a:spcPts val="300"/>
-              </a:spcBef>
-              <a:spcAft>
-                <a:spcPts val="300"/>
-              </a:spcAft>
-            </a:pPr>
+              <a:t>Comparison with </a:t>
+            </a:r>
+            <a:r>
+              <a:rPr lang="en-US" dirty="0" smtClean="0"/>
+              <a:t>Web Forms</a:t>
+            </a:r>
+            <a:endParaRPr lang="en-US" dirty="0" smtClean="0"/>
+          </a:p>
+          <a:p>
+            <a:pPr lvl="1"/>
             <a:r>
               <a:rPr lang="en-US" dirty="0" smtClean="0"/>
               <a:t>ASP.NET MVC Advantages</a:t>
             </a:r>
           </a:p>
           <a:p>
-            <a:pPr>
-              <a:spcBef>
-                <a:spcPts val="300"/>
-              </a:spcBef>
-              <a:spcAft>
-                <a:spcPts val="300"/>
-              </a:spcAft>
-            </a:pPr>
+            <a:r>
+              <a:rPr lang="en-US" dirty="0" smtClean="0"/>
+              <a:t>Creating first </a:t>
+            </a:r>
             <a:r>
               <a:rPr lang="en-US" dirty="0"/>
-              <a:t>Creating ASP.NET MVC </a:t>
+              <a:t>ASP.NET MVC </a:t>
             </a:r>
             <a:r>
               <a:rPr lang="en-US" dirty="0" smtClean="0"/>
@@ -15068,36 +15021,11 @@
             </a:r>
           </a:p>
           <a:p>
-            <a:pPr>
-              <a:spcBef>
-                <a:spcPts val="300"/>
-              </a:spcBef>
-              <a:spcAft>
-                <a:spcPts val="300"/>
-              </a:spcAft>
-            </a:pPr>
-            <a:r>
-              <a:rPr lang="en-US" dirty="0"/>
-              <a:t>NuGet Package </a:t>
-            </a:r>
-            <a:r>
-              <a:rPr lang="en-US" dirty="0" smtClean="0"/>
-              <a:t>Management</a:t>
-            </a:r>
-          </a:p>
-          <a:p>
-            <a:pPr>
-              <a:spcBef>
-                <a:spcPts val="300"/>
-              </a:spcBef>
-              <a:spcAft>
-                <a:spcPts val="300"/>
-              </a:spcAft>
-            </a:pPr>
             <a:r>
               <a:rPr lang="en-US" dirty="0" smtClean="0"/>
               <a:t>Server Information with Glimpse</a:t>
             </a:r>
+            <a:endParaRPr lang="en-US" dirty="0" smtClean="0"/>
           </a:p>
         </p:txBody>
       </p:sp>
@@ -15153,7 +15081,7 @@
         </p:blipFill>
         <p:spPr bwMode="auto">
           <a:xfrm rot="1502284">
-            <a:off x="5827487" y="3070922"/>
+            <a:off x="5789387" y="3070923"/>
             <a:ext cx="3225906" cy="2688255"/>
           </a:xfrm>
           <a:prstGeom prst="rect">
@@ -15583,6 +15511,36 @@
           </a:p>
         </p:txBody>
       </p:sp>
+      <p:pic>
+        <p:nvPicPr>
+          <p:cNvPr id="5" name="Picture 4"/>
+          <p:cNvPicPr>
+            <a:picLocks noChangeAspect="1"/>
+          </p:cNvPicPr>
+          <p:nvPr/>
+        </p:nvPicPr>
+        <p:blipFill>
+          <a:blip r:embed="rId2"/>
+          <a:stretch>
+            <a:fillRect/>
+          </a:stretch>
+        </p:blipFill>
+        <p:spPr>
+          <a:xfrm>
+            <a:off x="7150947" y="823355"/>
+            <a:ext cx="1459654" cy="853045"/>
+          </a:xfrm>
+          <a:prstGeom prst="rect">
+            <a:avLst/>
+          </a:prstGeom>
+          <a:ln>
+            <a:noFill/>
+          </a:ln>
+          <a:effectLst>
+            <a:softEdge rad="112500"/>
+          </a:effectLst>
+        </p:spPr>
+      </p:pic>
     </p:spTree>
     <p:extLst>
       <p:ext uri="{BB962C8B-B14F-4D97-AF65-F5344CB8AC3E}">
@@ -16940,18 +16898,38 @@
             <p:ph idx="1"/>
           </p:nvPr>
         </p:nvSpPr>
-        <p:spPr/>
+        <p:spPr>
+          <a:xfrm>
+            <a:off x="228600" y="762000"/>
+            <a:ext cx="8686800" cy="5867400"/>
+          </a:xfrm>
+        </p:spPr>
         <p:txBody>
           <a:bodyPr/>
           <a:lstStyle/>
           <a:p>
+            <a:pPr>
+              <a:spcBef>
+                <a:spcPts val="300"/>
+              </a:spcBef>
+              <a:spcAft>
+                <a:spcPts val="0"/>
+              </a:spcAft>
+            </a:pPr>
             <a:r>
               <a:rPr lang="en-US" dirty="0" smtClean="0"/>
               <a:t>Runs on top of ASP.NET</a:t>
             </a:r>
           </a:p>
           <a:p>
-            <a:pPr lvl="1"/>
+            <a:pPr lvl="1">
+              <a:spcBef>
+                <a:spcPts val="300"/>
+              </a:spcBef>
+              <a:spcAft>
+                <a:spcPts val="0"/>
+              </a:spcAft>
+            </a:pPr>
             <a:r>
               <a:rPr lang="en-US" dirty="0"/>
               <a:t>Not a replacement for </a:t>
@@ -16963,46 +16941,139 @@
             <a:endParaRPr lang="en-US" dirty="0" smtClean="0"/>
           </a:p>
           <a:p>
-            <a:pPr lvl="1"/>
+            <a:pPr lvl="1">
+              <a:spcBef>
+                <a:spcPts val="300"/>
+              </a:spcBef>
+              <a:spcAft>
+                <a:spcPts val="0"/>
+              </a:spcAft>
+            </a:pPr>
             <a:r>
               <a:rPr lang="en-US" dirty="0" smtClean="0"/>
-              <a:t>Leverage the benefits of ASP.NET</a:t>
+              <a:t>Leverage the benefits of </a:t>
+            </a:r>
+            <a:r>
+              <a:rPr lang="en-US" dirty="0" smtClean="0"/>
+              <a:t>ASP.NET</a:t>
+            </a:r>
+          </a:p>
+          <a:p>
+            <a:pPr lvl="2">
+              <a:spcBef>
+                <a:spcPts val="300"/>
+              </a:spcBef>
+              <a:spcAft>
+                <a:spcPts val="0"/>
+              </a:spcAft>
+            </a:pPr>
+            <a:r>
+              <a:rPr lang="en-US" dirty="0" smtClean="0"/>
+              <a:t>Caching, modules, handlers, session state, …</a:t>
             </a:r>
             <a:endParaRPr lang="en-US" dirty="0"/>
           </a:p>
           <a:p>
+            <a:pPr>
+              <a:spcBef>
+                <a:spcPts val="300"/>
+              </a:spcBef>
+              <a:spcAft>
+                <a:spcPts val="0"/>
+              </a:spcAft>
+            </a:pPr>
             <a:r>
               <a:rPr lang="en-US" dirty="0" smtClean="0"/>
-              <a:t>Embrace the web</a:t>
-            </a:r>
-          </a:p>
-          <a:p>
-            <a:pPr lvl="1"/>
+              <a:t>Embrace the </a:t>
+            </a:r>
+            <a:r>
+              <a:rPr lang="en-US" dirty="0" smtClean="0"/>
+              <a:t>web</a:t>
+            </a:r>
+          </a:p>
+          <a:p>
+            <a:pPr lvl="1">
+              <a:spcBef>
+                <a:spcPts val="300"/>
+              </a:spcBef>
+              <a:spcAft>
+                <a:spcPts val="0"/>
+              </a:spcAft>
+            </a:pPr>
+            <a:r>
+              <a:rPr lang="en-US" dirty="0" smtClean="0"/>
+              <a:t>No illusions of state – no page lifecycle</a:t>
+            </a:r>
+            <a:endParaRPr lang="en-US" dirty="0" smtClean="0"/>
+          </a:p>
+          <a:p>
+            <a:pPr lvl="1">
+              <a:spcBef>
+                <a:spcPts val="300"/>
+              </a:spcBef>
+              <a:spcAft>
+                <a:spcPts val="0"/>
+              </a:spcAft>
+            </a:pPr>
             <a:r>
               <a:rPr lang="en-US" sz="2800" dirty="0"/>
               <a:t>User/SEO friendly </a:t>
             </a:r>
             <a:r>
               <a:rPr lang="en-US" sz="2800" dirty="0" smtClean="0"/>
-              <a:t>URLs, HTML 5, SPA</a:t>
-            </a:r>
-          </a:p>
-          <a:p>
-            <a:pPr lvl="1"/>
+              <a:t>URLs, </a:t>
+            </a:r>
             <a:r>
               <a:rPr lang="en-US" sz="2800" dirty="0" smtClean="0"/>
-              <a:t>Adopt REST concepts</a:t>
+              <a:t>clean HTML </a:t>
+            </a:r>
+            <a:r>
+              <a:rPr lang="en-US" sz="2800" dirty="0" smtClean="0"/>
+              <a:t>5, SPA</a:t>
+            </a:r>
+          </a:p>
+          <a:p>
+            <a:pPr lvl="1">
+              <a:spcBef>
+                <a:spcPts val="300"/>
+              </a:spcBef>
+              <a:spcAft>
+                <a:spcPts val="0"/>
+              </a:spcAft>
+            </a:pPr>
+            <a:r>
+              <a:rPr lang="en-US" sz="2800" dirty="0" smtClean="0"/>
+              <a:t>Adopt REST </a:t>
+            </a:r>
+            <a:r>
+              <a:rPr lang="en-US" sz="2800" dirty="0" smtClean="0"/>
+              <a:t>concepts</a:t>
             </a:r>
             <a:endParaRPr lang="en-US" dirty="0" smtClean="0"/>
           </a:p>
           <a:p>
+            <a:pPr>
+              <a:spcBef>
+                <a:spcPts val="300"/>
+              </a:spcBef>
+              <a:spcAft>
+                <a:spcPts val="0"/>
+              </a:spcAft>
+            </a:pPr>
             <a:r>
               <a:rPr lang="en-US" dirty="0" smtClean="0"/>
               <a:t>Uses MVC pattern</a:t>
             </a:r>
           </a:p>
           <a:p>
-            <a:pPr lvl="1"/>
+            <a:pPr lvl="1">
+              <a:spcBef>
+                <a:spcPts val="300"/>
+              </a:spcBef>
+              <a:spcAft>
+                <a:spcPts val="0"/>
+              </a:spcAft>
+            </a:pPr>
             <a:r>
               <a:rPr lang="en-US" sz="2800" dirty="0"/>
               <a:t>Conventions and </a:t>
@@ -17013,7 +17084,14 @@
             </a:r>
           </a:p>
           <a:p>
-            <a:pPr lvl="1"/>
+            <a:pPr lvl="1">
+              <a:spcBef>
+                <a:spcPts val="300"/>
+              </a:spcBef>
+              <a:spcAft>
+                <a:spcPts val="0"/>
+              </a:spcAft>
+            </a:pPr>
             <a:r>
               <a:rPr lang="en-US" sz="2800" dirty="0" smtClean="0"/>
               <a:t>Separation of concerns</a:t>
@@ -17073,7 +17151,7 @@
         </p:blipFill>
         <p:spPr bwMode="auto">
           <a:xfrm>
-            <a:off x="5867400" y="4191000"/>
+            <a:off x="5943600" y="4267200"/>
             <a:ext cx="2190750" cy="2190750"/>
           </a:xfrm>
           <a:prstGeom prst="rect">
@@ -17190,8 +17268,8 @@
         </p:nvSpPr>
         <p:spPr>
           <a:xfrm>
-            <a:off x="228600" y="838200"/>
-            <a:ext cx="8686800" cy="5791200"/>
+            <a:off x="228600" y="762000"/>
+            <a:ext cx="8686800" cy="5867400"/>
           </a:xfrm>
         </p:spPr>
         <p:txBody>
@@ -17208,6 +17286,7 @@
               <a:rPr lang="en-US" dirty="0" smtClean="0"/>
               <a:t>Testable</a:t>
             </a:r>
+            <a:endParaRPr lang="en-US" dirty="0" smtClean="0"/>
           </a:p>
           <a:p>
             <a:r>
@@ -17301,6 +17380,70 @@
           </a:p>
         </p:txBody>
       </p:sp>
+      <p:pic>
+        <p:nvPicPr>
+          <p:cNvPr id="5" name="Picture 4" descr="http://4.bp.blogspot.com/-e6I8CyF7AG4/UOKfFIZfoyI/AAAAAAAABNs/2L68gGJhvrg/s1600/asp.net%2Bmvc.png"/>
+          <p:cNvPicPr>
+            <a:picLocks noChangeAspect="1" noChangeArrowheads="1"/>
+          </p:cNvPicPr>
+          <p:nvPr/>
+        </p:nvPicPr>
+        <p:blipFill>
+          <a:blip r:embed="rId2">
+            <a:extLst>
+              <a:ext uri="{28A0092B-C50C-407E-A947-70E740481C1C}">
+                <a14:useLocalDpi xmlns:a14="http://schemas.microsoft.com/office/drawing/2010/main" val="0"/>
+              </a:ext>
+            </a:extLst>
+          </a:blip>
+          <a:srcRect/>
+          <a:stretch>
+            <a:fillRect/>
+          </a:stretch>
+        </p:blipFill>
+        <p:spPr bwMode="auto">
+          <a:xfrm>
+            <a:off x="6477000" y="784123"/>
+            <a:ext cx="2190750" cy="2190750"/>
+          </a:xfrm>
+          <a:prstGeom prst="rect">
+            <a:avLst/>
+          </a:prstGeom>
+          <a:solidFill>
+            <a:srgbClr val="FFFFFF">
+              <a:shade val="85000"/>
+            </a:srgbClr>
+          </a:solidFill>
+          <a:ln w="101600" cap="sq">
+            <a:solidFill>
+              <a:srgbClr val="FDFDFD"/>
+            </a:solidFill>
+            <a:miter lim="800000"/>
+          </a:ln>
+          <a:effectLst>
+            <a:outerShdw blurRad="57150" dist="37500" dir="7560000" sy="98000" kx="110000" ky="200000" algn="tl" rotWithShape="0">
+              <a:srgbClr val="000000">
+                <a:alpha val="20000"/>
+              </a:srgbClr>
+            </a:outerShdw>
+          </a:effectLst>
+          <a:scene3d>
+            <a:camera prst="perspectiveRelaxed">
+              <a:rot lat="18960000" lon="0" rev="0"/>
+            </a:camera>
+            <a:lightRig rig="twoPt" dir="t">
+              <a:rot lat="0" lon="0" rev="7200000"/>
+            </a:lightRig>
+          </a:scene3d>
+          <a:sp3d prstMaterial="matte">
+            <a:bevelT w="22860" h="12700"/>
+            <a:contourClr>
+              <a:srgbClr val="FFFFFF"/>
+            </a:contourClr>
+          </a:sp3d>
+          <a:extLst/>
+        </p:spPr>
+      </p:pic>
     </p:spTree>
     <p:extLst>
       <p:ext uri="{BB962C8B-B14F-4D97-AF65-F5344CB8AC3E}">
@@ -18550,6 +18693,14 @@
           <a:bodyPr/>
           <a:lstStyle/>
           <a:p>
+            <a:pPr>
+              <a:spcBef>
+                <a:spcPts val="300"/>
+              </a:spcBef>
+              <a:spcAft>
+                <a:spcPts val="300"/>
+              </a:spcAft>
+            </a:pPr>
             <a:r>
               <a:rPr lang="en-US" dirty="0"/>
               <a:t>Replace any component of the </a:t>
@@ -18560,20 +18711,42 @@
             </a:r>
           </a:p>
           <a:p>
-            <a:pPr lvl="1"/>
+            <a:pPr lvl="1">
+              <a:spcBef>
+                <a:spcPts val="300"/>
+              </a:spcBef>
+              <a:spcAft>
+                <a:spcPts val="300"/>
+              </a:spcAft>
+            </a:pPr>
             <a:r>
               <a:rPr lang="en-US" dirty="0" smtClean="0"/>
               <a:t>Interface-based architecture</a:t>
             </a:r>
           </a:p>
           <a:p>
+            <a:pPr>
+              <a:spcBef>
+                <a:spcPts val="300"/>
+              </a:spcBef>
+              <a:spcAft>
+                <a:spcPts val="300"/>
+              </a:spcAft>
+            </a:pPr>
             <a:r>
               <a:rPr lang="en-US" dirty="0" smtClean="0"/>
               <a:t>Almost anything can be replaced or extended</a:t>
             </a:r>
           </a:p>
           <a:p>
-            <a:pPr lvl="1"/>
+            <a:pPr lvl="1">
+              <a:spcBef>
+                <a:spcPts val="300"/>
+              </a:spcBef>
+              <a:spcAft>
+                <a:spcPts val="300"/>
+              </a:spcAft>
+            </a:pPr>
             <a:r>
               <a:rPr lang="en-US" dirty="0" smtClean="0"/>
               <a:t>Model </a:t>
@@ -18596,7 +18769,14 @@
             </a:r>
           </a:p>
           <a:p>
-            <a:pPr lvl="1"/>
+            <a:pPr lvl="1">
+              <a:spcBef>
+                <a:spcPts val="300"/>
+              </a:spcBef>
+              <a:spcAft>
+                <a:spcPts val="300"/>
+              </a:spcAft>
+            </a:pPr>
             <a:r>
               <a:rPr lang="en-US" dirty="0" smtClean="0"/>
               <a:t>Action/result </a:t>
@@ -18610,7 +18790,14 @@
               <a:t>(e.g. </a:t>
             </a:r>
             <a:r>
-              <a:rPr lang="en-US" dirty="0" err="1" smtClean="0"/>
+              <a:rPr lang="en-US" dirty="0" err="1">
+                <a:solidFill>
+                  <a:schemeClr val="accent5">
+                    <a:lumMod val="20000"/>
+                    <a:lumOff val="80000"/>
+                  </a:schemeClr>
+                </a:solidFill>
+              </a:rPr>
               <a:t>OnActionExecuting</a:t>
             </a:r>
             <a:r>
@@ -18619,14 +18806,28 @@
             </a:r>
           </a:p>
           <a:p>
-            <a:pPr lvl="1"/>
+            <a:pPr lvl="1">
+              <a:spcBef>
+                <a:spcPts val="300"/>
+              </a:spcBef>
+              <a:spcAft>
+                <a:spcPts val="300"/>
+              </a:spcAft>
+            </a:pPr>
             <a:r>
               <a:rPr lang="en-US" dirty="0"/>
               <a:t>Custom action result types</a:t>
             </a:r>
           </a:p>
           <a:p>
-            <a:pPr lvl="1"/>
+            <a:pPr lvl="1">
+              <a:spcBef>
+                <a:spcPts val="300"/>
+              </a:spcBef>
+              <a:spcAft>
+                <a:spcPts val="300"/>
+              </a:spcAft>
+            </a:pPr>
             <a:r>
               <a:rPr lang="en-US" dirty="0"/>
               <a:t>View engine (Razor, </a:t>
@@ -18653,7 +18854,14 @@
             </a:r>
           </a:p>
           <a:p>
-            <a:pPr lvl="1"/>
+            <a:pPr lvl="1">
+              <a:spcBef>
+                <a:spcPts val="300"/>
+              </a:spcBef>
+              <a:spcAft>
+                <a:spcPts val="300"/>
+              </a:spcAft>
+            </a:pPr>
             <a:r>
               <a:rPr lang="en-US" dirty="0" smtClean="0"/>
               <a:t>View helpers (HTML, AJAX, URL, etc.)</a:t>
@@ -18661,14 +18869,32 @@
             <a:endParaRPr lang="en-US" dirty="0"/>
           </a:p>
           <a:p>
-            <a:pPr lvl="1"/>
+            <a:pPr lvl="1">
+              <a:spcBef>
+                <a:spcPts val="300"/>
+              </a:spcBef>
+              <a:spcAft>
+                <a:spcPts val="300"/>
+              </a:spcAft>
+            </a:pPr>
             <a:r>
               <a:rPr lang="en-US" dirty="0" smtClean="0"/>
               <a:t>Custom data providers (ADO.NET), etc.</a:t>
             </a:r>
           </a:p>
           <a:p>
-            <a:pPr lvl="1"/>
+            <a:pPr lvl="1">
+              <a:spcBef>
+                <a:spcPts val="300"/>
+              </a:spcBef>
+              <a:spcAft>
+                <a:spcPts val="300"/>
+              </a:spcAft>
+            </a:pPr>
+            <a:r>
+              <a:rPr lang="en-US" dirty="0" smtClean="0"/>
+              <a:t>Controller factory can be also replaced</a:t>
+            </a:r>
             <a:endParaRPr lang="en-US" dirty="0"/>
           </a:p>
         </p:txBody>
@@ -19034,6 +19260,14 @@
           <a:bodyPr/>
           <a:lstStyle/>
           <a:p>
+            <a:pPr>
+              <a:spcBef>
+                <a:spcPts val="300"/>
+              </a:spcBef>
+              <a:spcAft>
+                <a:spcPts val="300"/>
+              </a:spcAft>
+            </a:pPr>
             <a:r>
               <a:rPr lang="en-US" dirty="0"/>
               <a:t>ASP.NET MVC, Web API, and Web Pages source </a:t>
@@ -19049,7 +19283,14 @@
             <a:endParaRPr lang="en-US" dirty="0" smtClean="0"/>
           </a:p>
           <a:p>
-            <a:pPr lvl="1"/>
+            <a:pPr lvl="1">
+              <a:spcBef>
+                <a:spcPts val="300"/>
+              </a:spcBef>
+              <a:spcAft>
+                <a:spcPts val="300"/>
+              </a:spcAft>
+            </a:pPr>
             <a:r>
               <a:rPr lang="en-US" dirty="0">
                 <a:hlinkClick r:id="rId2"/>
@@ -19065,6 +19306,14 @@
             <a:endParaRPr lang="en-US" dirty="0" smtClean="0"/>
           </a:p>
           <a:p>
+            <a:pPr>
+              <a:spcBef>
+                <a:spcPts val="300"/>
+              </a:spcBef>
+              <a:spcAft>
+                <a:spcPts val="300"/>
+              </a:spcAft>
+            </a:pPr>
             <a:r>
               <a:rPr lang="en-US" dirty="0" smtClean="0"/>
               <a:t>You can vote for new features in ASP.NET </a:t>
@@ -19079,26 +19328,59 @@
             </a:r>
           </a:p>
           <a:p>
-            <a:pPr lvl="1"/>
+            <a:pPr lvl="1">
+              <a:spcBef>
+                <a:spcPts val="300"/>
+              </a:spcBef>
+              <a:spcAft>
+                <a:spcPts val="300"/>
+              </a:spcAft>
+            </a:pPr>
             <a:r>
               <a:rPr lang="en-US" dirty="0">
                 <a:hlinkClick r:id="rId3"/>
               </a:rPr>
-              <a:t>http://aspnet.uservoice.com/forums/41199-general-asp-net</a:t>
-            </a:r>
-          </a:p>
-          <a:p>
-            <a:r>
-              <a:rPr lang="en-US" dirty="0" err="1" smtClean="0"/>
-              <a:t>vNext</a:t>
-            </a:r>
+              <a:t>http://</a:t>
+            </a:r>
+            <a:r>
+              <a:rPr lang="en-US" dirty="0" smtClean="0">
+                <a:hlinkClick r:id="rId3"/>
+              </a:rPr>
+              <a:t>aspnet.uservoice.com/forums/41201-asp-net-mvc</a:t>
+            </a:r>
+            <a:endParaRPr lang="en-US" dirty="0" smtClean="0"/>
+          </a:p>
+          <a:p>
+            <a:pPr>
+              <a:spcBef>
+                <a:spcPts val="300"/>
+              </a:spcBef>
+              <a:spcAft>
+                <a:spcPts val="300"/>
+              </a:spcAft>
+            </a:pPr>
             <a:r>
               <a:rPr lang="en-US" dirty="0" smtClean="0"/>
-              <a:t> is on GitHub</a:t>
-            </a:r>
-          </a:p>
-          <a:p>
-            <a:pPr lvl="1"/>
+              <a:t>ASP.NET </a:t>
+            </a:r>
+            <a:r>
+              <a:rPr lang="en-US" dirty="0" smtClean="0"/>
+              <a:t>Core (the new MVC) is </a:t>
+            </a:r>
+            <a:r>
+              <a:rPr lang="en-US" dirty="0" smtClean="0"/>
+              <a:t>on GitHub</a:t>
+            </a:r>
+          </a:p>
+          <a:p>
+            <a:pPr lvl="1">
+              <a:spcBef>
+                <a:spcPts val="300"/>
+              </a:spcBef>
+              <a:spcAft>
+                <a:spcPts val="300"/>
+              </a:spcAft>
+            </a:pPr>
             <a:r>
               <a:rPr lang="en-US" dirty="0">
                 <a:hlinkClick r:id="rId4"/>
@@ -19111,9 +19393,28 @@
               </a:rPr>
               <a:t>github.com/aspnet</a:t>
             </a:r>
-            <a:r>
-              <a:rPr lang="en-US" dirty="0" smtClean="0"/>
-              <a:t> </a:t>
+            <a:endParaRPr lang="en-US" dirty="0" smtClean="0"/>
+          </a:p>
+          <a:p>
+            <a:pPr lvl="1">
+              <a:spcBef>
+                <a:spcPts val="300"/>
+              </a:spcBef>
+              <a:spcAft>
+                <a:spcPts val="300"/>
+              </a:spcAft>
+            </a:pPr>
+            <a:r>
+              <a:rPr lang="en-US" dirty="0">
+                <a:hlinkClick r:id="rId5"/>
+              </a:rPr>
+              <a:t>https://</a:t>
+            </a:r>
+            <a:r>
+              <a:rPr lang="en-US" dirty="0" smtClean="0">
+                <a:hlinkClick r:id="rId5"/>
+              </a:rPr>
+              <a:t>github.com/aspnet/Mvc</a:t>
             </a:r>
             <a:endParaRPr lang="en-US" dirty="0"/>
           </a:p>
@@ -22060,7 +22361,7 @@
       </p:sp>
       <p:pic>
         <p:nvPicPr>
-          <p:cNvPr id="7" name="Picture 6"/>
+          <p:cNvPr id="2" name="Picture 1"/>
           <p:cNvPicPr>
             <a:picLocks noChangeAspect="1"/>
           </p:cNvPicPr>
@@ -22074,8 +22375,8 @@
         </p:blipFill>
         <p:spPr>
           <a:xfrm>
-            <a:off x="2171700" y="2819400"/>
-            <a:ext cx="4800600" cy="2880360"/>
+            <a:off x="2057400" y="2667000"/>
+            <a:ext cx="5150825" cy="2971800"/>
           </a:xfrm>
           <a:prstGeom prst="roundRect">
             <a:avLst>
@@ -22132,6 +22433,40 @@
           <a:chExt cx="0" cy="0"/>
         </a:xfrm>
       </p:grpSpPr>
+      <p:pic>
+        <p:nvPicPr>
+          <p:cNvPr id="7" name="Picture 6"/>
+          <p:cNvPicPr>
+            <a:picLocks noChangeAspect="1"/>
+          </p:cNvPicPr>
+          <p:nvPr/>
+        </p:nvPicPr>
+        <p:blipFill>
+          <a:blip r:embed="rId2"/>
+          <a:stretch>
+            <a:fillRect/>
+          </a:stretch>
+        </p:blipFill>
+        <p:spPr>
+          <a:xfrm>
+            <a:off x="228600" y="990600"/>
+            <a:ext cx="5650883" cy="3713629"/>
+          </a:xfrm>
+          <a:prstGeom prst="rect">
+            <a:avLst/>
+          </a:prstGeom>
+          <a:ln>
+            <a:noFill/>
+          </a:ln>
+          <a:effectLst>
+            <a:outerShdw blurRad="190500" algn="tl" rotWithShape="0">
+              <a:srgbClr val="000000">
+                <a:alpha val="70000"/>
+              </a:srgbClr>
+            </a:outerShdw>
+          </a:effectLst>
+        </p:spPr>
+      </p:pic>
       <p:sp>
         <p:nvSpPr>
           <p:cNvPr id="2" name="Title 1"/>
@@ -22191,22 +22526,22 @@
       </p:sp>
       <p:pic>
         <p:nvPicPr>
-          <p:cNvPr id="5" name="Picture 4"/>
+          <p:cNvPr id="8" name="Picture 7"/>
           <p:cNvPicPr>
             <a:picLocks noChangeAspect="1"/>
           </p:cNvPicPr>
           <p:nvPr/>
         </p:nvPicPr>
         <p:blipFill>
-          <a:blip r:embed="rId2"/>
+          <a:blip r:embed="rId3"/>
           <a:stretch>
             <a:fillRect/>
           </a:stretch>
         </p:blipFill>
         <p:spPr>
           <a:xfrm>
-            <a:off x="1524000" y="901731"/>
-            <a:ext cx="6029325" cy="914400"/>
+            <a:off x="2590800" y="3009900"/>
+            <a:ext cx="4719484" cy="3657600"/>
           </a:xfrm>
           <a:prstGeom prst="rect">
             <a:avLst/>
@@ -22225,44 +22560,7 @@
       </p:pic>
       <p:pic>
         <p:nvPicPr>
-          <p:cNvPr id="3" name="Picture 2"/>
-          <p:cNvPicPr>
-            <a:picLocks noChangeAspect="1"/>
-          </p:cNvPicPr>
-          <p:nvPr/>
-        </p:nvPicPr>
-        <p:blipFill>
-          <a:blip r:embed="rId3"/>
-          <a:stretch>
-            <a:fillRect/>
-          </a:stretch>
-        </p:blipFill>
-        <p:spPr>
-          <a:xfrm>
-            <a:off x="228600" y="1876985"/>
-            <a:ext cx="5797387" cy="3713629"/>
-          </a:xfrm>
-          <a:prstGeom prst="roundRect">
-            <a:avLst>
-              <a:gd name="adj" fmla="val 0"/>
-            </a:avLst>
-          </a:prstGeom>
-          <a:solidFill>
-            <a:srgbClr val="FFFFFF">
-              <a:shade val="85000"/>
-            </a:srgbClr>
-          </a:solidFill>
-          <a:ln>
-            <a:noFill/>
-          </a:ln>
-          <a:effectLst>
-            <a:reflection blurRad="12700" stA="38000" endPos="28000" dist="5000" dir="5400000" sy="-100000" algn="bl" rotWithShape="0"/>
-          </a:effectLst>
-        </p:spPr>
-      </p:pic>
-      <p:pic>
-        <p:nvPicPr>
-          <p:cNvPr id="9" name="Picture 8"/>
+          <p:cNvPr id="11" name="Picture 10"/>
           <p:cNvPicPr>
             <a:picLocks noChangeAspect="1"/>
           </p:cNvPicPr>
@@ -22276,42 +22574,8 @@
         </p:blipFill>
         <p:spPr>
           <a:xfrm>
-            <a:off x="2564768" y="2819400"/>
-            <a:ext cx="5878760" cy="3657600"/>
-          </a:xfrm>
-          <a:prstGeom prst="rect">
-            <a:avLst/>
-          </a:prstGeom>
-          <a:ln>
-            <a:noFill/>
-          </a:ln>
-          <a:effectLst>
-            <a:outerShdw blurRad="190500" algn="tl" rotWithShape="0">
-              <a:srgbClr val="000000">
-                <a:alpha val="70000"/>
-              </a:srgbClr>
-            </a:outerShdw>
-          </a:effectLst>
-        </p:spPr>
-      </p:pic>
-      <p:pic>
-        <p:nvPicPr>
-          <p:cNvPr id="10" name="Picture 9"/>
-          <p:cNvPicPr>
-            <a:picLocks noChangeAspect="1"/>
-          </p:cNvPicPr>
-          <p:nvPr/>
-        </p:nvPicPr>
-        <p:blipFill>
-          <a:blip r:embed="rId5"/>
-          <a:stretch>
-            <a:fillRect/>
-          </a:stretch>
-        </p:blipFill>
-        <p:spPr>
-          <a:xfrm>
-            <a:off x="5504148" y="1447800"/>
-            <a:ext cx="3433763" cy="2016154"/>
+            <a:off x="4305516" y="1752600"/>
+            <a:ext cx="4603315" cy="1828800"/>
           </a:xfrm>
           <a:prstGeom prst="rect">
             <a:avLst/>
@@ -22341,242 +22605,7 @@
   <p:timing>
     <p:tnLst>
       <p:par>
-        <p:cTn id="1" dur="indefinite" restart="never" nodeType="tmRoot">
-          <p:childTnLst>
-            <p:seq concurrent="1" nextAc="seek">
-              <p:cTn id="2" dur="indefinite" nodeType="mainSeq">
-                <p:childTnLst>
-                  <p:par>
-                    <p:cTn id="3" fill="hold">
-                      <p:stCondLst>
-                        <p:cond delay="indefinite"/>
-                      </p:stCondLst>
-                      <p:childTnLst>
-                        <p:par>
-                          <p:cTn id="4" fill="hold">
-                            <p:stCondLst>
-                              <p:cond delay="0"/>
-                            </p:stCondLst>
-                            <p:childTnLst>
-                              <p:par>
-                                <p:cTn id="5" presetID="10" presetClass="entr" presetSubtype="0" fill="hold" nodeType="clickEffect">
-                                  <p:stCondLst>
-                                    <p:cond delay="0"/>
-                                  </p:stCondLst>
-                                  <p:childTnLst>
-                                    <p:set>
-                                      <p:cBhvr>
-                                        <p:cTn id="6" dur="1" fill="hold">
-                                          <p:stCondLst>
-                                            <p:cond delay="0"/>
-                                          </p:stCondLst>
-                                        </p:cTn>
-                                        <p:tgtEl>
-                                          <p:spTgt spid="5"/>
-                                        </p:tgtEl>
-                                        <p:attrNameLst>
-                                          <p:attrName>style.visibility</p:attrName>
-                                        </p:attrNameLst>
-                                      </p:cBhvr>
-                                      <p:to>
-                                        <p:strVal val="visible"/>
-                                      </p:to>
-                                    </p:set>
-                                    <p:animEffect transition="in" filter="fade">
-                                      <p:cBhvr>
-                                        <p:cTn id="7" dur="500"/>
-                                        <p:tgtEl>
-                                          <p:spTgt spid="5"/>
-                                        </p:tgtEl>
-                                      </p:cBhvr>
-                                    </p:animEffect>
-                                  </p:childTnLst>
-                                </p:cTn>
-                              </p:par>
-                            </p:childTnLst>
-                          </p:cTn>
-                        </p:par>
-                      </p:childTnLst>
-                    </p:cTn>
-                  </p:par>
-                  <p:par>
-                    <p:cTn id="8" fill="hold">
-                      <p:stCondLst>
-                        <p:cond delay="indefinite"/>
-                      </p:stCondLst>
-                      <p:childTnLst>
-                        <p:par>
-                          <p:cTn id="9" fill="hold">
-                            <p:stCondLst>
-                              <p:cond delay="0"/>
-                            </p:stCondLst>
-                            <p:childTnLst>
-                              <p:par>
-                                <p:cTn id="10" presetID="10" presetClass="entr" presetSubtype="0" fill="hold" nodeType="clickEffect">
-                                  <p:stCondLst>
-                                    <p:cond delay="0"/>
-                                  </p:stCondLst>
-                                  <p:childTnLst>
-                                    <p:set>
-                                      <p:cBhvr>
-                                        <p:cTn id="11" dur="1" fill="hold">
-                                          <p:stCondLst>
-                                            <p:cond delay="0"/>
-                                          </p:stCondLst>
-                                        </p:cTn>
-                                        <p:tgtEl>
-                                          <p:spTgt spid="3"/>
-                                        </p:tgtEl>
-                                        <p:attrNameLst>
-                                          <p:attrName>style.visibility</p:attrName>
-                                        </p:attrNameLst>
-                                      </p:cBhvr>
-                                      <p:to>
-                                        <p:strVal val="visible"/>
-                                      </p:to>
-                                    </p:set>
-                                    <p:animEffect transition="in" filter="fade">
-                                      <p:cBhvr>
-                                        <p:cTn id="12" dur="500"/>
-                                        <p:tgtEl>
-                                          <p:spTgt spid="3"/>
-                                        </p:tgtEl>
-                                      </p:cBhvr>
-                                    </p:animEffect>
-                                  </p:childTnLst>
-                                </p:cTn>
-                              </p:par>
-                            </p:childTnLst>
-                          </p:cTn>
-                        </p:par>
-                      </p:childTnLst>
-                    </p:cTn>
-                  </p:par>
-                  <p:par>
-                    <p:cTn id="13" fill="hold">
-                      <p:stCondLst>
-                        <p:cond delay="indefinite"/>
-                      </p:stCondLst>
-                      <p:childTnLst>
-                        <p:par>
-                          <p:cTn id="14" fill="hold">
-                            <p:stCondLst>
-                              <p:cond delay="0"/>
-                            </p:stCondLst>
-                            <p:childTnLst>
-                              <p:par>
-                                <p:cTn id="15" presetID="10" presetClass="entr" presetSubtype="0" fill="hold" nodeType="clickEffect">
-                                  <p:stCondLst>
-                                    <p:cond delay="0"/>
-                                  </p:stCondLst>
-                                  <p:childTnLst>
-                                    <p:set>
-                                      <p:cBhvr>
-                                        <p:cTn id="16" dur="1" fill="hold">
-                                          <p:stCondLst>
-                                            <p:cond delay="0"/>
-                                          </p:stCondLst>
-                                        </p:cTn>
-                                        <p:tgtEl>
-                                          <p:spTgt spid="9"/>
-                                        </p:tgtEl>
-                                        <p:attrNameLst>
-                                          <p:attrName>style.visibility</p:attrName>
-                                        </p:attrNameLst>
-                                      </p:cBhvr>
-                                      <p:to>
-                                        <p:strVal val="visible"/>
-                                      </p:to>
-                                    </p:set>
-                                    <p:animEffect transition="in" filter="fade">
-                                      <p:cBhvr>
-                                        <p:cTn id="17" dur="500"/>
-                                        <p:tgtEl>
-                                          <p:spTgt spid="9"/>
-                                        </p:tgtEl>
-                                      </p:cBhvr>
-                                    </p:animEffect>
-                                  </p:childTnLst>
-                                </p:cTn>
-                              </p:par>
-                            </p:childTnLst>
-                          </p:cTn>
-                        </p:par>
-                      </p:childTnLst>
-                    </p:cTn>
-                  </p:par>
-                  <p:par>
-                    <p:cTn id="18" fill="hold">
-                      <p:stCondLst>
-                        <p:cond delay="indefinite"/>
-                      </p:stCondLst>
-                      <p:childTnLst>
-                        <p:par>
-                          <p:cTn id="19" fill="hold">
-                            <p:stCondLst>
-                              <p:cond delay="0"/>
-                            </p:stCondLst>
-                            <p:childTnLst>
-                              <p:par>
-                                <p:cTn id="20" presetID="10" presetClass="entr" presetSubtype="0" fill="hold" nodeType="clickEffect">
-                                  <p:stCondLst>
-                                    <p:cond delay="0"/>
-                                  </p:stCondLst>
-                                  <p:childTnLst>
-                                    <p:set>
-                                      <p:cBhvr>
-                                        <p:cTn id="21" dur="1" fill="hold">
-                                          <p:stCondLst>
-                                            <p:cond delay="0"/>
-                                          </p:stCondLst>
-                                        </p:cTn>
-                                        <p:tgtEl>
-                                          <p:spTgt spid="10"/>
-                                        </p:tgtEl>
-                                        <p:attrNameLst>
-                                          <p:attrName>style.visibility</p:attrName>
-                                        </p:attrNameLst>
-                                      </p:cBhvr>
-                                      <p:to>
-                                        <p:strVal val="visible"/>
-                                      </p:to>
-                                    </p:set>
-                                    <p:animEffect transition="in" filter="fade">
-                                      <p:cBhvr>
-                                        <p:cTn id="22" dur="500"/>
-                                        <p:tgtEl>
-                                          <p:spTgt spid="10"/>
-                                        </p:tgtEl>
-                                      </p:cBhvr>
-                                    </p:animEffect>
-                                  </p:childTnLst>
-                                </p:cTn>
-                              </p:par>
-                            </p:childTnLst>
-                          </p:cTn>
-                        </p:par>
-                      </p:childTnLst>
-                    </p:cTn>
-                  </p:par>
-                </p:childTnLst>
-              </p:cTn>
-              <p:prevCondLst>
-                <p:cond evt="onPrev" delay="0">
-                  <p:tgtEl>
-                    <p:sldTgt/>
-                  </p:tgtEl>
-                </p:cond>
-              </p:prevCondLst>
-              <p:nextCondLst>
-                <p:cond evt="onNext" delay="0">
-                  <p:tgtEl>
-                    <p:sldTgt/>
-                  </p:tgtEl>
-                </p:cond>
-              </p:nextCondLst>
-            </p:seq>
-          </p:childTnLst>
-        </p:cTn>
+        <p:cTn id="1" dur="indefinite" restart="never" nodeType="tmRoot"/>
       </p:par>
     </p:tnLst>
   </p:timing>
@@ -22600,6 +22629,43 @@
           <a:chExt cx="0" cy="0"/>
         </a:xfrm>
       </p:grpSpPr>
+      <p:pic>
+        <p:nvPicPr>
+          <p:cNvPr id="9" name="Picture 8"/>
+          <p:cNvPicPr>
+            <a:picLocks noChangeAspect="1"/>
+          </p:cNvPicPr>
+          <p:nvPr/>
+        </p:nvPicPr>
+        <p:blipFill>
+          <a:blip r:embed="rId2"/>
+          <a:stretch>
+            <a:fillRect/>
+          </a:stretch>
+        </p:blipFill>
+        <p:spPr>
+          <a:xfrm>
+            <a:off x="304800" y="857261"/>
+            <a:ext cx="6034034" cy="3481373"/>
+          </a:xfrm>
+          <a:prstGeom prst="roundRect">
+            <a:avLst>
+              <a:gd name="adj" fmla="val 0"/>
+            </a:avLst>
+          </a:prstGeom>
+          <a:solidFill>
+            <a:srgbClr val="FFFFFF">
+              <a:shade val="85000"/>
+            </a:srgbClr>
+          </a:solidFill>
+          <a:ln>
+            <a:noFill/>
+          </a:ln>
+          <a:effectLst>
+            <a:reflection blurRad="12700" stA="38000" endPos="28000" dist="5000" dir="5400000" sy="-100000" algn="bl" rotWithShape="0"/>
+          </a:effectLst>
+        </p:spPr>
+      </p:pic>
       <p:sp>
         <p:nvSpPr>
           <p:cNvPr id="2" name="Title 1"/>
@@ -22654,22 +22720,22 @@
       </p:sp>
       <p:pic>
         <p:nvPicPr>
-          <p:cNvPr id="5" name="Picture 4"/>
+          <p:cNvPr id="3" name="Picture 2"/>
           <p:cNvPicPr>
             <a:picLocks noChangeAspect="1"/>
           </p:cNvPicPr>
           <p:nvPr/>
         </p:nvPicPr>
         <p:blipFill>
-          <a:blip r:embed="rId2"/>
+          <a:blip r:embed="rId3"/>
           <a:stretch>
             <a:fillRect/>
           </a:stretch>
         </p:blipFill>
         <p:spPr>
           <a:xfrm>
-            <a:off x="304800" y="915154"/>
-            <a:ext cx="4780979" cy="3476625"/>
+            <a:off x="3523678" y="1981200"/>
+            <a:ext cx="5391722" cy="3893325"/>
           </a:xfrm>
           <a:prstGeom prst="roundRect">
             <a:avLst>
@@ -22691,22 +22757,22 @@
       </p:pic>
       <p:pic>
         <p:nvPicPr>
-          <p:cNvPr id="8" name="Picture 7"/>
+          <p:cNvPr id="10" name="Picture 9"/>
           <p:cNvPicPr>
             <a:picLocks noChangeAspect="1"/>
           </p:cNvPicPr>
           <p:nvPr/>
         </p:nvPicPr>
         <p:blipFill>
-          <a:blip r:embed="rId3"/>
+          <a:blip r:embed="rId4"/>
           <a:stretch>
             <a:fillRect/>
           </a:stretch>
         </p:blipFill>
         <p:spPr>
           <a:xfrm>
-            <a:off x="2683648" y="1828800"/>
-            <a:ext cx="5376903" cy="4466471"/>
+            <a:off x="5522375" y="2703483"/>
+            <a:ext cx="3088225" cy="3744182"/>
           </a:xfrm>
           <a:prstGeom prst="rect">
             <a:avLst/>
@@ -22723,40 +22789,34 @@
           </a:effectLst>
         </p:spPr>
       </p:pic>
-      <p:pic>
-        <p:nvPicPr>
-          <p:cNvPr id="7" name="Picture 6"/>
-          <p:cNvPicPr>
-            <a:picLocks noChangeAspect="1"/>
-          </p:cNvPicPr>
-          <p:nvPr/>
-        </p:nvPicPr>
-        <p:blipFill>
-          <a:blip r:embed="rId4"/>
-          <a:stretch>
-            <a:fillRect/>
-          </a:stretch>
-        </p:blipFill>
+      <p:sp>
+        <p:nvSpPr>
+          <p:cNvPr id="11" name="Content Placeholder 2"/>
+          <p:cNvSpPr>
+            <a:spLocks noGrp="1"/>
+          </p:cNvSpPr>
+          <p:nvPr>
+            <p:ph idx="1"/>
+          </p:nvPr>
+        </p:nvSpPr>
         <p:spPr>
           <a:xfrm>
-            <a:off x="5676000" y="2724150"/>
-            <a:ext cx="2934600" cy="3829050"/>
+            <a:off x="228600" y="5105400"/>
+            <a:ext cx="2990278" cy="1342265"/>
           </a:xfrm>
-          <a:prstGeom prst="rect">
-            <a:avLst/>
-          </a:prstGeom>
-          <a:ln>
-            <a:noFill/>
-          </a:ln>
-          <a:effectLst>
-            <a:outerShdw blurRad="190500" algn="tl" rotWithShape="0">
-              <a:srgbClr val="000000">
-                <a:alpha val="70000"/>
-              </a:srgbClr>
-            </a:outerShdw>
-          </a:effectLst>
         </p:spPr>
-      </p:pic>
+        <p:txBody>
+          <a:bodyPr/>
+          <a:lstStyle/>
+          <a:p>
+            <a:r>
+              <a:rPr lang="en-US" dirty="0" smtClean="0"/>
+              <a:t>Bootstrap</a:t>
+            </a:r>
+            <a:endParaRPr lang="en-US" dirty="0"/>
+          </a:p>
+        </p:txBody>
+      </p:sp>
     </p:spTree>
     <p:extLst>
       <p:ext uri="{BB962C8B-B14F-4D97-AF65-F5344CB8AC3E}">
@@ -22770,189 +22830,7 @@
   <p:timing>
     <p:tnLst>
       <p:par>
-        <p:cTn id="1" dur="indefinite" restart="never" nodeType="tmRoot">
-          <p:childTnLst>
-            <p:seq concurrent="1" nextAc="seek">
-              <p:cTn id="2" dur="indefinite" nodeType="mainSeq">
-                <p:childTnLst>
-                  <p:par>
-                    <p:cTn id="3" fill="hold">
-                      <p:stCondLst>
-                        <p:cond delay="indefinite"/>
-                      </p:stCondLst>
-                      <p:childTnLst>
-                        <p:par>
-                          <p:cTn id="4" fill="hold">
-                            <p:stCondLst>
-                              <p:cond delay="0"/>
-                            </p:stCondLst>
-                            <p:childTnLst>
-                              <p:par>
-                                <p:cTn id="5" presetID="10" presetClass="entr" presetSubtype="0" fill="hold" nodeType="clickEffect">
-                                  <p:stCondLst>
-                                    <p:cond delay="0"/>
-                                  </p:stCondLst>
-                                  <p:childTnLst>
-                                    <p:set>
-                                      <p:cBhvr>
-                                        <p:cTn id="6" dur="1" fill="hold">
-                                          <p:stCondLst>
-                                            <p:cond delay="0"/>
-                                          </p:stCondLst>
-                                        </p:cTn>
-                                        <p:tgtEl>
-                                          <p:spTgt spid="5"/>
-                                        </p:tgtEl>
-                                        <p:attrNameLst>
-                                          <p:attrName>style.visibility</p:attrName>
-                                        </p:attrNameLst>
-                                      </p:cBhvr>
-                                      <p:to>
-                                        <p:strVal val="visible"/>
-                                      </p:to>
-                                    </p:set>
-                                    <p:animEffect transition="in" filter="fade">
-                                      <p:cBhvr>
-                                        <p:cTn id="7" dur="500"/>
-                                        <p:tgtEl>
-                                          <p:spTgt spid="5"/>
-                                        </p:tgtEl>
-                                      </p:cBhvr>
-                                    </p:animEffect>
-                                  </p:childTnLst>
-                                </p:cTn>
-                              </p:par>
-                            </p:childTnLst>
-                          </p:cTn>
-                        </p:par>
-                      </p:childTnLst>
-                    </p:cTn>
-                  </p:par>
-                  <p:par>
-                    <p:cTn id="8" fill="hold">
-                      <p:stCondLst>
-                        <p:cond delay="indefinite"/>
-                      </p:stCondLst>
-                      <p:childTnLst>
-                        <p:par>
-                          <p:cTn id="9" fill="hold">
-                            <p:stCondLst>
-                              <p:cond delay="0"/>
-                            </p:stCondLst>
-                            <p:childTnLst>
-                              <p:par>
-                                <p:cTn id="10" presetID="10" presetClass="entr" presetSubtype="0" fill="hold" nodeType="clickEffect">
-                                  <p:stCondLst>
-                                    <p:cond delay="0"/>
-                                  </p:stCondLst>
-                                  <p:childTnLst>
-                                    <p:set>
-                                      <p:cBhvr>
-                                        <p:cTn id="11" dur="1" fill="hold">
-                                          <p:stCondLst>
-                                            <p:cond delay="0"/>
-                                          </p:stCondLst>
-                                        </p:cTn>
-                                        <p:tgtEl>
-                                          <p:spTgt spid="8"/>
-                                        </p:tgtEl>
-                                        <p:attrNameLst>
-                                          <p:attrName>style.visibility</p:attrName>
-                                        </p:attrNameLst>
-                                      </p:cBhvr>
-                                      <p:to>
-                                        <p:strVal val="visible"/>
-                                      </p:to>
-                                    </p:set>
-                                    <p:animEffect transition="in" filter="fade">
-                                      <p:cBhvr>
-                                        <p:cTn id="12" dur="500"/>
-                                        <p:tgtEl>
-                                          <p:spTgt spid="8"/>
-                                        </p:tgtEl>
-                                      </p:cBhvr>
-                                    </p:animEffect>
-                                  </p:childTnLst>
-                                </p:cTn>
-                              </p:par>
-                            </p:childTnLst>
-                          </p:cTn>
-                        </p:par>
-                      </p:childTnLst>
-                    </p:cTn>
-                  </p:par>
-                  <p:par>
-                    <p:cTn id="13" fill="hold">
-                      <p:stCondLst>
-                        <p:cond delay="indefinite"/>
-                      </p:stCondLst>
-                      <p:childTnLst>
-                        <p:par>
-                          <p:cTn id="14" fill="hold">
-                            <p:stCondLst>
-                              <p:cond delay="0"/>
-                            </p:stCondLst>
-                            <p:childTnLst>
-                              <p:par>
-                                <p:cTn id="15" presetID="10" presetClass="entr" presetSubtype="0" fill="hold" nodeType="clickEffect">
-                                  <p:stCondLst>
-                                    <p:cond delay="0"/>
-                                  </p:stCondLst>
-                                  <p:childTnLst>
-                                    <p:set>
-                                      <p:cBhvr>
-                                        <p:cTn id="16" dur="1" fill="hold">
-                                          <p:stCondLst>
-                                            <p:cond delay="0"/>
-                                          </p:stCondLst>
-                                        </p:cTn>
-                                        <p:tgtEl>
-                                          <p:spTgt spid="7"/>
-                                        </p:tgtEl>
-                                        <p:attrNameLst>
-                                          <p:attrName>style.visibility</p:attrName>
-                                        </p:attrNameLst>
-                                      </p:cBhvr>
-                                      <p:to>
-                                        <p:strVal val="visible"/>
-                                      </p:to>
-                                    </p:set>
-                                    <p:animEffect transition="in" filter="fade">
-                                      <p:cBhvr>
-                                        <p:cTn id="17" dur="500"/>
-                                        <p:tgtEl>
-                                          <p:spTgt spid="7"/>
-                                        </p:tgtEl>
-                                      </p:cBhvr>
-                                    </p:animEffect>
-                                  </p:childTnLst>
-                                </p:cTn>
-                              </p:par>
-                            </p:childTnLst>
-                          </p:cTn>
-                        </p:par>
-                      </p:childTnLst>
-                    </p:cTn>
-                  </p:par>
-                </p:childTnLst>
-              </p:cTn>
-              <p:prevCondLst>
-                <p:cond evt="onPrev" delay="0">
-                  <p:tgtEl>
-                    <p:sldTgt/>
-                  </p:tgtEl>
-                </p:cond>
-              </p:prevCondLst>
-              <p:nextCondLst>
-                <p:cond evt="onNext" delay="0">
-                  <p:tgtEl>
-                    <p:sldTgt/>
-                  </p:tgtEl>
-                </p:cond>
-              </p:nextCondLst>
-            </p:seq>
-          </p:childTnLst>
-        </p:cTn>
+        <p:cTn id="1" dur="indefinite" restart="never" nodeType="tmRoot"/>
       </p:par>
     </p:tnLst>
   </p:timing>
@@ -22978,7 +22856,7 @@
       </p:grpSpPr>
       <p:pic>
         <p:nvPicPr>
-          <p:cNvPr id="6" name="Picture 5"/>
+          <p:cNvPr id="3" name="Picture 2"/>
           <p:cNvPicPr>
             <a:picLocks noChangeAspect="1"/>
           </p:cNvPicPr>
@@ -22992,8 +22870,8 @@
         </p:blipFill>
         <p:spPr>
           <a:xfrm>
-            <a:off x="258275" y="875715"/>
-            <a:ext cx="1868194" cy="5604581"/>
+            <a:off x="255557" y="685800"/>
+            <a:ext cx="1870912" cy="6026305"/>
           </a:xfrm>
           <a:prstGeom prst="rect">
             <a:avLst/>
@@ -23112,7 +22990,7 @@
         </p:blipFill>
         <p:spPr>
           <a:xfrm>
-            <a:off x="5867400" y="1752600"/>
+            <a:off x="5867401" y="1709351"/>
             <a:ext cx="2790825" cy="1247775"/>
           </a:xfrm>
           <a:prstGeom prst="rect">
@@ -23190,9 +23068,9 @@
           <p:nvPr/>
         </p:nvSpPr>
         <p:spPr>
-          <a:xfrm>
-            <a:off x="1219200" y="6318931"/>
-            <a:ext cx="2223245" cy="161365"/>
+          <a:xfrm rot="21323456">
+            <a:off x="1329354" y="6433656"/>
+            <a:ext cx="1989069" cy="173856"/>
           </a:xfrm>
           <a:prstGeom prst="leftArrow">
             <a:avLst/>
@@ -23232,7 +23110,7 @@
         <p:spPr>
           <a:xfrm>
             <a:off x="3276599" y="6215247"/>
-            <a:ext cx="2971801" cy="338554"/>
+            <a:ext cx="3733801" cy="369332"/>
           </a:xfrm>
           <a:prstGeom prst="rect">
             <a:avLst/>
@@ -23261,7 +23139,7 @@
           <a:lstStyle/>
           <a:p>
             <a:r>
-              <a:rPr lang="en-US" sz="1600" dirty="0" err="1" smtClean="0">
+              <a:rPr lang="en-US" sz="1800" dirty="0" err="1" smtClean="0">
                 <a:solidFill>
                   <a:schemeClr val="bg1"/>
                 </a:solidFill>
@@ -23269,7 +23147,7 @@
               <a:t>Web.config</a:t>
             </a:r>
             <a:r>
-              <a:rPr lang="en-US" sz="1600" dirty="0" smtClean="0">
+              <a:rPr lang="en-US" sz="1800" dirty="0" smtClean="0">
                 <a:solidFill>
                   <a:schemeClr val="bg1"/>
                 </a:solidFill>
@@ -23286,8 +23164,8 @@
           <p:nvPr/>
         </p:nvSpPr>
         <p:spPr>
-          <a:xfrm rot="21355896">
-            <a:off x="1582268" y="5896211"/>
+          <a:xfrm rot="170317">
+            <a:off x="1333537" y="5871329"/>
             <a:ext cx="1828800" cy="161365"/>
           </a:xfrm>
           <a:prstGeom prst="leftArrow">
@@ -23327,8 +23205,8 @@
         </p:nvSpPr>
         <p:spPr>
           <a:xfrm>
-            <a:off x="2528045" y="5785544"/>
-            <a:ext cx="5168155" cy="338554"/>
+            <a:off x="2555857" y="5730635"/>
+            <a:ext cx="5625355" cy="369332"/>
           </a:xfrm>
           <a:prstGeom prst="rect">
             <a:avLst/>
@@ -23357,7 +23235,7 @@
           <a:lstStyle/>
           <a:p>
             <a:r>
-              <a:rPr lang="en-US" sz="1600" dirty="0" err="1">
+              <a:rPr lang="en-US" sz="1800" dirty="0" err="1">
                 <a:solidFill>
                   <a:schemeClr val="bg1"/>
                 </a:solidFill>
@@ -23365,14 +23243,14 @@
               <a:t>Application_Start</a:t>
             </a:r>
             <a:r>
-              <a:rPr lang="en-US" sz="1600" dirty="0" smtClean="0">
+              <a:rPr lang="en-US" sz="1800" dirty="0" smtClean="0">
                 <a:solidFill>
                   <a:schemeClr val="bg1"/>
                 </a:solidFill>
               </a:rPr>
               <a:t>() – The entry point of the application</a:t>
             </a:r>
-            <a:endParaRPr lang="en-US" sz="2400" dirty="0">
+            <a:endParaRPr lang="en-US" sz="2800" dirty="0">
               <a:solidFill>
                 <a:schemeClr val="bg1"/>
               </a:solidFill>
@@ -23387,7 +23265,7 @@
           <p:nvPr/>
         </p:nvSpPr>
         <p:spPr>
-          <a:xfrm rot="20477486">
+          <a:xfrm rot="20304759">
             <a:off x="1308825" y="1557917"/>
             <a:ext cx="1828800" cy="161365"/>
           </a:xfrm>
@@ -23427,8 +23305,8 @@
           <p:nvPr/>
         </p:nvSpPr>
         <p:spPr>
-          <a:xfrm rot="20965740">
-            <a:off x="986351" y="3554903"/>
+          <a:xfrm rot="20661466">
+            <a:off x="1094586" y="3935599"/>
             <a:ext cx="2063766" cy="167843"/>
           </a:xfrm>
           <a:prstGeom prst="leftArrow">
@@ -23468,8 +23346,8 @@
         </p:nvSpPr>
         <p:spPr>
           <a:xfrm>
-            <a:off x="2971800" y="3242846"/>
-            <a:ext cx="4495800" cy="338554"/>
+            <a:off x="3048000" y="3516458"/>
+            <a:ext cx="5029200" cy="369332"/>
           </a:xfrm>
           <a:prstGeom prst="rect">
             <a:avLst/>
@@ -23498,7 +23376,7 @@
           <a:lstStyle/>
           <a:p>
             <a:r>
-              <a:rPr lang="en-US" sz="1600" dirty="0" smtClean="0">
+              <a:rPr lang="en-US" sz="1800" dirty="0" smtClean="0">
                 <a:solidFill>
                   <a:schemeClr val="bg1"/>
                 </a:solidFill>
@@ -23506,7 +23384,7 @@
               <a:t>JavaScript files (</a:t>
             </a:r>
             <a:r>
-              <a:rPr lang="en-US" sz="1600" dirty="0" err="1" smtClean="0">
+              <a:rPr lang="en-US" sz="1800" dirty="0" err="1" smtClean="0">
                 <a:solidFill>
                   <a:schemeClr val="bg1"/>
                 </a:solidFill>
@@ -23514,7 +23392,7 @@
               <a:t>jQuery</a:t>
             </a:r>
             <a:r>
-              <a:rPr lang="en-US" sz="1600" dirty="0" smtClean="0">
+              <a:rPr lang="en-US" sz="1800" dirty="0" smtClean="0">
                 <a:solidFill>
                   <a:schemeClr val="bg1"/>
                 </a:solidFill>
@@ -23522,7 +23400,7 @@
               <a:t>, </a:t>
             </a:r>
             <a:r>
-              <a:rPr lang="en-US" sz="1600" dirty="0" err="1" smtClean="0">
+              <a:rPr lang="en-US" sz="1800" dirty="0" err="1" smtClean="0">
                 <a:solidFill>
                   <a:schemeClr val="bg1"/>
                 </a:solidFill>
@@ -23530,14 +23408,14 @@
               <a:t>Modernizr</a:t>
             </a:r>
             <a:r>
-              <a:rPr lang="en-US" sz="1600" dirty="0" smtClean="0">
+              <a:rPr lang="en-US" sz="1800" dirty="0" smtClean="0">
                 <a:solidFill>
                   <a:schemeClr val="bg1"/>
                 </a:solidFill>
               </a:rPr>
               <a:t>, knockout, etc.)</a:t>
             </a:r>
-            <a:endParaRPr lang="en-US" sz="2400" dirty="0">
+            <a:endParaRPr lang="en-US" sz="2800" dirty="0">
               <a:solidFill>
                 <a:schemeClr val="bg1"/>
               </a:solidFill>
@@ -23547,14 +23425,14 @@
       </p:sp>
       <p:sp>
         <p:nvSpPr>
-          <p:cNvPr id="22" name="Left Arrow 21"/>
+          <p:cNvPr id="23" name="Left Arrow 22"/>
           <p:cNvSpPr/>
           <p:nvPr/>
         </p:nvSpPr>
         <p:spPr>
-          <a:xfrm>
-            <a:off x="1143000" y="3901245"/>
-            <a:ext cx="2165221" cy="176678"/>
+          <a:xfrm rot="20992694">
+            <a:off x="1413142" y="4309509"/>
+            <a:ext cx="2172827" cy="202001"/>
           </a:xfrm>
           <a:prstGeom prst="leftArrow">
             <a:avLst/>
@@ -23587,54 +23465,14 @@
       </p:sp>
       <p:sp>
         <p:nvSpPr>
-          <p:cNvPr id="23" name="Left Arrow 22"/>
-          <p:cNvSpPr/>
-          <p:nvPr/>
-        </p:nvSpPr>
-        <p:spPr>
-          <a:xfrm rot="20992694">
-            <a:off x="1750921" y="4279596"/>
-            <a:ext cx="1828800" cy="161365"/>
-          </a:xfrm>
-          <a:prstGeom prst="leftArrow">
-            <a:avLst/>
-          </a:prstGeom>
-        </p:spPr>
-        <p:style>
-          <a:lnRef idx="2">
-            <a:schemeClr val="accent3">
-              <a:shade val="50000"/>
-            </a:schemeClr>
-          </a:lnRef>
-          <a:fillRef idx="1">
-            <a:schemeClr val="accent3"/>
-          </a:fillRef>
-          <a:effectRef idx="0">
-            <a:schemeClr val="accent3"/>
-          </a:effectRef>
-          <a:fontRef idx="minor">
-            <a:schemeClr val="lt1"/>
-          </a:fontRef>
-        </p:style>
-        <p:txBody>
-          <a:bodyPr rtlCol="0" anchor="ctr"/>
-          <a:lstStyle/>
-          <a:p>
-            <a:pPr algn="ctr"/>
-            <a:endParaRPr lang="en-US"/>
-          </a:p>
-        </p:txBody>
-      </p:sp>
-      <p:sp>
-        <p:nvSpPr>
           <p:cNvPr id="24" name="TextBox 23"/>
           <p:cNvSpPr txBox="1"/>
           <p:nvPr/>
         </p:nvSpPr>
         <p:spPr>
           <a:xfrm>
-            <a:off x="3124200" y="3950877"/>
-            <a:ext cx="2362200" cy="338554"/>
+            <a:off x="3368896" y="4079678"/>
+            <a:ext cx="3678375" cy="369332"/>
           </a:xfrm>
           <a:prstGeom prst="rect">
             <a:avLst/>
@@ -23663,14 +23501,30 @@
           <a:lstStyle/>
           <a:p>
             <a:r>
-              <a:rPr lang="en-US" sz="1600" dirty="0" smtClean="0">
+              <a:rPr lang="en-US" sz="1800" dirty="0" smtClean="0">
                 <a:solidFill>
                   <a:schemeClr val="bg1"/>
                 </a:solidFill>
               </a:rPr>
-              <a:t>View templates</a:t>
-            </a:r>
-            <a:endParaRPr lang="en-US" sz="2400" dirty="0">
+              <a:t>Razor View templates (</a:t>
+            </a:r>
+            <a:r>
+              <a:rPr lang="en-US" sz="1800" dirty="0" err="1" smtClean="0">
+                <a:solidFill>
+                  <a:schemeClr val="bg1"/>
+                </a:solidFill>
+              </a:rPr>
+              <a:t>cshtml</a:t>
+            </a:r>
+            <a:r>
+              <a:rPr lang="en-US" sz="1800" dirty="0" smtClean="0">
+                <a:solidFill>
+                  <a:schemeClr val="bg1"/>
+                </a:solidFill>
+              </a:rPr>
+              <a:t> files)</a:t>
+            </a:r>
+            <a:endParaRPr lang="en-US" sz="2800" dirty="0">
               <a:solidFill>
                 <a:schemeClr val="bg1"/>
               </a:solidFill>
@@ -23685,9 +23539,9 @@
           <p:nvPr/>
         </p:nvSpPr>
         <p:spPr>
-          <a:xfrm>
-            <a:off x="1709085" y="4942857"/>
-            <a:ext cx="2171639" cy="180433"/>
+          <a:xfrm rot="21271820">
+            <a:off x="1317327" y="4993741"/>
+            <a:ext cx="2347444" cy="180433"/>
           </a:xfrm>
           <a:prstGeom prst="leftArrow">
             <a:avLst/>
@@ -23726,8 +23580,8 @@
         </p:nvSpPr>
         <p:spPr>
           <a:xfrm>
-            <a:off x="3505200" y="4853584"/>
-            <a:ext cx="4495800" cy="338554"/>
+            <a:off x="3365208" y="4700866"/>
+            <a:ext cx="4816003" cy="646331"/>
           </a:xfrm>
           <a:prstGeom prst="rect">
             <a:avLst/>
@@ -23756,7 +23610,17 @@
           <a:lstStyle/>
           <a:p>
             <a:r>
-              <a:rPr lang="en-US" sz="1600" dirty="0" smtClean="0">
+              <a:rPr lang="en-US" sz="1800" dirty="0" smtClean="0">
+                <a:solidFill>
+                  <a:schemeClr val="bg1"/>
+                </a:solidFill>
+              </a:rPr>
+              <a:t>Shared folder contains common views like:</a:t>
+            </a:r>
+          </a:p>
+          <a:p>
+            <a:r>
+              <a:rPr lang="en-US" sz="1800" dirty="0" smtClean="0">
                 <a:solidFill>
                   <a:schemeClr val="bg1"/>
                 </a:solidFill>
@@ -23764,7 +23628,7 @@
               <a:t>_</a:t>
             </a:r>
             <a:r>
-              <a:rPr lang="en-US" sz="1600" dirty="0" err="1" smtClean="0">
+              <a:rPr lang="en-US" sz="1800" dirty="0" err="1" smtClean="0">
                 <a:solidFill>
                   <a:schemeClr val="bg1"/>
                 </a:solidFill>
@@ -23772,14 +23636,14 @@
               <a:t>Layout.cshtml</a:t>
             </a:r>
             <a:r>
-              <a:rPr lang="en-US" sz="1600" dirty="0" smtClean="0">
+              <a:rPr lang="en-US" sz="1800" dirty="0" smtClean="0">
                 <a:solidFill>
                   <a:schemeClr val="bg1"/>
                 </a:solidFill>
               </a:rPr>
               <a:t> – master page (main template)</a:t>
             </a:r>
-            <a:endParaRPr lang="en-US" sz="2400" dirty="0">
+            <a:endParaRPr lang="en-US" sz="2800" dirty="0">
               <a:solidFill>
                 <a:schemeClr val="bg1"/>
               </a:solidFill>
@@ -23794,9 +23658,9 @@
           <p:nvPr/>
         </p:nvSpPr>
         <p:spPr>
-          <a:xfrm rot="19181736">
-            <a:off x="544397" y="2254041"/>
-            <a:ext cx="2784604" cy="153066"/>
+          <a:xfrm rot="18927074">
+            <a:off x="566811" y="2295644"/>
+            <a:ext cx="2898368" cy="160781"/>
           </a:xfrm>
           <a:prstGeom prst="leftArrow">
             <a:avLst/>
@@ -23836,7 +23700,7 @@
         <p:spPr>
           <a:xfrm>
             <a:off x="2971800" y="1177219"/>
-            <a:ext cx="2743200" cy="338554"/>
+            <a:ext cx="3200400" cy="338554"/>
           </a:xfrm>
           <a:prstGeom prst="rect">
             <a:avLst/>
@@ -23870,9 +23734,118 @@
                   <a:schemeClr val="bg1"/>
                 </a:solidFill>
               </a:rPr>
-              <a:t>Static files (CSS, Images, etc.)</a:t>
+              <a:t>Static files (CSS, </a:t>
+            </a:r>
+            <a:r>
+              <a:rPr lang="en-US" sz="1600" dirty="0" smtClean="0">
+                <a:solidFill>
+                  <a:schemeClr val="bg1"/>
+                </a:solidFill>
+              </a:rPr>
+              <a:t>fonts, images</a:t>
+            </a:r>
+            <a:r>
+              <a:rPr lang="en-US" sz="1600" dirty="0" smtClean="0">
+                <a:solidFill>
+                  <a:schemeClr val="bg1"/>
+                </a:solidFill>
+              </a:rPr>
+              <a:t>, etc.)</a:t>
             </a:r>
             <a:endParaRPr lang="en-US" sz="2400" dirty="0">
+              <a:solidFill>
+                <a:schemeClr val="bg1"/>
+              </a:solidFill>
+            </a:endParaRPr>
+          </a:p>
+        </p:txBody>
+      </p:sp>
+      <p:sp>
+        <p:nvSpPr>
+          <p:cNvPr id="28" name="Left Arrow 27"/>
+          <p:cNvSpPr/>
+          <p:nvPr/>
+        </p:nvSpPr>
+        <p:spPr>
+          <a:xfrm rot="21138456">
+            <a:off x="1170786" y="3372886"/>
+            <a:ext cx="2063766" cy="167843"/>
+          </a:xfrm>
+          <a:prstGeom prst="leftArrow">
+            <a:avLst/>
+          </a:prstGeom>
+        </p:spPr>
+        <p:style>
+          <a:lnRef idx="2">
+            <a:schemeClr val="accent3">
+              <a:shade val="50000"/>
+            </a:schemeClr>
+          </a:lnRef>
+          <a:fillRef idx="1">
+            <a:schemeClr val="accent3"/>
+          </a:fillRef>
+          <a:effectRef idx="0">
+            <a:schemeClr val="accent3"/>
+          </a:effectRef>
+          <a:fontRef idx="minor">
+            <a:schemeClr val="lt1"/>
+          </a:fontRef>
+        </p:style>
+        <p:txBody>
+          <a:bodyPr rtlCol="0" anchor="ctr"/>
+          <a:lstStyle/>
+          <a:p>
+            <a:pPr algn="ctr"/>
+            <a:endParaRPr lang="en-US"/>
+          </a:p>
+        </p:txBody>
+      </p:sp>
+      <p:sp>
+        <p:nvSpPr>
+          <p:cNvPr id="29" name="TextBox 28"/>
+          <p:cNvSpPr txBox="1"/>
+          <p:nvPr/>
+        </p:nvSpPr>
+        <p:spPr>
+          <a:xfrm>
+            <a:off x="3048000" y="3049459"/>
+            <a:ext cx="5334000" cy="369332"/>
+          </a:xfrm>
+          <a:prstGeom prst="rect">
+            <a:avLst/>
+          </a:prstGeom>
+        </p:spPr>
+        <p:style>
+          <a:lnRef idx="2">
+            <a:schemeClr val="accent3">
+              <a:shade val="50000"/>
+            </a:schemeClr>
+          </a:lnRef>
+          <a:fillRef idx="1">
+            <a:schemeClr val="accent3"/>
+          </a:fillRef>
+          <a:effectRef idx="0">
+            <a:schemeClr val="accent3"/>
+          </a:effectRef>
+          <a:fontRef idx="minor">
+            <a:schemeClr val="lt1"/>
+          </a:fontRef>
+        </p:style>
+        <p:txBody>
+          <a:bodyPr wrap="square" rtlCol="0">
+            <a:spAutoFit/>
+          </a:bodyPr>
+          <a:lstStyle/>
+          <a:p>
+            <a:r>
+              <a:rPr lang="en-US" sz="1800" dirty="0" smtClean="0">
+                <a:solidFill>
+                  <a:schemeClr val="bg1"/>
+                </a:solidFill>
+              </a:rPr>
+              <a:t>Models (view models) are located in the Models folder</a:t>
+            </a:r>
+            <a:endParaRPr lang="en-US" sz="2800" dirty="0">
               <a:solidFill>
                 <a:schemeClr val="bg1"/>
               </a:solidFill>
@@ -24293,7 +24266,7 @@
                                           </p:stCondLst>
                                         </p:cTn>
                                         <p:tgtEl>
-                                          <p:spTgt spid="22"/>
+                                          <p:spTgt spid="24"/>
                                         </p:tgtEl>
                                         <p:attrNameLst>
                                           <p:attrName>style.visibility</p:attrName>
@@ -24306,41 +24279,6 @@
                                     <p:animEffect transition="in" filter="fade">
                                       <p:cBhvr>
                                         <p:cTn id="40" dur="500"/>
-                                        <p:tgtEl>
-                                          <p:spTgt spid="22"/>
-                                        </p:tgtEl>
-                                      </p:cBhvr>
-                                    </p:animEffect>
-                                  </p:childTnLst>
-                                </p:cTn>
-                              </p:par>
-                              <p:par>
-                                <p:cTn id="41" presetID="10" presetClass="entr" presetSubtype="0" fill="hold" grpId="0" nodeType="withEffect">
-                                  <p:stCondLst>
-                                    <p:cond delay="0"/>
-                                  </p:stCondLst>
-                                  <p:childTnLst>
-                                    <p:set>
-                                      <p:cBhvr>
-                                        <p:cTn id="42" dur="1" fill="hold">
-                                          <p:stCondLst>
-                                            <p:cond delay="0"/>
-                                          </p:stCondLst>
-                                        </p:cTn>
-                                        <p:tgtEl>
-                                          <p:spTgt spid="24"/>
-                                        </p:tgtEl>
-                                        <p:attrNameLst>
-                                          <p:attrName>style.visibility</p:attrName>
-                                        </p:attrNameLst>
-                                      </p:cBhvr>
-                                      <p:to>
-                                        <p:strVal val="visible"/>
-                                      </p:to>
-                                    </p:set>
-                                    <p:animEffect transition="in" filter="fade">
-                                      <p:cBhvr>
-                                        <p:cTn id="43" dur="500"/>
                                         <p:tgtEl>
                                           <p:spTgt spid="24"/>
                                         </p:tgtEl>
@@ -24356,26 +24294,26 @@
                     </p:cTn>
                   </p:par>
                   <p:par>
-                    <p:cTn id="44" fill="hold">
+                    <p:cTn id="41" fill="hold">
                       <p:stCondLst>
                         <p:cond delay="indefinite"/>
                       </p:stCondLst>
                       <p:childTnLst>
                         <p:par>
-                          <p:cTn id="45" fill="hold">
+                          <p:cTn id="42" fill="hold">
                             <p:stCondLst>
                               <p:cond delay="0"/>
                             </p:stCondLst>
                             <p:childTnLst>
                               <p:par>
-                                <p:cTn id="46" presetID="10" presetClass="entr" presetSubtype="0" fill="hold" grpId="0" nodeType="clickEffect">
+                                <p:cTn id="43" presetID="10" presetClass="entr" presetSubtype="0" fill="hold" grpId="0" nodeType="clickEffect">
                                   <p:stCondLst>
                                     <p:cond delay="0"/>
                                   </p:stCondLst>
                                   <p:childTnLst>
                                     <p:set>
                                       <p:cBhvr>
-                                        <p:cTn id="47" dur="1" fill="hold">
+                                        <p:cTn id="44" dur="1" fill="hold">
                                           <p:stCondLst>
                                             <p:cond delay="0"/>
                                           </p:stCondLst>
@@ -24393,7 +24331,7 @@
                                     </p:set>
                                     <p:animEffect transition="in" filter="fade">
                                       <p:cBhvr>
-                                        <p:cTn id="48" dur="500"/>
+                                        <p:cTn id="45" dur="500"/>
                                         <p:tgtEl>
                                           <p:spTgt spid="25"/>
                                         </p:tgtEl>
@@ -24403,14 +24341,14 @@
                                 </p:cTn>
                               </p:par>
                               <p:par>
-                                <p:cTn id="49" presetID="10" presetClass="entr" presetSubtype="0" fill="hold" grpId="0" nodeType="withEffect">
+                                <p:cTn id="46" presetID="10" presetClass="entr" presetSubtype="0" fill="hold" grpId="0" nodeType="withEffect">
                                   <p:stCondLst>
                                     <p:cond delay="0"/>
                                   </p:stCondLst>
                                   <p:childTnLst>
                                     <p:set>
                                       <p:cBhvr>
-                                        <p:cTn id="50" dur="1" fill="hold">
+                                        <p:cTn id="47" dur="1" fill="hold">
                                           <p:stCondLst>
                                             <p:cond delay="0"/>
                                           </p:stCondLst>
@@ -24428,7 +24366,7 @@
                                     </p:set>
                                     <p:animEffect transition="in" filter="fade">
                                       <p:cBhvr>
-                                        <p:cTn id="51" dur="500"/>
+                                        <p:cTn id="48" dur="500"/>
                                         <p:tgtEl>
                                           <p:spTgt spid="26"/>
                                         </p:tgtEl>
@@ -24444,26 +24382,26 @@
                     </p:cTn>
                   </p:par>
                   <p:par>
-                    <p:cTn id="52" fill="hold">
+                    <p:cTn id="49" fill="hold">
                       <p:stCondLst>
                         <p:cond delay="indefinite"/>
                       </p:stCondLst>
                       <p:childTnLst>
                         <p:par>
-                          <p:cTn id="53" fill="hold">
+                          <p:cTn id="50" fill="hold">
                             <p:stCondLst>
                               <p:cond delay="0"/>
                             </p:stCondLst>
                             <p:childTnLst>
                               <p:par>
-                                <p:cTn id="54" presetID="10" presetClass="entr" presetSubtype="0" fill="hold" grpId="0" nodeType="clickEffect">
+                                <p:cTn id="51" presetID="10" presetClass="entr" presetSubtype="0" fill="hold" grpId="0" nodeType="clickEffect">
                                   <p:stCondLst>
                                     <p:cond delay="0"/>
                                   </p:stCondLst>
                                   <p:childTnLst>
                                     <p:set>
                                       <p:cBhvr>
-                                        <p:cTn id="55" dur="1" fill="hold">
+                                        <p:cTn id="52" dur="1" fill="hold">
                                           <p:stCondLst>
                                             <p:cond delay="0"/>
                                           </p:stCondLst>
@@ -24481,7 +24419,7 @@
                                     </p:set>
                                     <p:animEffect transition="in" filter="fade">
                                       <p:cBhvr>
-                                        <p:cTn id="56" dur="500"/>
+                                        <p:cTn id="53" dur="500"/>
                                         <p:tgtEl>
                                           <p:spTgt spid="15"/>
                                         </p:tgtEl>
@@ -24491,14 +24429,14 @@
                                 </p:cTn>
                               </p:par>
                               <p:par>
-                                <p:cTn id="57" presetID="10" presetClass="entr" presetSubtype="0" fill="hold" grpId="0" nodeType="withEffect">
+                                <p:cTn id="54" presetID="10" presetClass="entr" presetSubtype="0" fill="hold" grpId="0" nodeType="withEffect">
                                   <p:stCondLst>
                                     <p:cond delay="0"/>
                                   </p:stCondLst>
                                   <p:childTnLst>
                                     <p:set>
                                       <p:cBhvr>
-                                        <p:cTn id="58" dur="1" fill="hold">
+                                        <p:cTn id="55" dur="1" fill="hold">
                                           <p:stCondLst>
                                             <p:cond delay="0"/>
                                           </p:stCondLst>
@@ -24516,7 +24454,7 @@
                                     </p:set>
                                     <p:animEffect transition="in" filter="fade">
                                       <p:cBhvr>
-                                        <p:cTn id="59" dur="500"/>
+                                        <p:cTn id="56" dur="500"/>
                                         <p:tgtEl>
                                           <p:spTgt spid="16"/>
                                         </p:tgtEl>
@@ -24532,26 +24470,26 @@
                     </p:cTn>
                   </p:par>
                   <p:par>
-                    <p:cTn id="60" fill="hold">
+                    <p:cTn id="57" fill="hold">
                       <p:stCondLst>
                         <p:cond delay="indefinite"/>
                       </p:stCondLst>
                       <p:childTnLst>
                         <p:par>
-                          <p:cTn id="61" fill="hold">
+                          <p:cTn id="58" fill="hold">
                             <p:stCondLst>
                               <p:cond delay="0"/>
                             </p:stCondLst>
                             <p:childTnLst>
                               <p:par>
-                                <p:cTn id="62" presetID="10" presetClass="entr" presetSubtype="0" fill="hold" grpId="0" nodeType="clickEffect">
+                                <p:cTn id="59" presetID="10" presetClass="entr" presetSubtype="0" fill="hold" grpId="0" nodeType="clickEffect">
                                   <p:stCondLst>
                                     <p:cond delay="0"/>
                                   </p:stCondLst>
                                   <p:childTnLst>
                                     <p:set>
                                       <p:cBhvr>
-                                        <p:cTn id="63" dur="1" fill="hold">
+                                        <p:cTn id="60" dur="1" fill="hold">
                                           <p:stCondLst>
                                             <p:cond delay="0"/>
                                           </p:stCondLst>
@@ -24569,7 +24507,7 @@
                                     </p:set>
                                     <p:animEffect transition="in" filter="fade">
                                       <p:cBhvr>
-                                        <p:cTn id="64" dur="500"/>
+                                        <p:cTn id="61" dur="500"/>
                                         <p:tgtEl>
                                           <p:spTgt spid="13"/>
                                         </p:tgtEl>
@@ -24579,14 +24517,14 @@
                                 </p:cTn>
                               </p:par>
                               <p:par>
-                                <p:cTn id="65" presetID="10" presetClass="entr" presetSubtype="0" fill="hold" grpId="0" nodeType="withEffect">
+                                <p:cTn id="62" presetID="10" presetClass="entr" presetSubtype="0" fill="hold" grpId="0" nodeType="withEffect">
                                   <p:stCondLst>
                                     <p:cond delay="0"/>
                                   </p:stCondLst>
                                   <p:childTnLst>
                                     <p:set>
                                       <p:cBhvr>
-                                        <p:cTn id="66" dur="1" fill="hold">
+                                        <p:cTn id="63" dur="1" fill="hold">
                                           <p:stCondLst>
                                             <p:cond delay="0"/>
                                           </p:stCondLst>
@@ -24604,9 +24542,97 @@
                                     </p:set>
                                     <p:animEffect transition="in" filter="fade">
                                       <p:cBhvr>
-                                        <p:cTn id="67" dur="500"/>
+                                        <p:cTn id="64" dur="500"/>
                                         <p:tgtEl>
                                           <p:spTgt spid="14"/>
+                                        </p:tgtEl>
+                                      </p:cBhvr>
+                                    </p:animEffect>
+                                  </p:childTnLst>
+                                </p:cTn>
+                              </p:par>
+                            </p:childTnLst>
+                          </p:cTn>
+                        </p:par>
+                      </p:childTnLst>
+                    </p:cTn>
+                  </p:par>
+                  <p:par>
+                    <p:cTn id="65" fill="hold">
+                      <p:stCondLst>
+                        <p:cond delay="indefinite"/>
+                      </p:stCondLst>
+                      <p:childTnLst>
+                        <p:par>
+                          <p:cTn id="66" fill="hold">
+                            <p:stCondLst>
+                              <p:cond delay="0"/>
+                            </p:stCondLst>
+                            <p:childTnLst>
+                              <p:par>
+                                <p:cTn id="67" presetID="10" presetClass="entr" presetSubtype="0" fill="hold" grpId="0" nodeType="clickEffect">
+                                  <p:stCondLst>
+                                    <p:cond delay="0"/>
+                                  </p:stCondLst>
+                                  <p:childTnLst>
+                                    <p:set>
+                                      <p:cBhvr>
+                                        <p:cTn id="68" dur="1" fill="hold">
+                                          <p:stCondLst>
+                                            <p:cond delay="0"/>
+                                          </p:stCondLst>
+                                        </p:cTn>
+                                        <p:tgtEl>
+                                          <p:spTgt spid="28"/>
+                                        </p:tgtEl>
+                                        <p:attrNameLst>
+                                          <p:attrName>style.visibility</p:attrName>
+                                        </p:attrNameLst>
+                                      </p:cBhvr>
+                                      <p:to>
+                                        <p:strVal val="visible"/>
+                                      </p:to>
+                                    </p:set>
+                                    <p:animEffect transition="in" filter="fade">
+                                      <p:cBhvr>
+                                        <p:cTn id="69" dur="500"/>
+                                        <p:tgtEl>
+                                          <p:spTgt spid="28"/>
+                                        </p:tgtEl>
+                                      </p:cBhvr>
+                                    </p:animEffect>
+                                  </p:childTnLst>
+                                </p:cTn>
+                              </p:par>
+                              <p:par>
+                                <p:cTn id="70" presetID="10" presetClass="entr" presetSubtype="0" fill="hold" grpId="0" nodeType="withEffect">
+                                  <p:stCondLst>
+                                    <p:cond delay="0"/>
+                                  </p:stCondLst>
+                                  <p:childTnLst>
+                                    <p:set>
+                                      <p:cBhvr>
+                                        <p:cTn id="71" dur="1" fill="hold">
+                                          <p:stCondLst>
+                                            <p:cond delay="0"/>
+                                          </p:stCondLst>
+                                        </p:cTn>
+                                        <p:tgtEl>
+                                          <p:spTgt spid="29"/>
+                                        </p:tgtEl>
+                                        <p:attrNameLst>
+                                          <p:attrName>style.visibility</p:attrName>
+                                        </p:attrNameLst>
+                                      </p:cBhvr>
+                                      <p:to>
+                                        <p:strVal val="visible"/>
+                                      </p:to>
+                                    </p:set>
+                                    <p:animEffect transition="in" filter="fade">
+                                      <p:cBhvr>
+                                        <p:cTn id="72" dur="500"/>
+                                        <p:tgtEl>
+                                          <p:spTgt spid="29"/>
                                         </p:tgtEl>
                                       </p:cBhvr>
                                     </p:animEffect>
@@ -24650,298 +24676,20 @@
       <p:bldP spid="18" grpId="0" animBg="1"/>
       <p:bldP spid="20" grpId="0" animBg="1"/>
       <p:bldP spid="21" grpId="0" animBg="1"/>
-      <p:bldP spid="22" grpId="0" animBg="1"/>
       <p:bldP spid="23" grpId="0" animBg="1"/>
       <p:bldP spid="24" grpId="0" animBg="1"/>
       <p:bldP spid="25" grpId="0" animBg="1"/>
       <p:bldP spid="26" grpId="0" animBg="1"/>
       <p:bldP spid="27" grpId="0" animBg="1"/>
       <p:bldP spid="19" grpId="0" animBg="1"/>
+      <p:bldP spid="28" grpId="0" animBg="1"/>
+      <p:bldP spid="29" grpId="0" animBg="1"/>
     </p:bldLst>
   </p:timing>
 </p:sld>
 </file>
 
 <file path=ppt/slides/slide35.xml><?xml version="1.0" encoding="utf-8"?>
-<p:sld xmlns:a="http://schemas.openxmlformats.org/drawingml/2006/main" xmlns:r="http://schemas.openxmlformats.org/officeDocument/2006/relationships" xmlns:p="http://schemas.openxmlformats.org/presentationml/2006/main">
-  <p:cSld>
-    <p:spTree>
-      <p:nvGrpSpPr>
-        <p:cNvPr id="1" name=""/>
-        <p:cNvGrpSpPr/>
-        <p:nvPr/>
-      </p:nvGrpSpPr>
-      <p:grpSpPr>
-        <a:xfrm>
-          <a:off x="0" y="0"/>
-          <a:ext cx="0" cy="0"/>
-          <a:chOff x="0" y="0"/>
-          <a:chExt cx="0" cy="0"/>
-        </a:xfrm>
-      </p:grpSpPr>
-      <p:sp>
-        <p:nvSpPr>
-          <p:cNvPr id="5" name="Title 4"/>
-          <p:cNvSpPr>
-            <a:spLocks noGrp="1"/>
-          </p:cNvSpPr>
-          <p:nvPr>
-            <p:ph type="ctrTitle"/>
-          </p:nvPr>
-        </p:nvSpPr>
-        <p:spPr>
-          <a:xfrm>
-            <a:off x="609600" y="4953001"/>
-            <a:ext cx="7924800" cy="685800"/>
-          </a:xfrm>
-        </p:spPr>
-        <p:txBody>
-          <a:bodyPr/>
-          <a:lstStyle/>
-          <a:p>
-            <a:r>
-              <a:rPr lang="en-US" dirty="0"/>
-              <a:t>Demo: Internet application</a:t>
-            </a:r>
-          </a:p>
-        </p:txBody>
-      </p:sp>
-      <p:sp>
-        <p:nvSpPr>
-          <p:cNvPr id="6" name="Subtitle 5"/>
-          <p:cNvSpPr>
-            <a:spLocks noGrp="1"/>
-          </p:cNvSpPr>
-          <p:nvPr>
-            <p:ph type="subTitle" idx="1"/>
-          </p:nvPr>
-        </p:nvSpPr>
-        <p:spPr>
-          <a:xfrm>
-            <a:off x="609600" y="5679280"/>
-            <a:ext cx="7924800" cy="569120"/>
-          </a:xfrm>
-        </p:spPr>
-        <p:txBody>
-          <a:bodyPr/>
-          <a:lstStyle/>
-          <a:p>
-            <a:r>
-              <a:rPr lang="en-US" dirty="0"/>
-              <a:t>Making changes and </a:t>
-            </a:r>
-            <a:r>
-              <a:rPr lang="en-US" dirty="0" smtClean="0"/>
-              <a:t>debugging</a:t>
-            </a:r>
-            <a:endParaRPr lang="en-US" dirty="0"/>
-          </a:p>
-        </p:txBody>
-      </p:sp>
-      <p:pic>
-        <p:nvPicPr>
-          <p:cNvPr id="7" name="Picture 6"/>
-          <p:cNvPicPr>
-            <a:picLocks noChangeAspect="1"/>
-          </p:cNvPicPr>
-          <p:nvPr/>
-        </p:nvPicPr>
-        <p:blipFill>
-          <a:blip r:embed="rId2"/>
-          <a:stretch>
-            <a:fillRect/>
-          </a:stretch>
-        </p:blipFill>
-        <p:spPr>
-          <a:xfrm>
-            <a:off x="2489596" y="609600"/>
-            <a:ext cx="4164807" cy="3998214"/>
-          </a:xfrm>
-          <a:prstGeom prst="roundRect">
-            <a:avLst>
-              <a:gd name="adj" fmla="val 1793"/>
-            </a:avLst>
-          </a:prstGeom>
-          <a:solidFill>
-            <a:srgbClr val="FFFFFF">
-              <a:shade val="85000"/>
-            </a:srgbClr>
-          </a:solidFill>
-          <a:ln>
-            <a:noFill/>
-          </a:ln>
-          <a:effectLst>
-            <a:reflection blurRad="12700" stA="38000" endPos="28000" dist="5000" dir="5400000" sy="-100000" algn="bl" rotWithShape="0"/>
-          </a:effectLst>
-        </p:spPr>
-      </p:pic>
-    </p:spTree>
-    <p:extLst>
-      <p:ext uri="{BB962C8B-B14F-4D97-AF65-F5344CB8AC3E}">
-        <p14:creationId xmlns:p14="http://schemas.microsoft.com/office/powerpoint/2010/main" val="2455018471"/>
-      </p:ext>
-    </p:extLst>
-  </p:cSld>
-  <p:clrMapOvr>
-    <a:masterClrMapping/>
-  </p:clrMapOvr>
-  <p:timing>
-    <p:tnLst>
-      <p:par>
-        <p:cTn id="1" dur="indefinite" restart="never" nodeType="tmRoot"/>
-      </p:par>
-    </p:tnLst>
-  </p:timing>
-</p:sld>
-</file>
-
-<file path=ppt/slides/slide36.xml><?xml version="1.0" encoding="utf-8"?>
-<p:sld xmlns:a="http://schemas.openxmlformats.org/drawingml/2006/main" xmlns:r="http://schemas.openxmlformats.org/officeDocument/2006/relationships" xmlns:p="http://schemas.openxmlformats.org/presentationml/2006/main">
-  <p:cSld>
-    <p:spTree>
-      <p:nvGrpSpPr>
-        <p:cNvPr id="1" name=""/>
-        <p:cNvGrpSpPr/>
-        <p:nvPr/>
-      </p:nvGrpSpPr>
-      <p:grpSpPr>
-        <a:xfrm>
-          <a:off x="0" y="0"/>
-          <a:ext cx="0" cy="0"/>
-          <a:chOff x="0" y="0"/>
-          <a:chExt cx="0" cy="0"/>
-        </a:xfrm>
-      </p:grpSpPr>
-      <p:sp>
-        <p:nvSpPr>
-          <p:cNvPr id="7" name="Title 6"/>
-          <p:cNvSpPr>
-            <a:spLocks noGrp="1"/>
-          </p:cNvSpPr>
-          <p:nvPr>
-            <p:ph type="ctrTitle"/>
-          </p:nvPr>
-        </p:nvSpPr>
-        <p:spPr>
-          <a:xfrm>
-            <a:off x="600547" y="797720"/>
-            <a:ext cx="7924800" cy="1488280"/>
-          </a:xfrm>
-        </p:spPr>
-        <p:txBody>
-          <a:bodyPr/>
-          <a:lstStyle/>
-          <a:p>
-            <a:r>
-              <a:rPr lang="en-US" dirty="0"/>
-              <a:t>NuGet </a:t>
-            </a:r>
-            <a:r>
-              <a:rPr lang="en-US" dirty="0" smtClean="0"/>
-              <a:t>Package Management</a:t>
-            </a:r>
-            <a:endParaRPr lang="en-US" dirty="0"/>
-          </a:p>
-        </p:txBody>
-      </p:sp>
-      <p:pic>
-        <p:nvPicPr>
-          <p:cNvPr id="9" name="Picture 8"/>
-          <p:cNvPicPr>
-            <a:picLocks noChangeAspect="1"/>
-          </p:cNvPicPr>
-          <p:nvPr/>
-        </p:nvPicPr>
-        <p:blipFill>
-          <a:blip r:embed="rId2"/>
-          <a:stretch>
-            <a:fillRect/>
-          </a:stretch>
-        </p:blipFill>
-        <p:spPr>
-          <a:xfrm>
-            <a:off x="1622102" y="3200400"/>
-            <a:ext cx="5881688" cy="3335695"/>
-          </a:xfrm>
-          <a:prstGeom prst="rect">
-            <a:avLst/>
-          </a:prstGeom>
-          <a:ln>
-            <a:noFill/>
-          </a:ln>
-          <a:effectLst>
-            <a:outerShdw blurRad="190500" algn="tl" rotWithShape="0">
-              <a:srgbClr val="000000">
-                <a:alpha val="70000"/>
-              </a:srgbClr>
-            </a:outerShdw>
-          </a:effectLst>
-        </p:spPr>
-      </p:pic>
-      <p:pic>
-        <p:nvPicPr>
-          <p:cNvPr id="3074" name="Picture 2" descr="http://www.nuget.org/Content/Images/nugetlogo.png"/>
-          <p:cNvPicPr>
-            <a:picLocks noChangeAspect="1" noChangeArrowheads="1"/>
-          </p:cNvPicPr>
-          <p:nvPr/>
-        </p:nvPicPr>
-        <p:blipFill>
-          <a:blip r:embed="rId3">
-            <a:extLst>
-              <a:ext uri="{28A0092B-C50C-407E-A947-70E740481C1C}">
-                <a14:useLocalDpi xmlns:a14="http://schemas.microsoft.com/office/drawing/2010/main" val="0"/>
-              </a:ext>
-            </a:extLst>
-          </a:blip>
-          <a:srcRect/>
-          <a:stretch>
-            <a:fillRect/>
-          </a:stretch>
-        </p:blipFill>
-        <p:spPr bwMode="auto">
-          <a:xfrm>
-            <a:off x="992024" y="2133600"/>
-            <a:ext cx="7141845" cy="1552575"/>
-          </a:xfrm>
-          <a:prstGeom prst="rect">
-            <a:avLst/>
-          </a:prstGeom>
-          <a:ln>
-            <a:noFill/>
-          </a:ln>
-          <a:effectLst>
-            <a:outerShdw blurRad="190500" algn="tl" rotWithShape="0">
-              <a:srgbClr val="000000">
-                <a:alpha val="70000"/>
-              </a:srgbClr>
-            </a:outerShdw>
-          </a:effectLst>
-          <a:extLst>
-            <a:ext uri="{909E8E84-426E-40DD-AFC4-6F175D3DCCD1}">
-              <a14:hiddenFill xmlns:a14="http://schemas.microsoft.com/office/drawing/2010/main">
-                <a:solidFill>
-                  <a:srgbClr val="FFFFFF"/>
-                </a:solidFill>
-              </a14:hiddenFill>
-            </a:ext>
-          </a:extLst>
-        </p:spPr>
-      </p:pic>
-    </p:spTree>
-    <p:extLst>
-      <p:ext uri="{BB962C8B-B14F-4D97-AF65-F5344CB8AC3E}">
-        <p14:creationId xmlns:p14="http://schemas.microsoft.com/office/powerpoint/2010/main" val="3017720898"/>
-      </p:ext>
-    </p:extLst>
-  </p:cSld>
-  <p:clrMapOvr>
-    <a:masterClrMapping/>
-  </p:clrMapOvr>
-</p:sld>
-</file>
-
-<file path=ppt/slides/slide37.xml><?xml version="1.0" encoding="utf-8"?>
 <p:sld xmlns:a="http://schemas.openxmlformats.org/drawingml/2006/main" xmlns:r="http://schemas.openxmlformats.org/officeDocument/2006/relationships" xmlns:p="http://schemas.openxmlformats.org/presentationml/2006/main">
   <p:cSld>
     <p:spTree>
@@ -25090,7 +24838,7 @@
               <a:pPr>
                 <a:defRPr/>
               </a:pPr>
-              <a:t>37</a:t>
+              <a:t>35</a:t>
             </a:fld>
             <a:endParaRPr lang="en-US" dirty="0"/>
           </a:p>
@@ -25190,6 +24938,364 @@
 </p:sld>
 </file>
 
+<file path=ppt/slides/slide36.xml><?xml version="1.0" encoding="utf-8"?>
+<p:sld xmlns:a="http://schemas.openxmlformats.org/drawingml/2006/main" xmlns:r="http://schemas.openxmlformats.org/officeDocument/2006/relationships" xmlns:p="http://schemas.openxmlformats.org/presentationml/2006/main">
+  <p:cSld>
+    <p:spTree>
+      <p:nvGrpSpPr>
+        <p:cNvPr id="1" name=""/>
+        <p:cNvGrpSpPr/>
+        <p:nvPr/>
+      </p:nvGrpSpPr>
+      <p:grpSpPr>
+        <a:xfrm>
+          <a:off x="0" y="0"/>
+          <a:ext cx="0" cy="0"/>
+          <a:chOff x="0" y="0"/>
+          <a:chExt cx="0" cy="0"/>
+        </a:xfrm>
+      </p:grpSpPr>
+      <p:sp>
+        <p:nvSpPr>
+          <p:cNvPr id="5" name="Title 4"/>
+          <p:cNvSpPr>
+            <a:spLocks noGrp="1"/>
+          </p:cNvSpPr>
+          <p:nvPr>
+            <p:ph type="ctrTitle"/>
+          </p:nvPr>
+        </p:nvSpPr>
+        <p:spPr>
+          <a:xfrm>
+            <a:off x="609600" y="4953001"/>
+            <a:ext cx="7924800" cy="685800"/>
+          </a:xfrm>
+        </p:spPr>
+        <p:txBody>
+          <a:bodyPr/>
+          <a:lstStyle/>
+          <a:p>
+            <a:r>
+              <a:rPr lang="en-US" dirty="0"/>
+              <a:t>Demo: Internet application</a:t>
+            </a:r>
+          </a:p>
+        </p:txBody>
+      </p:sp>
+      <p:sp>
+        <p:nvSpPr>
+          <p:cNvPr id="6" name="Subtitle 5"/>
+          <p:cNvSpPr>
+            <a:spLocks noGrp="1"/>
+          </p:cNvSpPr>
+          <p:nvPr>
+            <p:ph type="subTitle" idx="1"/>
+          </p:nvPr>
+        </p:nvSpPr>
+        <p:spPr>
+          <a:xfrm>
+            <a:off x="609600" y="5679280"/>
+            <a:ext cx="7924800" cy="569120"/>
+          </a:xfrm>
+        </p:spPr>
+        <p:txBody>
+          <a:bodyPr/>
+          <a:lstStyle/>
+          <a:p>
+            <a:r>
+              <a:rPr lang="en-US" dirty="0"/>
+              <a:t>Making changes and </a:t>
+            </a:r>
+            <a:r>
+              <a:rPr lang="en-US" dirty="0" smtClean="0"/>
+              <a:t>debugging</a:t>
+            </a:r>
+            <a:endParaRPr lang="en-US" dirty="0"/>
+          </a:p>
+        </p:txBody>
+      </p:sp>
+      <p:pic>
+        <p:nvPicPr>
+          <p:cNvPr id="7" name="Picture 6"/>
+          <p:cNvPicPr>
+            <a:picLocks noChangeAspect="1"/>
+          </p:cNvPicPr>
+          <p:nvPr/>
+        </p:nvPicPr>
+        <p:blipFill>
+          <a:blip r:embed="rId2"/>
+          <a:stretch>
+            <a:fillRect/>
+          </a:stretch>
+        </p:blipFill>
+        <p:spPr>
+          <a:xfrm>
+            <a:off x="2489596" y="609600"/>
+            <a:ext cx="4164807" cy="3998214"/>
+          </a:xfrm>
+          <a:prstGeom prst="roundRect">
+            <a:avLst>
+              <a:gd name="adj" fmla="val 1793"/>
+            </a:avLst>
+          </a:prstGeom>
+          <a:solidFill>
+            <a:srgbClr val="FFFFFF">
+              <a:shade val="85000"/>
+            </a:srgbClr>
+          </a:solidFill>
+          <a:ln>
+            <a:noFill/>
+          </a:ln>
+          <a:effectLst>
+            <a:reflection blurRad="12700" stA="38000" endPos="28000" dist="5000" dir="5400000" sy="-100000" algn="bl" rotWithShape="0"/>
+          </a:effectLst>
+        </p:spPr>
+      </p:pic>
+    </p:spTree>
+    <p:extLst>
+      <p:ext uri="{BB962C8B-B14F-4D97-AF65-F5344CB8AC3E}">
+        <p14:creationId xmlns:p14="http://schemas.microsoft.com/office/powerpoint/2010/main" val="2455018471"/>
+      </p:ext>
+    </p:extLst>
+  </p:cSld>
+  <p:clrMapOvr>
+    <a:masterClrMapping/>
+  </p:clrMapOvr>
+  <p:timing>
+    <p:tnLst>
+      <p:par>
+        <p:cTn id="1" dur="indefinite" restart="never" nodeType="tmRoot"/>
+      </p:par>
+    </p:tnLst>
+  </p:timing>
+</p:sld>
+</file>
+
+<file path=ppt/slides/slide37.xml><?xml version="1.0" encoding="utf-8"?>
+<p:sld xmlns:a="http://schemas.openxmlformats.org/drawingml/2006/main" xmlns:r="http://schemas.openxmlformats.org/officeDocument/2006/relationships" xmlns:p="http://schemas.openxmlformats.org/presentationml/2006/main">
+  <p:cSld>
+    <p:spTree>
+      <p:nvGrpSpPr>
+        <p:cNvPr id="1" name=""/>
+        <p:cNvGrpSpPr/>
+        <p:nvPr/>
+      </p:nvGrpSpPr>
+      <p:grpSpPr>
+        <a:xfrm>
+          <a:off x="0" y="0"/>
+          <a:ext cx="0" cy="0"/>
+          <a:chOff x="0" y="0"/>
+          <a:chExt cx="0" cy="0"/>
+        </a:xfrm>
+      </p:grpSpPr>
+      <p:sp>
+        <p:nvSpPr>
+          <p:cNvPr id="5" name="Title 4"/>
+          <p:cNvSpPr>
+            <a:spLocks noGrp="1"/>
+          </p:cNvSpPr>
+          <p:nvPr>
+            <p:ph type="ctrTitle"/>
+          </p:nvPr>
+        </p:nvSpPr>
+        <p:spPr>
+          <a:xfrm>
+            <a:off x="609600" y="914400"/>
+            <a:ext cx="7924800" cy="1371600"/>
+          </a:xfrm>
+        </p:spPr>
+        <p:txBody>
+          <a:bodyPr/>
+          <a:lstStyle/>
+          <a:p>
+            <a:r>
+              <a:rPr lang="en-US" dirty="0"/>
+              <a:t>Server </a:t>
+            </a:r>
+            <a:r>
+              <a:rPr lang="en-US" dirty="0" smtClean="0"/>
+              <a:t>Information </a:t>
+            </a:r>
+            <a:r>
+              <a:rPr lang="en-US" dirty="0"/>
+              <a:t>with Glimpse</a:t>
+            </a:r>
+          </a:p>
+        </p:txBody>
+      </p:sp>
+      <p:sp>
+        <p:nvSpPr>
+          <p:cNvPr id="6" name="Subtitle 5"/>
+          <p:cNvSpPr>
+            <a:spLocks noGrp="1"/>
+          </p:cNvSpPr>
+          <p:nvPr>
+            <p:ph type="subTitle" idx="1"/>
+          </p:nvPr>
+        </p:nvSpPr>
+        <p:spPr>
+          <a:xfrm>
+            <a:off x="609600" y="2402680"/>
+            <a:ext cx="7924800" cy="569120"/>
+          </a:xfrm>
+        </p:spPr>
+        <p:txBody>
+          <a:bodyPr/>
+          <a:lstStyle/>
+          <a:p>
+            <a:r>
+              <a:rPr lang="en-US" dirty="0" smtClean="0"/>
+              <a:t>The open source diagnostics platform of the web</a:t>
+            </a:r>
+            <a:endParaRPr lang="en-US" dirty="0"/>
+          </a:p>
+        </p:txBody>
+      </p:sp>
+      <p:pic>
+        <p:nvPicPr>
+          <p:cNvPr id="2052" name="Picture 4" descr="Metadata Tab"/>
+          <p:cNvPicPr>
+            <a:picLocks noChangeAspect="1" noChangeArrowheads="1"/>
+          </p:cNvPicPr>
+          <p:nvPr/>
+        </p:nvPicPr>
+        <p:blipFill>
+          <a:blip r:embed="rId2">
+            <a:extLst>
+              <a:ext uri="{28A0092B-C50C-407E-A947-70E740481C1C}">
+                <a14:useLocalDpi xmlns:a14="http://schemas.microsoft.com/office/drawing/2010/main" val="0"/>
+              </a:ext>
+            </a:extLst>
+          </a:blip>
+          <a:srcRect/>
+          <a:stretch>
+            <a:fillRect/>
+          </a:stretch>
+        </p:blipFill>
+        <p:spPr bwMode="auto">
+          <a:xfrm>
+            <a:off x="457200" y="3341536"/>
+            <a:ext cx="5638800" cy="1652458"/>
+          </a:xfrm>
+          <a:prstGeom prst="rect">
+            <a:avLst/>
+          </a:prstGeom>
+          <a:noFill/>
+          <a:extLst>
+            <a:ext uri="{909E8E84-426E-40DD-AFC4-6F175D3DCCD1}">
+              <a14:hiddenFill xmlns:a14="http://schemas.microsoft.com/office/drawing/2010/main">
+                <a:solidFill>
+                  <a:srgbClr val="FFFFFF"/>
+                </a:solidFill>
+              </a14:hiddenFill>
+            </a:ext>
+          </a:extLst>
+        </p:spPr>
+      </p:pic>
+      <p:pic>
+        <p:nvPicPr>
+          <p:cNvPr id="2050" name="Picture 2" descr="Routes Tab"/>
+          <p:cNvPicPr>
+            <a:picLocks noChangeAspect="1" noChangeArrowheads="1"/>
+          </p:cNvPicPr>
+          <p:nvPr/>
+        </p:nvPicPr>
+        <p:blipFill>
+          <a:blip r:embed="rId3">
+            <a:extLst>
+              <a:ext uri="{28A0092B-C50C-407E-A947-70E740481C1C}">
+                <a14:useLocalDpi xmlns:a14="http://schemas.microsoft.com/office/drawing/2010/main" val="0"/>
+              </a:ext>
+            </a:extLst>
+          </a:blip>
+          <a:srcRect/>
+          <a:stretch>
+            <a:fillRect/>
+          </a:stretch>
+        </p:blipFill>
+        <p:spPr bwMode="auto">
+          <a:xfrm>
+            <a:off x="1371600" y="4468789"/>
+            <a:ext cx="7007225" cy="2053478"/>
+          </a:xfrm>
+          <a:prstGeom prst="rect">
+            <a:avLst/>
+          </a:prstGeom>
+          <a:ln>
+            <a:noFill/>
+          </a:ln>
+          <a:effectLst>
+            <a:outerShdw blurRad="190500" algn="tl" rotWithShape="0">
+              <a:srgbClr val="000000">
+                <a:alpha val="70000"/>
+              </a:srgbClr>
+            </a:outerShdw>
+          </a:effectLst>
+          <a:extLst>
+            <a:ext uri="{909E8E84-426E-40DD-AFC4-6F175D3DCCD1}">
+              <a14:hiddenFill xmlns:a14="http://schemas.microsoft.com/office/drawing/2010/main">
+                <a:solidFill>
+                  <a:srgbClr val="FFFFFF"/>
+                </a:solidFill>
+              </a14:hiddenFill>
+            </a:ext>
+          </a:extLst>
+        </p:spPr>
+      </p:pic>
+      <p:pic>
+        <p:nvPicPr>
+          <p:cNvPr id="1026" name="Picture 2" descr="http://getglimpse.com/Content/logo-long-white.png"/>
+          <p:cNvPicPr>
+            <a:picLocks noChangeAspect="1" noChangeArrowheads="1"/>
+          </p:cNvPicPr>
+          <p:nvPr/>
+        </p:nvPicPr>
+        <p:blipFill>
+          <a:blip r:embed="rId4">
+            <a:extLst>
+              <a:ext uri="{28A0092B-C50C-407E-A947-70E740481C1C}">
+                <a14:useLocalDpi xmlns:a14="http://schemas.microsoft.com/office/drawing/2010/main" val="0"/>
+              </a:ext>
+            </a:extLst>
+          </a:blip>
+          <a:srcRect/>
+          <a:stretch>
+            <a:fillRect/>
+          </a:stretch>
+        </p:blipFill>
+        <p:spPr bwMode="auto">
+          <a:xfrm>
+            <a:off x="6248400" y="3581400"/>
+            <a:ext cx="2562225" cy="685800"/>
+          </a:xfrm>
+          <a:prstGeom prst="rect">
+            <a:avLst/>
+          </a:prstGeom>
+          <a:noFill/>
+          <a:extLst>
+            <a:ext uri="{909E8E84-426E-40DD-AFC4-6F175D3DCCD1}">
+              <a14:hiddenFill xmlns:a14="http://schemas.microsoft.com/office/drawing/2010/main">
+                <a:solidFill>
+                  <a:srgbClr val="FFFFFF"/>
+                </a:solidFill>
+              </a14:hiddenFill>
+            </a:ext>
+          </a:extLst>
+        </p:spPr>
+      </p:pic>
+    </p:spTree>
+    <p:extLst>
+      <p:ext uri="{BB962C8B-B14F-4D97-AF65-F5344CB8AC3E}">
+        <p14:creationId xmlns:p14="http://schemas.microsoft.com/office/powerpoint/2010/main" val="3002644891"/>
+      </p:ext>
+    </p:extLst>
+  </p:cSld>
+  <p:clrMapOvr>
+    <a:masterClrMapping/>
+  </p:clrMapOvr>
+</p:sld>
+</file>
+
 <file path=ppt/slides/slide38.xml><?xml version="1.0" encoding="utf-8"?>
 <p:sld xmlns:a="http://schemas.openxmlformats.org/drawingml/2006/main" xmlns:r="http://schemas.openxmlformats.org/officeDocument/2006/relationships" xmlns:p="http://schemas.openxmlformats.org/presentationml/2006/main">
   <p:cSld>
@@ -25209,7 +25315,7 @@
       </p:grpSpPr>
       <p:sp>
         <p:nvSpPr>
-          <p:cNvPr id="2" name="Title 1"/>
+          <p:cNvPr id="4" name="Title 3"/>
           <p:cNvSpPr>
             <a:spLocks noGrp="1"/>
           </p:cNvSpPr>
@@ -25224,7 +25330,7 @@
           <a:p>
             <a:r>
               <a:rPr lang="en-US" dirty="0" smtClean="0"/>
-              <a:t>Nightly Builds</a:t>
+              <a:t>Server Info with Glimpse</a:t>
             </a:r>
             <a:endParaRPr lang="en-US" dirty="0"/>
           </a:p>
@@ -25232,7 +25338,7 @@
       </p:sp>
       <p:sp>
         <p:nvSpPr>
-          <p:cNvPr id="3" name="Content Placeholder 2"/>
+          <p:cNvPr id="5" name="Content Placeholder 4"/>
           <p:cNvSpPr>
             <a:spLocks noGrp="1"/>
           </p:cNvSpPr>
@@ -25251,66 +25357,117 @@
           <a:lstStyle/>
           <a:p>
             <a:r>
+              <a:rPr lang="en-US" dirty="0"/>
+              <a:t>Glimpse </a:t>
+            </a:r>
+            <a:r>
               <a:rPr lang="en-US" dirty="0" smtClean="0"/>
-              <a:t>Nightly </a:t>
+              <a:t>is a powerful diagnostics platform that shows </a:t>
             </a:r>
             <a:r>
               <a:rPr lang="en-US" dirty="0"/>
-              <a:t>builds </a:t>
+              <a:t>execution timings, server configuration, request data and </a:t>
             </a:r>
             <a:r>
               <a:rPr lang="en-US" dirty="0" smtClean="0"/>
-              <a:t>of ASP.NET MVC are </a:t>
+              <a:t>more</a:t>
+            </a:r>
+          </a:p>
+          <a:p>
+            <a:pPr lvl="1"/>
+            <a:r>
+              <a:rPr lang="en-US" dirty="0" smtClean="0"/>
+              <a:t>Showed inside browser (like </a:t>
+            </a:r>
+            <a:r>
+              <a:rPr lang="en-US" dirty="0" err="1" smtClean="0"/>
+              <a:t>FireBug</a:t>
+            </a:r>
+            <a:r>
+              <a:rPr lang="en-US" dirty="0" smtClean="0"/>
+              <a:t>)</a:t>
+            </a:r>
+          </a:p>
+          <a:p>
+            <a:pPr lvl="1"/>
+            <a:r>
+              <a:rPr lang="en-US" dirty="0" smtClean="0"/>
+              <a:t>With </a:t>
             </a:r>
             <a:r>
               <a:rPr lang="en-US" dirty="0"/>
-              <a:t>available via a private NuGet </a:t>
+              <a:t>no </a:t>
             </a:r>
             <a:r>
               <a:rPr lang="en-US" dirty="0" smtClean="0"/>
-              <a:t>feed</a:t>
+              <a:t>changes </a:t>
+            </a:r>
+            <a:r>
+              <a:rPr lang="en-US" dirty="0"/>
+              <a:t>to </a:t>
+            </a:r>
+            <a:r>
+              <a:rPr lang="en-US" dirty="0" smtClean="0"/>
+              <a:t>the application code</a:t>
             </a:r>
           </a:p>
           <a:p>
             <a:pPr lvl="1"/>
             <a:r>
-              <a:rPr lang="en-US" dirty="0"/>
-              <a:t>In your Package Manager settings add the following package </a:t>
-            </a:r>
-            <a:r>
               <a:rPr lang="en-US" dirty="0" smtClean="0"/>
-              <a:t>source: </a:t>
-            </a:r>
-          </a:p>
-          <a:p>
-            <a:pPr marL="357188" lvl="1" indent="0">
-              <a:buNone/>
-            </a:pPr>
+              <a:t>Supports ASP.NET </a:t>
+            </a:r>
+            <a:r>
+              <a:rPr lang="en-US" dirty="0" smtClean="0"/>
+              <a:t>MVC 5, </a:t>
+            </a:r>
+            <a:r>
+              <a:rPr lang="en-US" dirty="0" err="1" smtClean="0"/>
+              <a:t>WebForms</a:t>
+            </a:r>
+            <a:r>
+              <a:rPr lang="en-US" dirty="0" smtClean="0"/>
+              <a:t> and </a:t>
+            </a:r>
+            <a:r>
+              <a:rPr lang="en-US" dirty="0" smtClean="0"/>
+              <a:t>EF</a:t>
+            </a:r>
+          </a:p>
+          <a:p>
+            <a:pPr lvl="1"/>
+            <a:r>
+              <a:rPr lang="en-US" dirty="0" smtClean="0"/>
+              <a:t>Beta support for ASP.NET Core</a:t>
+            </a:r>
+          </a:p>
+          <a:p>
+            <a:r>
+              <a:rPr lang="en-US" dirty="0" smtClean="0"/>
+              <a:t>Open sourced</a:t>
+            </a:r>
+          </a:p>
+          <a:p>
+            <a:pPr lvl="1"/>
+            <a:r>
+              <a:rPr lang="en-US" dirty="0">
+                <a:hlinkClick r:id="rId3"/>
+              </a:rPr>
+              <a:t>https://</a:t>
+            </a:r>
             <a:r>
               <a:rPr lang="en-US" dirty="0" smtClean="0">
-                <a:hlinkClick r:id="rId2"/>
+                <a:hlinkClick r:id="rId3"/>
               </a:rPr>
-              <a:t>http://www.myget.org/F/aspnetwebstacknightly</a:t>
-            </a:r>
-            <a:r>
-              <a:rPr lang="en-US" dirty="0">
-                <a:hlinkClick r:id="rId2"/>
-              </a:rPr>
-              <a:t>/</a:t>
-            </a:r>
-            <a:r>
-              <a:rPr lang="en-US" dirty="0"/>
-              <a:t> </a:t>
-            </a:r>
-          </a:p>
-          <a:p>
-            <a:endParaRPr lang="en-US" dirty="0"/>
+              <a:t>github.com/glimpse/glimpse</a:t>
+            </a:r>
+            <a:endParaRPr lang="en-US" dirty="0" smtClean="0"/>
           </a:p>
         </p:txBody>
       </p:sp>
       <p:sp>
         <p:nvSpPr>
-          <p:cNvPr id="4" name="Slide Number Placeholder 3"/>
+          <p:cNvPr id="6" name="Slide Number Placeholder 5"/>
           <p:cNvSpPr>
             <a:spLocks noGrp="1"/>
           </p:cNvSpPr>
@@ -25337,34 +25494,10 @@
           </a:p>
         </p:txBody>
       </p:sp>
-      <p:pic>
-        <p:nvPicPr>
-          <p:cNvPr id="5" name="Picture 4"/>
-          <p:cNvPicPr>
-            <a:picLocks noChangeAspect="1"/>
-          </p:cNvPicPr>
-          <p:nvPr/>
-        </p:nvPicPr>
-        <p:blipFill>
-          <a:blip r:embed="rId3"/>
-          <a:stretch>
-            <a:fillRect/>
-          </a:stretch>
-        </p:blipFill>
-        <p:spPr>
-          <a:xfrm>
-            <a:off x="1907632" y="3764733"/>
-            <a:ext cx="5328736" cy="2731129"/>
-          </a:xfrm>
-          <a:prstGeom prst="rect">
-            <a:avLst/>
-          </a:prstGeom>
-        </p:spPr>
-      </p:pic>
     </p:spTree>
     <p:extLst>
       <p:ext uri="{BB962C8B-B14F-4D97-AF65-F5344CB8AC3E}">
-        <p14:creationId xmlns:p14="http://schemas.microsoft.com/office/powerpoint/2010/main" val="4130734599"/>
+        <p14:creationId xmlns:p14="http://schemas.microsoft.com/office/powerpoint/2010/main" val="2339683704"/>
       </p:ext>
     </p:extLst>
   </p:cSld>
@@ -25400,105 +25533,217 @@
       </p:grpSpPr>
       <p:sp>
         <p:nvSpPr>
-          <p:cNvPr id="5" name="Title 4"/>
+          <p:cNvPr id="2" name="Title 1"/>
           <p:cNvSpPr>
             <a:spLocks noGrp="1"/>
           </p:cNvSpPr>
           <p:nvPr>
-            <p:ph type="ctrTitle"/>
+            <p:ph type="title"/>
+          </p:nvPr>
+        </p:nvSpPr>
+        <p:spPr/>
+        <p:txBody>
+          <a:bodyPr/>
+          <a:lstStyle/>
+          <a:p>
+            <a:r>
+              <a:rPr lang="en-US" dirty="0" smtClean="0"/>
+              <a:t>Install Glimpse</a:t>
+            </a:r>
+            <a:endParaRPr lang="en-US" dirty="0"/>
+          </a:p>
+        </p:txBody>
+      </p:sp>
+      <p:sp>
+        <p:nvSpPr>
+          <p:cNvPr id="3" name="Content Placeholder 2"/>
+          <p:cNvSpPr>
+            <a:spLocks noGrp="1"/>
+          </p:cNvSpPr>
+          <p:nvPr>
+            <p:ph idx="1"/>
           </p:nvPr>
         </p:nvSpPr>
         <p:spPr>
           <a:xfrm>
-            <a:off x="609600" y="4953001"/>
-            <a:ext cx="7924800" cy="685800"/>
+            <a:off x="228600" y="838200"/>
+            <a:ext cx="8686800" cy="4724400"/>
           </a:xfrm>
         </p:spPr>
         <p:txBody>
           <a:bodyPr/>
           <a:lstStyle/>
           <a:p>
-            <a:r>
-              <a:rPr lang="en-US" dirty="0"/>
-              <a:t>Demo: </a:t>
-            </a:r>
+            <a:pPr marL="514350" indent="-514350">
+              <a:lnSpc>
+                <a:spcPct val="114000"/>
+              </a:lnSpc>
+              <a:buFont typeface="+mj-lt"/>
+              <a:buAutoNum type="arabicPeriod"/>
+            </a:pPr>
             <a:r>
               <a:rPr lang="en-US" dirty="0" smtClean="0"/>
-              <a:t>NuGet</a:t>
-            </a:r>
-            <a:endParaRPr lang="en-US" dirty="0"/>
+              <a:t>Install NuGet packages:</a:t>
+            </a:r>
+          </a:p>
+          <a:p>
+            <a:pPr lvl="1">
+              <a:lnSpc>
+                <a:spcPct val="114000"/>
+              </a:lnSpc>
+            </a:pPr>
+            <a:r>
+              <a:rPr lang="en-US" dirty="0" smtClean="0"/>
+              <a:t>Glimpse.Mvc5</a:t>
+            </a:r>
+          </a:p>
+          <a:p>
+            <a:pPr lvl="1">
+              <a:lnSpc>
+                <a:spcPct val="114000"/>
+              </a:lnSpc>
+            </a:pPr>
+            <a:r>
+              <a:rPr lang="en-US" dirty="0" smtClean="0"/>
+              <a:t>Glimpse.EF6</a:t>
+            </a:r>
+          </a:p>
+          <a:p>
+            <a:pPr marL="514350" indent="-514350">
+              <a:lnSpc>
+                <a:spcPct val="114000"/>
+              </a:lnSpc>
+              <a:buFont typeface="+mj-lt"/>
+              <a:buAutoNum type="arabicPeriod"/>
+            </a:pPr>
+            <a:r>
+              <a:rPr lang="en-US" dirty="0" smtClean="0"/>
+              <a:t>Run the project</a:t>
+            </a:r>
+          </a:p>
+          <a:p>
+            <a:pPr marL="514350" indent="-514350">
+              <a:lnSpc>
+                <a:spcPct val="114000"/>
+              </a:lnSpc>
+              <a:buFont typeface="+mj-lt"/>
+              <a:buAutoNum type="arabicPeriod"/>
+            </a:pPr>
+            <a:r>
+              <a:rPr lang="en-US" dirty="0" smtClean="0"/>
+              <a:t>Configure </a:t>
+            </a:r>
+            <a:r>
+              <a:rPr lang="en-US" dirty="0" smtClean="0"/>
+              <a:t>it (enable):</a:t>
+            </a:r>
+            <a:endParaRPr lang="en-US" dirty="0" smtClean="0"/>
+          </a:p>
+          <a:p>
+            <a:pPr lvl="1">
+              <a:lnSpc>
+                <a:spcPct val="114000"/>
+              </a:lnSpc>
+            </a:pPr>
+            <a:r>
+              <a:rPr lang="en-US" dirty="0" smtClean="0">
+                <a:hlinkClick r:id="rId2"/>
+              </a:rPr>
+              <a:t>http://</a:t>
+            </a:r>
+            <a:r>
+              <a:rPr lang="en-US" dirty="0" smtClean="0">
+                <a:hlinkClick r:id="rId2"/>
+              </a:rPr>
+              <a:t>localhost:port/Glimpse.axd</a:t>
+            </a:r>
+            <a:endParaRPr lang="en-US" dirty="0" smtClean="0"/>
           </a:p>
         </p:txBody>
       </p:sp>
       <p:sp>
         <p:nvSpPr>
-          <p:cNvPr id="6" name="Subtitle 5"/>
+          <p:cNvPr id="4" name="Slide Number Placeholder 3"/>
           <p:cNvSpPr>
             <a:spLocks noGrp="1"/>
           </p:cNvSpPr>
           <p:nvPr>
-            <p:ph type="subTitle" idx="1"/>
+            <p:ph type="sldNum" sz="quarter" idx="10"/>
           </p:nvPr>
         </p:nvSpPr>
-        <p:spPr>
-          <a:xfrm>
-            <a:off x="1790700" y="5715000"/>
-            <a:ext cx="5562600" cy="838200"/>
-          </a:xfrm>
-        </p:spPr>
+        <p:spPr/>
         <p:txBody>
           <a:bodyPr/>
           <a:lstStyle/>
           <a:p>
-            <a:r>
-              <a:rPr lang="en-US" dirty="0" smtClean="0"/>
-              <a:t>Install and update packages as easy as adding a reference</a:t>
-            </a:r>
+            <a:pPr>
+              <a:defRPr/>
+            </a:pPr>
+            <a:fld id="{58452FF4-89E3-4D1B-9927-2DBDC00E58D7}" type="slidenum">
+              <a:rPr lang="en-US" smtClean="0"/>
+              <a:pPr>
+                <a:defRPr/>
+              </a:pPr>
+              <a:t>39</a:t>
+            </a:fld>
             <a:endParaRPr lang="en-US" dirty="0"/>
           </a:p>
         </p:txBody>
       </p:sp>
       <p:pic>
         <p:nvPicPr>
-          <p:cNvPr id="2" name="Picture 1"/>
+          <p:cNvPr id="1029" name="Picture 5" descr="http://getglimpse.com/Content/_v2/website-assets/img/in-monitor-screen.png"/>
           <p:cNvPicPr>
-            <a:picLocks noChangeAspect="1"/>
+            <a:picLocks noChangeAspect="1" noChangeArrowheads="1"/>
           </p:cNvPicPr>
           <p:nvPr/>
         </p:nvPicPr>
         <p:blipFill>
-          <a:blip r:embed="rId2"/>
+          <a:blip r:embed="rId3">
+            <a:extLst>
+              <a:ext uri="{28A0092B-C50C-407E-A947-70E740481C1C}">
+                <a14:useLocalDpi xmlns:a14="http://schemas.microsoft.com/office/drawing/2010/main" val="0"/>
+              </a:ext>
+            </a:extLst>
+          </a:blip>
+          <a:srcRect/>
           <a:stretch>
             <a:fillRect/>
           </a:stretch>
         </p:blipFill>
-        <p:spPr>
+        <p:spPr bwMode="auto">
           <a:xfrm>
-            <a:off x="1614129" y="1057275"/>
-            <a:ext cx="5915742" cy="3438525"/>
+            <a:off x="4779724" y="1600200"/>
+            <a:ext cx="3818586" cy="2453571"/>
           </a:xfrm>
-          <a:prstGeom prst="roundRect">
-            <a:avLst>
-              <a:gd name="adj" fmla="val 0"/>
-            </a:avLst>
+          <a:prstGeom prst="rect">
+            <a:avLst/>
           </a:prstGeom>
-          <a:solidFill>
-            <a:srgbClr val="FFFFFF">
-              <a:shade val="85000"/>
-            </a:srgbClr>
-          </a:solidFill>
           <a:ln>
             <a:noFill/>
           </a:ln>
           <a:effectLst>
-            <a:reflection blurRad="12700" stA="38000" endPos="28000" dist="5000" dir="5400000" sy="-100000" algn="bl" rotWithShape="0"/>
+            <a:outerShdw blurRad="190500" algn="tl" rotWithShape="0">
+              <a:srgbClr val="000000">
+                <a:alpha val="70000"/>
+              </a:srgbClr>
+            </a:outerShdw>
           </a:effectLst>
+          <a:extLst>
+            <a:ext uri="{909E8E84-426E-40DD-AFC4-6F175D3DCCD1}">
+              <a14:hiddenFill xmlns:a14="http://schemas.microsoft.com/office/drawing/2010/main">
+                <a:solidFill>
+                  <a:srgbClr val="FFFFFF"/>
+                </a:solidFill>
+              </a14:hiddenFill>
+            </a:ext>
+          </a:extLst>
         </p:spPr>
       </p:pic>
     </p:spTree>
     <p:extLst>
       <p:ext uri="{BB962C8B-B14F-4D97-AF65-F5344CB8AC3E}">
-        <p14:creationId xmlns:p14="http://schemas.microsoft.com/office/powerpoint/2010/main" val="846595112"/>
+        <p14:creationId xmlns:p14="http://schemas.microsoft.com/office/powerpoint/2010/main" val="581224224"/>
       </p:ext>
     </p:extLst>
   </p:cSld>
@@ -25739,635 +25984,6 @@
 <file path=ppt/slides/slide40.xml><?xml version="1.0" encoding="utf-8"?>
 <p:sld xmlns:a="http://schemas.openxmlformats.org/drawingml/2006/main" xmlns:r="http://schemas.openxmlformats.org/officeDocument/2006/relationships" xmlns:p="http://schemas.openxmlformats.org/presentationml/2006/main">
   <p:cSld>
-    <p:spTree>
-      <p:nvGrpSpPr>
-        <p:cNvPr id="1" name=""/>
-        <p:cNvGrpSpPr/>
-        <p:nvPr/>
-      </p:nvGrpSpPr>
-      <p:grpSpPr>
-        <a:xfrm>
-          <a:off x="0" y="0"/>
-          <a:ext cx="0" cy="0"/>
-          <a:chOff x="0" y="0"/>
-          <a:chExt cx="0" cy="0"/>
-        </a:xfrm>
-      </p:grpSpPr>
-      <p:sp>
-        <p:nvSpPr>
-          <p:cNvPr id="5" name="Title 4"/>
-          <p:cNvSpPr>
-            <a:spLocks noGrp="1"/>
-          </p:cNvSpPr>
-          <p:nvPr>
-            <p:ph type="ctrTitle"/>
-          </p:nvPr>
-        </p:nvSpPr>
-        <p:spPr>
-          <a:xfrm>
-            <a:off x="609600" y="914400"/>
-            <a:ext cx="7924800" cy="1371600"/>
-          </a:xfrm>
-        </p:spPr>
-        <p:txBody>
-          <a:bodyPr/>
-          <a:lstStyle/>
-          <a:p>
-            <a:r>
-              <a:rPr lang="en-US" dirty="0"/>
-              <a:t>Server </a:t>
-            </a:r>
-            <a:r>
-              <a:rPr lang="en-US" dirty="0" smtClean="0"/>
-              <a:t>Information </a:t>
-            </a:r>
-            <a:r>
-              <a:rPr lang="en-US" dirty="0"/>
-              <a:t>with Glimpse</a:t>
-            </a:r>
-          </a:p>
-        </p:txBody>
-      </p:sp>
-      <p:sp>
-        <p:nvSpPr>
-          <p:cNvPr id="6" name="Subtitle 5"/>
-          <p:cNvSpPr>
-            <a:spLocks noGrp="1"/>
-          </p:cNvSpPr>
-          <p:nvPr>
-            <p:ph type="subTitle" idx="1"/>
-          </p:nvPr>
-        </p:nvSpPr>
-        <p:spPr>
-          <a:xfrm>
-            <a:off x="609600" y="2402680"/>
-            <a:ext cx="7924800" cy="569120"/>
-          </a:xfrm>
-        </p:spPr>
-        <p:txBody>
-          <a:bodyPr/>
-          <a:lstStyle/>
-          <a:p>
-            <a:r>
-              <a:rPr lang="en-US" dirty="0" smtClean="0"/>
-              <a:t>The open source diagnostics platform of the web</a:t>
-            </a:r>
-            <a:endParaRPr lang="en-US" dirty="0"/>
-          </a:p>
-        </p:txBody>
-      </p:sp>
-      <p:pic>
-        <p:nvPicPr>
-          <p:cNvPr id="2052" name="Picture 4" descr="Metadata Tab"/>
-          <p:cNvPicPr>
-            <a:picLocks noChangeAspect="1" noChangeArrowheads="1"/>
-          </p:cNvPicPr>
-          <p:nvPr/>
-        </p:nvPicPr>
-        <p:blipFill>
-          <a:blip r:embed="rId2">
-            <a:extLst>
-              <a:ext uri="{28A0092B-C50C-407E-A947-70E740481C1C}">
-                <a14:useLocalDpi xmlns:a14="http://schemas.microsoft.com/office/drawing/2010/main" val="0"/>
-              </a:ext>
-            </a:extLst>
-          </a:blip>
-          <a:srcRect/>
-          <a:stretch>
-            <a:fillRect/>
-          </a:stretch>
-        </p:blipFill>
-        <p:spPr bwMode="auto">
-          <a:xfrm>
-            <a:off x="609600" y="3174538"/>
-            <a:ext cx="6019800" cy="1764111"/>
-          </a:xfrm>
-          <a:prstGeom prst="rect">
-            <a:avLst/>
-          </a:prstGeom>
-          <a:noFill/>
-          <a:extLst>
-            <a:ext uri="{909E8E84-426E-40DD-AFC4-6F175D3DCCD1}">
-              <a14:hiddenFill xmlns:a14="http://schemas.microsoft.com/office/drawing/2010/main">
-                <a:solidFill>
-                  <a:srgbClr val="FFFFFF"/>
-                </a:solidFill>
-              </a14:hiddenFill>
-            </a:ext>
-          </a:extLst>
-        </p:spPr>
-      </p:pic>
-      <p:pic>
-        <p:nvPicPr>
-          <p:cNvPr id="2050" name="Picture 2" descr="Routes Tab"/>
-          <p:cNvPicPr>
-            <a:picLocks noChangeAspect="1" noChangeArrowheads="1"/>
-          </p:cNvPicPr>
-          <p:nvPr/>
-        </p:nvPicPr>
-        <p:blipFill>
-          <a:blip r:embed="rId3">
-            <a:extLst>
-              <a:ext uri="{28A0092B-C50C-407E-A947-70E740481C1C}">
-                <a14:useLocalDpi xmlns:a14="http://schemas.microsoft.com/office/drawing/2010/main" val="0"/>
-              </a:ext>
-            </a:extLst>
-          </a:blip>
-          <a:srcRect/>
-          <a:stretch>
-            <a:fillRect/>
-          </a:stretch>
-        </p:blipFill>
-        <p:spPr bwMode="auto">
-          <a:xfrm>
-            <a:off x="1371600" y="4468789"/>
-            <a:ext cx="7007225" cy="2053478"/>
-          </a:xfrm>
-          <a:prstGeom prst="rect">
-            <a:avLst/>
-          </a:prstGeom>
-          <a:ln>
-            <a:noFill/>
-          </a:ln>
-          <a:effectLst>
-            <a:outerShdw blurRad="190500" algn="tl" rotWithShape="0">
-              <a:srgbClr val="000000">
-                <a:alpha val="70000"/>
-              </a:srgbClr>
-            </a:outerShdw>
-          </a:effectLst>
-          <a:extLst>
-            <a:ext uri="{909E8E84-426E-40DD-AFC4-6F175D3DCCD1}">
-              <a14:hiddenFill xmlns:a14="http://schemas.microsoft.com/office/drawing/2010/main">
-                <a:solidFill>
-                  <a:srgbClr val="FFFFFF"/>
-                </a:solidFill>
-              </a14:hiddenFill>
-            </a:ext>
-          </a:extLst>
-        </p:spPr>
-      </p:pic>
-      <p:pic>
-        <p:nvPicPr>
-          <p:cNvPr id="7" name="Picture 6"/>
-          <p:cNvPicPr>
-            <a:picLocks noChangeAspect="1"/>
-          </p:cNvPicPr>
-          <p:nvPr/>
-        </p:nvPicPr>
-        <p:blipFill>
-          <a:blip r:embed="rId4"/>
-          <a:stretch>
-            <a:fillRect/>
-          </a:stretch>
-        </p:blipFill>
-        <p:spPr>
-          <a:xfrm>
-            <a:off x="4999035" y="4173668"/>
-            <a:ext cx="3746455" cy="967719"/>
-          </a:xfrm>
-          <a:prstGeom prst="rect">
-            <a:avLst/>
-          </a:prstGeom>
-          <a:ln>
-            <a:noFill/>
-          </a:ln>
-          <a:effectLst>
-            <a:outerShdw blurRad="190500" algn="tl" rotWithShape="0">
-              <a:srgbClr val="000000">
-                <a:alpha val="70000"/>
-              </a:srgbClr>
-            </a:outerShdw>
-          </a:effectLst>
-        </p:spPr>
-      </p:pic>
-    </p:spTree>
-    <p:extLst>
-      <p:ext uri="{BB962C8B-B14F-4D97-AF65-F5344CB8AC3E}">
-        <p14:creationId xmlns:p14="http://schemas.microsoft.com/office/powerpoint/2010/main" val="3002644891"/>
-      </p:ext>
-    </p:extLst>
-  </p:cSld>
-  <p:clrMapOvr>
-    <a:masterClrMapping/>
-  </p:clrMapOvr>
-</p:sld>
-</file>
-
-<file path=ppt/slides/slide41.xml><?xml version="1.0" encoding="utf-8"?>
-<p:sld xmlns:a="http://schemas.openxmlformats.org/drawingml/2006/main" xmlns:r="http://schemas.openxmlformats.org/officeDocument/2006/relationships" xmlns:p="http://schemas.openxmlformats.org/presentationml/2006/main">
-  <p:cSld>
-    <p:spTree>
-      <p:nvGrpSpPr>
-        <p:cNvPr id="1" name=""/>
-        <p:cNvGrpSpPr/>
-        <p:nvPr/>
-      </p:nvGrpSpPr>
-      <p:grpSpPr>
-        <a:xfrm>
-          <a:off x="0" y="0"/>
-          <a:ext cx="0" cy="0"/>
-          <a:chOff x="0" y="0"/>
-          <a:chExt cx="0" cy="0"/>
-        </a:xfrm>
-      </p:grpSpPr>
-      <p:sp>
-        <p:nvSpPr>
-          <p:cNvPr id="4" name="Title 3"/>
-          <p:cNvSpPr>
-            <a:spLocks noGrp="1"/>
-          </p:cNvSpPr>
-          <p:nvPr>
-            <p:ph type="title"/>
-          </p:nvPr>
-        </p:nvSpPr>
-        <p:spPr/>
-        <p:txBody>
-          <a:bodyPr/>
-          <a:lstStyle/>
-          <a:p>
-            <a:r>
-              <a:rPr lang="en-US" dirty="0" smtClean="0"/>
-              <a:t>Server Info with Glimpse</a:t>
-            </a:r>
-            <a:endParaRPr lang="en-US" dirty="0"/>
-          </a:p>
-        </p:txBody>
-      </p:sp>
-      <p:sp>
-        <p:nvSpPr>
-          <p:cNvPr id="5" name="Content Placeholder 4"/>
-          <p:cNvSpPr>
-            <a:spLocks noGrp="1"/>
-          </p:cNvSpPr>
-          <p:nvPr>
-            <p:ph idx="1"/>
-          </p:nvPr>
-        </p:nvSpPr>
-        <p:spPr/>
-        <p:txBody>
-          <a:bodyPr/>
-          <a:lstStyle/>
-          <a:p>
-            <a:r>
-              <a:rPr lang="en-US" dirty="0"/>
-              <a:t>Glimpse shows execution timings, server configuration, request data and </a:t>
-            </a:r>
-            <a:r>
-              <a:rPr lang="en-US" dirty="0" smtClean="0"/>
-              <a:t>more</a:t>
-            </a:r>
-          </a:p>
-          <a:p>
-            <a:pPr lvl="1"/>
-            <a:r>
-              <a:rPr lang="en-US" dirty="0" smtClean="0"/>
-              <a:t>Showed inside browser (like </a:t>
-            </a:r>
-            <a:r>
-              <a:rPr lang="en-US" dirty="0" err="1" smtClean="0"/>
-              <a:t>FireBug</a:t>
-            </a:r>
-            <a:r>
-              <a:rPr lang="en-US" dirty="0" smtClean="0"/>
-              <a:t>)</a:t>
-            </a:r>
-          </a:p>
-          <a:p>
-            <a:pPr lvl="1"/>
-            <a:r>
-              <a:rPr lang="en-US" dirty="0" smtClean="0"/>
-              <a:t>With </a:t>
-            </a:r>
-            <a:r>
-              <a:rPr lang="en-US" dirty="0"/>
-              <a:t>no </a:t>
-            </a:r>
-            <a:r>
-              <a:rPr lang="en-US" dirty="0" smtClean="0"/>
-              <a:t>changes </a:t>
-            </a:r>
-            <a:r>
-              <a:rPr lang="en-US" dirty="0"/>
-              <a:t>to </a:t>
-            </a:r>
-            <a:r>
-              <a:rPr lang="en-US" dirty="0" smtClean="0"/>
-              <a:t>the application code</a:t>
-            </a:r>
-          </a:p>
-          <a:p>
-            <a:pPr lvl="1"/>
-            <a:r>
-              <a:rPr lang="en-US" dirty="0" smtClean="0"/>
-              <a:t>Supports ASP.NET </a:t>
-            </a:r>
-            <a:r>
-              <a:rPr lang="en-US" dirty="0"/>
-              <a:t>MVC, </a:t>
-            </a:r>
-            <a:r>
-              <a:rPr lang="en-US" dirty="0" err="1" smtClean="0"/>
-              <a:t>WebForms</a:t>
-            </a:r>
-            <a:r>
-              <a:rPr lang="en-US" dirty="0" smtClean="0"/>
-              <a:t> and EF</a:t>
-            </a:r>
-            <a:endParaRPr lang="en-US" dirty="0"/>
-          </a:p>
-        </p:txBody>
-      </p:sp>
-      <p:sp>
-        <p:nvSpPr>
-          <p:cNvPr id="6" name="Slide Number Placeholder 5"/>
-          <p:cNvSpPr>
-            <a:spLocks noGrp="1"/>
-          </p:cNvSpPr>
-          <p:nvPr>
-            <p:ph type="sldNum" sz="quarter" idx="10"/>
-          </p:nvPr>
-        </p:nvSpPr>
-        <p:spPr/>
-        <p:txBody>
-          <a:bodyPr/>
-          <a:lstStyle/>
-          <a:p>
-            <a:pPr>
-              <a:defRPr/>
-            </a:pPr>
-            <a:fld id="{58452FF4-89E3-4D1B-9927-2DBDC00E58D7}" type="slidenum">
-              <a:rPr lang="en-US" smtClean="0"/>
-              <a:pPr>
-                <a:defRPr/>
-              </a:pPr>
-              <a:t>41</a:t>
-            </a:fld>
-            <a:endParaRPr lang="en-US" dirty="0"/>
-          </a:p>
-        </p:txBody>
-      </p:sp>
-      <p:pic>
-        <p:nvPicPr>
-          <p:cNvPr id="7" name="Picture 6"/>
-          <p:cNvPicPr>
-            <a:picLocks noChangeAspect="1"/>
-          </p:cNvPicPr>
-          <p:nvPr/>
-        </p:nvPicPr>
-        <p:blipFill>
-          <a:blip r:embed="rId3"/>
-          <a:stretch>
-            <a:fillRect/>
-          </a:stretch>
-        </p:blipFill>
-        <p:spPr>
-          <a:xfrm>
-            <a:off x="735330" y="4114800"/>
-            <a:ext cx="7673339" cy="2209800"/>
-          </a:xfrm>
-          <a:prstGeom prst="rect">
-            <a:avLst/>
-          </a:prstGeom>
-        </p:spPr>
-      </p:pic>
-    </p:spTree>
-    <p:extLst>
-      <p:ext uri="{BB962C8B-B14F-4D97-AF65-F5344CB8AC3E}">
-        <p14:creationId xmlns:p14="http://schemas.microsoft.com/office/powerpoint/2010/main" val="2339683704"/>
-      </p:ext>
-    </p:extLst>
-  </p:cSld>
-  <p:clrMapOvr>
-    <a:masterClrMapping/>
-  </p:clrMapOvr>
-  <p:timing>
-    <p:tnLst>
-      <p:par>
-        <p:cTn id="1" dur="indefinite" restart="never" nodeType="tmRoot"/>
-      </p:par>
-    </p:tnLst>
-  </p:timing>
-</p:sld>
-</file>
-
-<file path=ppt/slides/slide42.xml><?xml version="1.0" encoding="utf-8"?>
-<p:sld xmlns:a="http://schemas.openxmlformats.org/drawingml/2006/main" xmlns:r="http://schemas.openxmlformats.org/officeDocument/2006/relationships" xmlns:p="http://schemas.openxmlformats.org/presentationml/2006/main">
-  <p:cSld>
-    <p:spTree>
-      <p:nvGrpSpPr>
-        <p:cNvPr id="1" name=""/>
-        <p:cNvGrpSpPr/>
-        <p:nvPr/>
-      </p:nvGrpSpPr>
-      <p:grpSpPr>
-        <a:xfrm>
-          <a:off x="0" y="0"/>
-          <a:ext cx="0" cy="0"/>
-          <a:chOff x="0" y="0"/>
-          <a:chExt cx="0" cy="0"/>
-        </a:xfrm>
-      </p:grpSpPr>
-      <p:sp>
-        <p:nvSpPr>
-          <p:cNvPr id="2" name="Title 1"/>
-          <p:cNvSpPr>
-            <a:spLocks noGrp="1"/>
-          </p:cNvSpPr>
-          <p:nvPr>
-            <p:ph type="title"/>
-          </p:nvPr>
-        </p:nvSpPr>
-        <p:spPr/>
-        <p:txBody>
-          <a:bodyPr/>
-          <a:lstStyle/>
-          <a:p>
-            <a:r>
-              <a:rPr lang="en-US" dirty="0" smtClean="0"/>
-              <a:t>Install Glimpse</a:t>
-            </a:r>
-            <a:endParaRPr lang="en-US" dirty="0"/>
-          </a:p>
-        </p:txBody>
-      </p:sp>
-      <p:sp>
-        <p:nvSpPr>
-          <p:cNvPr id="3" name="Content Placeholder 2"/>
-          <p:cNvSpPr>
-            <a:spLocks noGrp="1"/>
-          </p:cNvSpPr>
-          <p:nvPr>
-            <p:ph idx="1"/>
-          </p:nvPr>
-        </p:nvSpPr>
-        <p:spPr>
-          <a:xfrm>
-            <a:off x="228600" y="1447800"/>
-            <a:ext cx="8686800" cy="5791200"/>
-          </a:xfrm>
-        </p:spPr>
-        <p:txBody>
-          <a:bodyPr/>
-          <a:lstStyle/>
-          <a:p>
-            <a:pPr marL="514350" indent="-514350">
-              <a:buFont typeface="+mj-lt"/>
-              <a:buAutoNum type="arabicPeriod"/>
-            </a:pPr>
-            <a:r>
-              <a:rPr lang="en-US" dirty="0" smtClean="0"/>
-              <a:t>Install NuGet packages:</a:t>
-            </a:r>
-          </a:p>
-          <a:p>
-            <a:pPr lvl="1"/>
-            <a:r>
-              <a:rPr lang="en-US" dirty="0" smtClean="0"/>
-              <a:t>Glimpse.Mvc5</a:t>
-            </a:r>
-          </a:p>
-          <a:p>
-            <a:pPr lvl="1"/>
-            <a:r>
-              <a:rPr lang="en-US" dirty="0" smtClean="0"/>
-              <a:t>Glimpse.EF6</a:t>
-            </a:r>
-          </a:p>
-          <a:p>
-            <a:pPr marL="514350" indent="-514350">
-              <a:buFont typeface="+mj-lt"/>
-              <a:buAutoNum type="arabicPeriod"/>
-            </a:pPr>
-            <a:r>
-              <a:rPr lang="en-US" dirty="0" smtClean="0"/>
-              <a:t>Run the project</a:t>
-            </a:r>
-          </a:p>
-          <a:p>
-            <a:pPr marL="514350" indent="-514350">
-              <a:buFont typeface="+mj-lt"/>
-              <a:buAutoNum type="arabicPeriod"/>
-            </a:pPr>
-            <a:r>
-              <a:rPr lang="en-US" dirty="0" smtClean="0"/>
-              <a:t>Configure it:</a:t>
-            </a:r>
-          </a:p>
-          <a:p>
-            <a:pPr lvl="1"/>
-            <a:r>
-              <a:rPr lang="en-US" dirty="0" smtClean="0">
-                <a:hlinkClick r:id="rId2"/>
-              </a:rPr>
-              <a:t>http://localhost:port/Glimpse.axd</a:t>
-            </a:r>
-            <a:endParaRPr lang="en-US" i="1" dirty="0" smtClean="0"/>
-          </a:p>
-        </p:txBody>
-      </p:sp>
-      <p:sp>
-        <p:nvSpPr>
-          <p:cNvPr id="4" name="Slide Number Placeholder 3"/>
-          <p:cNvSpPr>
-            <a:spLocks noGrp="1"/>
-          </p:cNvSpPr>
-          <p:nvPr>
-            <p:ph type="sldNum" sz="quarter" idx="10"/>
-          </p:nvPr>
-        </p:nvSpPr>
-        <p:spPr/>
-        <p:txBody>
-          <a:bodyPr/>
-          <a:lstStyle/>
-          <a:p>
-            <a:pPr>
-              <a:defRPr/>
-            </a:pPr>
-            <a:fld id="{58452FF4-89E3-4D1B-9927-2DBDC00E58D7}" type="slidenum">
-              <a:rPr lang="en-US" smtClean="0"/>
-              <a:pPr>
-                <a:defRPr/>
-              </a:pPr>
-              <a:t>42</a:t>
-            </a:fld>
-            <a:endParaRPr lang="en-US" dirty="0"/>
-          </a:p>
-        </p:txBody>
-      </p:sp>
-      <p:pic>
-        <p:nvPicPr>
-          <p:cNvPr id="1029" name="Picture 5" descr="http://getglimpse.com/Content/_v2/website-assets/img/in-monitor-screen.png"/>
-          <p:cNvPicPr>
-            <a:picLocks noChangeAspect="1" noChangeArrowheads="1"/>
-          </p:cNvPicPr>
-          <p:nvPr/>
-        </p:nvPicPr>
-        <p:blipFill>
-          <a:blip r:embed="rId3">
-            <a:extLst>
-              <a:ext uri="{28A0092B-C50C-407E-A947-70E740481C1C}">
-                <a14:useLocalDpi xmlns:a14="http://schemas.microsoft.com/office/drawing/2010/main" val="0"/>
-              </a:ext>
-            </a:extLst>
-          </a:blip>
-          <a:srcRect/>
-          <a:stretch>
-            <a:fillRect/>
-          </a:stretch>
-        </p:blipFill>
-        <p:spPr bwMode="auto">
-          <a:xfrm>
-            <a:off x="4572000" y="2133600"/>
-            <a:ext cx="3818586" cy="2453571"/>
-          </a:xfrm>
-          <a:prstGeom prst="rect">
-            <a:avLst/>
-          </a:prstGeom>
-          <a:ln>
-            <a:noFill/>
-          </a:ln>
-          <a:effectLst>
-            <a:outerShdw blurRad="190500" algn="tl" rotWithShape="0">
-              <a:srgbClr val="000000">
-                <a:alpha val="70000"/>
-              </a:srgbClr>
-            </a:outerShdw>
-          </a:effectLst>
-          <a:extLst>
-            <a:ext uri="{909E8E84-426E-40DD-AFC4-6F175D3DCCD1}">
-              <a14:hiddenFill xmlns:a14="http://schemas.microsoft.com/office/drawing/2010/main">
-                <a:solidFill>
-                  <a:srgbClr val="FFFFFF"/>
-                </a:solidFill>
-              </a14:hiddenFill>
-            </a:ext>
-          </a:extLst>
-        </p:spPr>
-      </p:pic>
-    </p:spTree>
-    <p:extLst>
-      <p:ext uri="{BB962C8B-B14F-4D97-AF65-F5344CB8AC3E}">
-        <p14:creationId xmlns:p14="http://schemas.microsoft.com/office/powerpoint/2010/main" val="581224224"/>
-      </p:ext>
-    </p:extLst>
-  </p:cSld>
-  <p:clrMapOvr>
-    <a:masterClrMapping/>
-  </p:clrMapOvr>
-  <p:timing>
-    <p:tnLst>
-      <p:par>
-        <p:cTn id="1" dur="indefinite" restart="never" nodeType="tmRoot"/>
-      </p:par>
-    </p:tnLst>
-  </p:timing>
-</p:sld>
-</file>
-
-<file path=ppt/slides/slide43.xml><?xml version="1.0" encoding="utf-8"?>
-<p:sld xmlns:a="http://schemas.openxmlformats.org/drawingml/2006/main" xmlns:r="http://schemas.openxmlformats.org/officeDocument/2006/relationships" xmlns:p="http://schemas.openxmlformats.org/presentationml/2006/main">
-  <p:cSld>
     <p:bg>
       <p:bgPr>
         <a:solidFill>
@@ -26497,7 +26113,7 @@
               <a:pPr>
                 <a:defRPr/>
               </a:pPr>
-              <a:t>43</a:t>
+              <a:t>40</a:t>
             </a:fld>
             <a:endParaRPr lang="en-US" dirty="0"/>
           </a:p>
@@ -26842,7 +26458,7 @@
 </p:sld>
 </file>
 
-<file path=ppt/slides/slide44.xml><?xml version="1.0" encoding="utf-8"?>
+<file path=ppt/slides/slide41.xml><?xml version="1.0" encoding="utf-8"?>
 <p:sld xmlns:a="http://schemas.openxmlformats.org/drawingml/2006/main" xmlns:r="http://schemas.openxmlformats.org/officeDocument/2006/relationships" xmlns:p="http://schemas.openxmlformats.org/presentationml/2006/main">
   <p:cSld>
     <p:spTree>
@@ -26861,39 +26477,107 @@
       </p:grpSpPr>
       <p:sp>
         <p:nvSpPr>
-          <p:cNvPr id="5" name="Title 4"/>
+          <p:cNvPr id="2" name="Title 1"/>
           <p:cNvSpPr>
             <a:spLocks noGrp="1"/>
           </p:cNvSpPr>
           <p:nvPr>
-            <p:ph type="ctrTitle"/>
+            <p:ph type="title"/>
           </p:nvPr>
         </p:nvSpPr>
-        <p:spPr>
-          <a:xfrm>
-            <a:off x="609600" y="5105400"/>
-            <a:ext cx="7924800" cy="685800"/>
-          </a:xfrm>
-        </p:spPr>
+        <p:spPr/>
         <p:txBody>
           <a:bodyPr/>
           <a:lstStyle/>
           <a:p>
             <a:r>
+              <a:rPr lang="en-US" dirty="0" smtClean="0"/>
+              <a:t>EF SQL Queries Profiling</a:t>
+            </a:r>
+            <a:endParaRPr lang="en-US" dirty="0"/>
+          </a:p>
+        </p:txBody>
+      </p:sp>
+      <p:sp>
+        <p:nvSpPr>
+          <p:cNvPr id="3" name="Content Placeholder 2"/>
+          <p:cNvSpPr>
+            <a:spLocks noGrp="1"/>
+          </p:cNvSpPr>
+          <p:nvPr>
+            <p:ph idx="1"/>
+          </p:nvPr>
+        </p:nvSpPr>
+        <p:spPr/>
+        <p:txBody>
+          <a:bodyPr/>
+          <a:lstStyle/>
+          <a:p>
+            <a:r>
               <a:rPr lang="en-US" dirty="0"/>
-              <a:t>Demo</a:t>
+              <a:t>Glimpse lists each </a:t>
             </a:r>
             <a:r>
               <a:rPr lang="en-US" dirty="0" smtClean="0"/>
-              <a:t>: Glimpse</a:t>
-            </a:r>
+              <a:t>database call, </a:t>
+            </a:r>
+            <a:r>
+              <a:rPr lang="en-US" dirty="0"/>
+              <a:t>so excessive or under-performant queries can be reigned </a:t>
+            </a:r>
+            <a:r>
+              <a:rPr lang="en-US" dirty="0" smtClean="0"/>
+              <a:t>in</a:t>
+            </a:r>
+          </a:p>
+          <a:p>
+            <a:pPr lvl="1"/>
+            <a:r>
+              <a:rPr lang="en-US" dirty="0" smtClean="0"/>
+              <a:t>Shows the query itself and the query timings</a:t>
+            </a:r>
+            <a:endParaRPr lang="en-US" dirty="0"/>
+          </a:p>
+          <a:p>
+            <a:endParaRPr lang="en-US" dirty="0"/>
+          </a:p>
+          <a:p>
+            <a:endParaRPr lang="en-US" dirty="0"/>
+          </a:p>
+        </p:txBody>
+      </p:sp>
+      <p:sp>
+        <p:nvSpPr>
+          <p:cNvPr id="4" name="Slide Number Placeholder 3"/>
+          <p:cNvSpPr>
+            <a:spLocks noGrp="1"/>
+          </p:cNvSpPr>
+          <p:nvPr>
+            <p:ph type="sldNum" sz="quarter" idx="10"/>
+          </p:nvPr>
+        </p:nvSpPr>
+        <p:spPr/>
+        <p:txBody>
+          <a:bodyPr/>
+          <a:lstStyle/>
+          <a:p>
+            <a:pPr>
+              <a:defRPr/>
+            </a:pPr>
+            <a:fld id="{58452FF4-89E3-4D1B-9927-2DBDC00E58D7}" type="slidenum">
+              <a:rPr lang="en-US" smtClean="0"/>
+              <a:pPr>
+                <a:defRPr/>
+              </a:pPr>
+              <a:t>41</a:t>
+            </a:fld>
             <a:endParaRPr lang="en-US" dirty="0"/>
           </a:p>
         </p:txBody>
       </p:sp>
       <p:pic>
         <p:nvPicPr>
-          <p:cNvPr id="4" name="Picture 3"/>
+          <p:cNvPr id="5" name="Picture 4"/>
           <p:cNvPicPr>
             <a:picLocks noChangeAspect="1"/>
           </p:cNvPicPr>
@@ -26907,8 +26591,8 @@
         </p:blipFill>
         <p:spPr>
           <a:xfrm>
-            <a:off x="723563" y="1066800"/>
-            <a:ext cx="7696874" cy="3381375"/>
+            <a:off x="318824" y="2819400"/>
+            <a:ext cx="8506351" cy="3126658"/>
           </a:xfrm>
           <a:prstGeom prst="roundRect">
             <a:avLst>
@@ -26931,7 +26615,548 @@
     </p:spTree>
     <p:extLst>
       <p:ext uri="{BB962C8B-B14F-4D97-AF65-F5344CB8AC3E}">
+        <p14:creationId xmlns:p14="http://schemas.microsoft.com/office/powerpoint/2010/main" val="3235331781"/>
+      </p:ext>
+    </p:extLst>
+  </p:cSld>
+  <p:clrMapOvr>
+    <a:masterClrMapping/>
+  </p:clrMapOvr>
+</p:sld>
+</file>
+
+<file path=ppt/slides/slide42.xml><?xml version="1.0" encoding="utf-8"?>
+<p:sld xmlns:a="http://schemas.openxmlformats.org/drawingml/2006/main" xmlns:r="http://schemas.openxmlformats.org/officeDocument/2006/relationships" xmlns:p="http://schemas.openxmlformats.org/presentationml/2006/main">
+  <p:cSld>
+    <p:spTree>
+      <p:nvGrpSpPr>
+        <p:cNvPr id="1" name=""/>
+        <p:cNvGrpSpPr/>
+        <p:nvPr/>
+      </p:nvGrpSpPr>
+      <p:grpSpPr>
+        <a:xfrm>
+          <a:off x="0" y="0"/>
+          <a:ext cx="0" cy="0"/>
+          <a:chOff x="0" y="0"/>
+          <a:chExt cx="0" cy="0"/>
+        </a:xfrm>
+      </p:grpSpPr>
+      <p:sp>
+        <p:nvSpPr>
+          <p:cNvPr id="2" name="Title 1"/>
+          <p:cNvSpPr>
+            <a:spLocks noGrp="1"/>
+          </p:cNvSpPr>
+          <p:nvPr>
+            <p:ph type="title"/>
+          </p:nvPr>
+        </p:nvSpPr>
+        <p:spPr/>
+        <p:txBody>
+          <a:bodyPr/>
+          <a:lstStyle/>
+          <a:p>
+            <a:r>
+              <a:rPr lang="en-US" dirty="0" smtClean="0"/>
+              <a:t>More Glimpse Features</a:t>
+            </a:r>
+            <a:endParaRPr lang="en-US" dirty="0"/>
+          </a:p>
+        </p:txBody>
+      </p:sp>
+      <p:sp>
+        <p:nvSpPr>
+          <p:cNvPr id="3" name="Content Placeholder 2"/>
+          <p:cNvSpPr>
+            <a:spLocks noGrp="1"/>
+          </p:cNvSpPr>
+          <p:nvPr>
+            <p:ph idx="1"/>
+          </p:nvPr>
+        </p:nvSpPr>
+        <p:spPr>
+          <a:xfrm>
+            <a:off x="228600" y="914400"/>
+            <a:ext cx="8763000" cy="5715000"/>
+          </a:xfrm>
+        </p:spPr>
+        <p:txBody>
+          <a:bodyPr/>
+          <a:lstStyle/>
+          <a:p>
+            <a:pPr>
+              <a:spcBef>
+                <a:spcPts val="300"/>
+              </a:spcBef>
+              <a:spcAft>
+                <a:spcPts val="300"/>
+              </a:spcAft>
+            </a:pPr>
+            <a:r>
+              <a:rPr lang="en-US" dirty="0"/>
+              <a:t>Visual </a:t>
+            </a:r>
+            <a:r>
+              <a:rPr lang="en-US" dirty="0" smtClean="0"/>
+              <a:t>Profiling</a:t>
+            </a:r>
+            <a:endParaRPr lang="en-US" dirty="0"/>
+          </a:p>
+          <a:p>
+            <a:pPr lvl="1">
+              <a:spcBef>
+                <a:spcPts val="300"/>
+              </a:spcBef>
+              <a:spcAft>
+                <a:spcPts val="300"/>
+              </a:spcAft>
+            </a:pPr>
+            <a:r>
+              <a:rPr lang="en-US" dirty="0" smtClean="0"/>
+              <a:t>Profiles </a:t>
+            </a:r>
+            <a:r>
+              <a:rPr lang="en-US" dirty="0"/>
+              <a:t>key server side activities and displays the timing of </a:t>
+            </a:r>
+            <a:r>
+              <a:rPr lang="en-US" dirty="0" smtClean="0"/>
+              <a:t>each</a:t>
+            </a:r>
+          </a:p>
+          <a:p>
+            <a:pPr>
+              <a:spcBef>
+                <a:spcPts val="300"/>
+              </a:spcBef>
+              <a:spcAft>
+                <a:spcPts val="300"/>
+              </a:spcAft>
+            </a:pPr>
+            <a:r>
+              <a:rPr lang="en-US" dirty="0"/>
+              <a:t>View Rendering &amp; Resolution</a:t>
+            </a:r>
+          </a:p>
+          <a:p>
+            <a:pPr lvl="1">
+              <a:spcBef>
+                <a:spcPts val="300"/>
+              </a:spcBef>
+              <a:spcAft>
+                <a:spcPts val="300"/>
+              </a:spcAft>
+            </a:pPr>
+            <a:r>
+              <a:rPr lang="en-US" dirty="0" smtClean="0"/>
+              <a:t>Provides </a:t>
+            </a:r>
+            <a:r>
+              <a:rPr lang="en-US" dirty="0"/>
+              <a:t>complete visibility into ASP.NET MVC's view resolution process, including file </a:t>
+            </a:r>
+            <a:r>
+              <a:rPr lang="en-US" dirty="0" smtClean="0"/>
+              <a:t>access</a:t>
+            </a:r>
+          </a:p>
+          <a:p>
+            <a:pPr>
+              <a:spcBef>
+                <a:spcPts val="300"/>
+              </a:spcBef>
+              <a:spcAft>
+                <a:spcPts val="300"/>
+              </a:spcAft>
+            </a:pPr>
+            <a:r>
+              <a:rPr lang="en-US" dirty="0"/>
+              <a:t>Route </a:t>
+            </a:r>
+            <a:r>
+              <a:rPr lang="en-US" dirty="0" smtClean="0"/>
+              <a:t>Debugging</a:t>
+            </a:r>
+          </a:p>
+          <a:p>
+            <a:pPr>
+              <a:spcBef>
+                <a:spcPts val="300"/>
+              </a:spcBef>
+              <a:spcAft>
+                <a:spcPts val="300"/>
+              </a:spcAft>
+            </a:pPr>
+            <a:r>
+              <a:rPr lang="en-US" dirty="0" smtClean="0"/>
+              <a:t>Server Configuration and Environment</a:t>
+            </a:r>
+          </a:p>
+          <a:p>
+            <a:pPr>
+              <a:spcBef>
+                <a:spcPts val="300"/>
+              </a:spcBef>
+              <a:spcAft>
+                <a:spcPts val="300"/>
+              </a:spcAft>
+            </a:pPr>
+            <a:r>
+              <a:rPr lang="en-US" dirty="0" smtClean="0"/>
+              <a:t>Application Cache Information</a:t>
+            </a:r>
+            <a:endParaRPr lang="en-US" dirty="0"/>
+          </a:p>
+          <a:p>
+            <a:pPr>
+              <a:spcBef>
+                <a:spcPts val="300"/>
+              </a:spcBef>
+              <a:spcAft>
+                <a:spcPts val="300"/>
+              </a:spcAft>
+            </a:pPr>
+            <a:r>
+              <a:rPr lang="en-US" dirty="0" smtClean="0"/>
+              <a:t>Supports AJAX Requests</a:t>
+            </a:r>
+            <a:endParaRPr lang="en-US" dirty="0"/>
+          </a:p>
+        </p:txBody>
+      </p:sp>
+      <p:sp>
+        <p:nvSpPr>
+          <p:cNvPr id="4" name="Slide Number Placeholder 3"/>
+          <p:cNvSpPr>
+            <a:spLocks noGrp="1"/>
+          </p:cNvSpPr>
+          <p:nvPr>
+            <p:ph type="sldNum" sz="quarter" idx="10"/>
+          </p:nvPr>
+        </p:nvSpPr>
+        <p:spPr/>
+        <p:txBody>
+          <a:bodyPr/>
+          <a:lstStyle/>
+          <a:p>
+            <a:pPr>
+              <a:defRPr/>
+            </a:pPr>
+            <a:fld id="{58452FF4-89E3-4D1B-9927-2DBDC00E58D7}" type="slidenum">
+              <a:rPr lang="en-US" smtClean="0"/>
+              <a:pPr>
+                <a:defRPr/>
+              </a:pPr>
+              <a:t>42</a:t>
+            </a:fld>
+            <a:endParaRPr lang="en-US" dirty="0"/>
+          </a:p>
+        </p:txBody>
+      </p:sp>
+    </p:spTree>
+    <p:extLst>
+      <p:ext uri="{BB962C8B-B14F-4D97-AF65-F5344CB8AC3E}">
+        <p14:creationId xmlns:p14="http://schemas.microsoft.com/office/powerpoint/2010/main" val="2480606908"/>
+      </p:ext>
+    </p:extLst>
+  </p:cSld>
+  <p:clrMapOvr>
+    <a:masterClrMapping/>
+  </p:clrMapOvr>
+</p:sld>
+</file>
+
+<file path=ppt/slides/slide43.xml><?xml version="1.0" encoding="utf-8"?>
+<p:sld xmlns:a="http://schemas.openxmlformats.org/drawingml/2006/main" xmlns:r="http://schemas.openxmlformats.org/officeDocument/2006/relationships" xmlns:p="http://schemas.openxmlformats.org/presentationml/2006/main">
+  <p:cSld>
+    <p:spTree>
+      <p:nvGrpSpPr>
+        <p:cNvPr id="1" name=""/>
+        <p:cNvGrpSpPr/>
+        <p:nvPr/>
+      </p:nvGrpSpPr>
+      <p:grpSpPr>
+        <a:xfrm>
+          <a:off x="0" y="0"/>
+          <a:ext cx="0" cy="0"/>
+          <a:chOff x="0" y="0"/>
+          <a:chExt cx="0" cy="0"/>
+        </a:xfrm>
+      </p:grpSpPr>
+      <p:pic>
+        <p:nvPicPr>
+          <p:cNvPr id="2" name="Picture 1"/>
+          <p:cNvPicPr>
+            <a:picLocks noChangeAspect="1"/>
+          </p:cNvPicPr>
+          <p:nvPr/>
+        </p:nvPicPr>
+        <p:blipFill>
+          <a:blip r:embed="rId2"/>
+          <a:stretch>
+            <a:fillRect/>
+          </a:stretch>
+        </p:blipFill>
+        <p:spPr>
+          <a:xfrm>
+            <a:off x="313178" y="990600"/>
+            <a:ext cx="8517643" cy="3324838"/>
+          </a:xfrm>
+          <a:prstGeom prst="roundRect">
+            <a:avLst>
+              <a:gd name="adj" fmla="val 0"/>
+            </a:avLst>
+          </a:prstGeom>
+          <a:solidFill>
+            <a:srgbClr val="FFFFFF">
+              <a:shade val="85000"/>
+            </a:srgbClr>
+          </a:solidFill>
+          <a:ln>
+            <a:noFill/>
+          </a:ln>
+          <a:effectLst>
+            <a:reflection blurRad="12700" stA="38000" endPos="28000" dist="5000" dir="5400000" sy="-100000" algn="bl" rotWithShape="0"/>
+          </a:effectLst>
+        </p:spPr>
+      </p:pic>
+      <p:sp>
+        <p:nvSpPr>
+          <p:cNvPr id="5" name="Title 4"/>
+          <p:cNvSpPr>
+            <a:spLocks noGrp="1"/>
+          </p:cNvSpPr>
+          <p:nvPr>
+            <p:ph type="ctrTitle"/>
+          </p:nvPr>
+        </p:nvSpPr>
+        <p:spPr>
+          <a:xfrm>
+            <a:off x="609600" y="5105400"/>
+            <a:ext cx="7924800" cy="685800"/>
+          </a:xfrm>
+        </p:spPr>
+        <p:txBody>
+          <a:bodyPr/>
+          <a:lstStyle/>
+          <a:p>
+            <a:r>
+              <a:rPr lang="en-US" dirty="0"/>
+              <a:t>Demo</a:t>
+            </a:r>
+            <a:r>
+              <a:rPr lang="en-US" dirty="0" smtClean="0"/>
+              <a:t>: Glimpse</a:t>
+            </a:r>
+            <a:endParaRPr lang="en-US" dirty="0"/>
+          </a:p>
+        </p:txBody>
+      </p:sp>
+    </p:spTree>
+    <p:extLst>
+      <p:ext uri="{BB962C8B-B14F-4D97-AF65-F5344CB8AC3E}">
         <p14:creationId xmlns:p14="http://schemas.microsoft.com/office/powerpoint/2010/main" val="2338881311"/>
+      </p:ext>
+    </p:extLst>
+  </p:cSld>
+  <p:clrMapOvr>
+    <a:masterClrMapping/>
+  </p:clrMapOvr>
+  <p:timing>
+    <p:tnLst>
+      <p:par>
+        <p:cTn id="1" dur="indefinite" restart="never" nodeType="tmRoot"/>
+      </p:par>
+    </p:tnLst>
+  </p:timing>
+</p:sld>
+</file>
+
+<file path=ppt/slides/slide44.xml><?xml version="1.0" encoding="utf-8"?>
+<p:sld xmlns:a="http://schemas.openxmlformats.org/drawingml/2006/main" xmlns:r="http://schemas.openxmlformats.org/officeDocument/2006/relationships" xmlns:p="http://schemas.openxmlformats.org/presentationml/2006/main">
+  <p:cSld>
+    <p:spTree>
+      <p:nvGrpSpPr>
+        <p:cNvPr id="1" name=""/>
+        <p:cNvGrpSpPr/>
+        <p:nvPr/>
+      </p:nvGrpSpPr>
+      <p:grpSpPr>
+        <a:xfrm>
+          <a:off x="0" y="0"/>
+          <a:ext cx="0" cy="0"/>
+          <a:chOff x="0" y="0"/>
+          <a:chExt cx="0" cy="0"/>
+        </a:xfrm>
+      </p:grpSpPr>
+      <p:sp>
+        <p:nvSpPr>
+          <p:cNvPr id="2" name="Title 1"/>
+          <p:cNvSpPr>
+            <a:spLocks noGrp="1"/>
+          </p:cNvSpPr>
+          <p:nvPr>
+            <p:ph type="title"/>
+          </p:nvPr>
+        </p:nvSpPr>
+        <p:spPr/>
+        <p:txBody>
+          <a:bodyPr/>
+          <a:lstStyle/>
+          <a:p>
+            <a:r>
+              <a:rPr lang="en-US" dirty="0" smtClean="0"/>
+              <a:t>Summary</a:t>
+            </a:r>
+            <a:endParaRPr lang="en-US" dirty="0"/>
+          </a:p>
+        </p:txBody>
+      </p:sp>
+      <p:sp>
+        <p:nvSpPr>
+          <p:cNvPr id="3" name="Content Placeholder 2"/>
+          <p:cNvSpPr>
+            <a:spLocks noGrp="1"/>
+          </p:cNvSpPr>
+          <p:nvPr>
+            <p:ph idx="1"/>
+          </p:nvPr>
+        </p:nvSpPr>
+        <p:spPr>
+          <a:xfrm>
+            <a:off x="228600" y="838200"/>
+            <a:ext cx="8763000" cy="5791200"/>
+          </a:xfrm>
+        </p:spPr>
+        <p:txBody>
+          <a:bodyPr/>
+          <a:lstStyle/>
+          <a:p>
+            <a:pPr>
+              <a:spcBef>
+                <a:spcPts val="300"/>
+              </a:spcBef>
+            </a:pPr>
+            <a:r>
+              <a:rPr lang="en-US" dirty="0" smtClean="0"/>
+              <a:t>HTTP </a:t>
+            </a:r>
+            <a:r>
+              <a:rPr lang="en-US" dirty="0"/>
+              <a:t>is </a:t>
+            </a:r>
+            <a:r>
+              <a:rPr lang="en-US" dirty="0" smtClean="0"/>
+              <a:t>a client-server </a:t>
+            </a:r>
+            <a:r>
+              <a:rPr lang="en-US" dirty="0"/>
+              <a:t>protocol for transferring </a:t>
+            </a:r>
+            <a:r>
+              <a:rPr lang="en-US" dirty="0" smtClean="0"/>
+              <a:t>web resources via Internet</a:t>
+            </a:r>
+          </a:p>
+          <a:p>
+            <a:pPr>
+              <a:spcBef>
+                <a:spcPts val="300"/>
+              </a:spcBef>
+            </a:pPr>
+            <a:r>
+              <a:rPr lang="en-US" dirty="0" smtClean="0"/>
+              <a:t>Model–view–controller </a:t>
+            </a:r>
+            <a:r>
+              <a:rPr lang="en-US" dirty="0"/>
+              <a:t>(MVC) is a software architecture </a:t>
+            </a:r>
+            <a:r>
+              <a:rPr lang="en-US" dirty="0" smtClean="0"/>
+              <a:t>pattern</a:t>
+            </a:r>
+          </a:p>
+          <a:p>
+            <a:pPr>
+              <a:spcBef>
+                <a:spcPts val="300"/>
+              </a:spcBef>
+            </a:pPr>
+            <a:r>
+              <a:rPr lang="en-US" dirty="0" smtClean="0"/>
+              <a:t>ASP.NET MVC is a great platform for developing Internet applications</a:t>
+            </a:r>
+          </a:p>
+          <a:p>
+            <a:pPr>
+              <a:spcBef>
+                <a:spcPts val="300"/>
+              </a:spcBef>
+            </a:pPr>
+            <a:r>
+              <a:rPr lang="en-US" dirty="0" smtClean="0"/>
+              <a:t>Visual Studio is the main development tool for creating ASP.NET MVC applications</a:t>
+            </a:r>
+          </a:p>
+          <a:p>
+            <a:pPr lvl="1">
+              <a:spcBef>
+                <a:spcPts val="300"/>
+              </a:spcBef>
+            </a:pPr>
+            <a:r>
+              <a:rPr lang="en-US" dirty="0" smtClean="0"/>
+              <a:t>Almost everything in ASP.NET MVC is a package</a:t>
+            </a:r>
+          </a:p>
+          <a:p>
+            <a:pPr>
+              <a:spcBef>
+                <a:spcPts val="300"/>
+              </a:spcBef>
+            </a:pPr>
+            <a:r>
+              <a:rPr lang="en-US" dirty="0" smtClean="0"/>
+              <a:t>Glimpse is a tool that helps with debugging</a:t>
+            </a:r>
+          </a:p>
+        </p:txBody>
+      </p:sp>
+      <p:sp>
+        <p:nvSpPr>
+          <p:cNvPr id="4" name="Slide Number Placeholder 3"/>
+          <p:cNvSpPr>
+            <a:spLocks noGrp="1"/>
+          </p:cNvSpPr>
+          <p:nvPr>
+            <p:ph type="sldNum" sz="quarter" idx="10"/>
+          </p:nvPr>
+        </p:nvSpPr>
+        <p:spPr/>
+        <p:txBody>
+          <a:bodyPr/>
+          <a:lstStyle/>
+          <a:p>
+            <a:pPr>
+              <a:defRPr/>
+            </a:pPr>
+            <a:fld id="{58452FF4-89E3-4D1B-9927-2DBDC00E58D7}" type="slidenum">
+              <a:rPr lang="en-US" smtClean="0"/>
+              <a:pPr>
+                <a:defRPr/>
+              </a:pPr>
+              <a:t>44</a:t>
+            </a:fld>
+            <a:endParaRPr lang="en-US" dirty="0"/>
+          </a:p>
+        </p:txBody>
+      </p:sp>
+    </p:spTree>
+    <p:extLst>
+      <p:ext uri="{BB962C8B-B14F-4D97-AF65-F5344CB8AC3E}">
+        <p14:creationId xmlns:p14="http://schemas.microsoft.com/office/powerpoint/2010/main" val="1229180615"/>
       </p:ext>
     </p:extLst>
   </p:cSld>
@@ -26981,206 +27206,6 @@
           <a:lstStyle/>
           <a:p>
             <a:r>
-              <a:rPr lang="en-US" dirty="0" smtClean="0"/>
-              <a:t>Summary</a:t>
-            </a:r>
-            <a:endParaRPr lang="en-US" dirty="0"/>
-          </a:p>
-        </p:txBody>
-      </p:sp>
-      <p:sp>
-        <p:nvSpPr>
-          <p:cNvPr id="3" name="Content Placeholder 2"/>
-          <p:cNvSpPr>
-            <a:spLocks noGrp="1"/>
-          </p:cNvSpPr>
-          <p:nvPr>
-            <p:ph idx="1"/>
-          </p:nvPr>
-        </p:nvSpPr>
-        <p:spPr>
-          <a:xfrm>
-            <a:off x="228600" y="838200"/>
-            <a:ext cx="8763000" cy="5791200"/>
-          </a:xfrm>
-        </p:spPr>
-        <p:txBody>
-          <a:bodyPr/>
-          <a:lstStyle/>
-          <a:p>
-            <a:pPr>
-              <a:spcBef>
-                <a:spcPts val="300"/>
-              </a:spcBef>
-            </a:pPr>
-            <a:r>
-              <a:rPr lang="en-US" dirty="0" smtClean="0"/>
-              <a:t>HTTP </a:t>
-            </a:r>
-            <a:r>
-              <a:rPr lang="en-US" dirty="0"/>
-              <a:t>is </a:t>
-            </a:r>
-            <a:r>
-              <a:rPr lang="en-US" dirty="0" smtClean="0"/>
-              <a:t>a client-server </a:t>
-            </a:r>
-            <a:r>
-              <a:rPr lang="en-US" dirty="0"/>
-              <a:t>protocol for transferring </a:t>
-            </a:r>
-            <a:r>
-              <a:rPr lang="en-US" dirty="0" smtClean="0"/>
-              <a:t>web resources via Internet</a:t>
-            </a:r>
-          </a:p>
-          <a:p>
-            <a:pPr>
-              <a:spcBef>
-                <a:spcPts val="300"/>
-              </a:spcBef>
-            </a:pPr>
-            <a:r>
-              <a:rPr lang="en-US" dirty="0" smtClean="0"/>
-              <a:t>Model–view–controller </a:t>
-            </a:r>
-            <a:r>
-              <a:rPr lang="en-US" dirty="0"/>
-              <a:t>(MVC) is a software architecture </a:t>
-            </a:r>
-            <a:r>
-              <a:rPr lang="en-US" dirty="0" smtClean="0"/>
-              <a:t>pattern</a:t>
-            </a:r>
-          </a:p>
-          <a:p>
-            <a:pPr>
-              <a:spcBef>
-                <a:spcPts val="300"/>
-              </a:spcBef>
-            </a:pPr>
-            <a:r>
-              <a:rPr lang="en-US" dirty="0" smtClean="0"/>
-              <a:t>ASP.NET MVC is a great platform for developing Internet applications</a:t>
-            </a:r>
-          </a:p>
-          <a:p>
-            <a:pPr>
-              <a:spcBef>
-                <a:spcPts val="300"/>
-              </a:spcBef>
-            </a:pPr>
-            <a:r>
-              <a:rPr lang="en-US" dirty="0" smtClean="0"/>
-              <a:t>Visual Studio is the main development tool for creating ASP.NET MVC applications</a:t>
-            </a:r>
-          </a:p>
-          <a:p>
-            <a:pPr lvl="1">
-              <a:spcBef>
-                <a:spcPts val="300"/>
-              </a:spcBef>
-            </a:pPr>
-            <a:r>
-              <a:rPr lang="en-US" dirty="0" smtClean="0"/>
-              <a:t>Almost everything in ASP.NET MVC is a package</a:t>
-            </a:r>
-          </a:p>
-          <a:p>
-            <a:pPr>
-              <a:spcBef>
-                <a:spcPts val="300"/>
-              </a:spcBef>
-            </a:pPr>
-            <a:r>
-              <a:rPr lang="en-US" dirty="0" smtClean="0"/>
-              <a:t>Glimpse is a tool that helps with debugging</a:t>
-            </a:r>
-          </a:p>
-        </p:txBody>
-      </p:sp>
-      <p:sp>
-        <p:nvSpPr>
-          <p:cNvPr id="4" name="Slide Number Placeholder 3"/>
-          <p:cNvSpPr>
-            <a:spLocks noGrp="1"/>
-          </p:cNvSpPr>
-          <p:nvPr>
-            <p:ph type="sldNum" sz="quarter" idx="10"/>
-          </p:nvPr>
-        </p:nvSpPr>
-        <p:spPr/>
-        <p:txBody>
-          <a:bodyPr/>
-          <a:lstStyle/>
-          <a:p>
-            <a:pPr>
-              <a:defRPr/>
-            </a:pPr>
-            <a:fld id="{58452FF4-89E3-4D1B-9927-2DBDC00E58D7}" type="slidenum">
-              <a:rPr lang="en-US" smtClean="0"/>
-              <a:pPr>
-                <a:defRPr/>
-              </a:pPr>
-              <a:t>45</a:t>
-            </a:fld>
-            <a:endParaRPr lang="en-US" dirty="0"/>
-          </a:p>
-        </p:txBody>
-      </p:sp>
-    </p:spTree>
-    <p:extLst>
-      <p:ext uri="{BB962C8B-B14F-4D97-AF65-F5344CB8AC3E}">
-        <p14:creationId xmlns:p14="http://schemas.microsoft.com/office/powerpoint/2010/main" val="1229180615"/>
-      </p:ext>
-    </p:extLst>
-  </p:cSld>
-  <p:clrMapOvr>
-    <a:masterClrMapping/>
-  </p:clrMapOvr>
-  <p:timing>
-    <p:tnLst>
-      <p:par>
-        <p:cTn id="1" dur="indefinite" restart="never" nodeType="tmRoot"/>
-      </p:par>
-    </p:tnLst>
-  </p:timing>
-</p:sld>
-</file>
-
-<file path=ppt/slides/slide46.xml><?xml version="1.0" encoding="utf-8"?>
-<p:sld xmlns:a="http://schemas.openxmlformats.org/drawingml/2006/main" xmlns:r="http://schemas.openxmlformats.org/officeDocument/2006/relationships" xmlns:p="http://schemas.openxmlformats.org/presentationml/2006/main">
-  <p:cSld>
-    <p:spTree>
-      <p:nvGrpSpPr>
-        <p:cNvPr id="1" name=""/>
-        <p:cNvGrpSpPr/>
-        <p:nvPr/>
-      </p:nvGrpSpPr>
-      <p:grpSpPr>
-        <a:xfrm>
-          <a:off x="0" y="0"/>
-          <a:ext cx="0" cy="0"/>
-          <a:chOff x="0" y="0"/>
-          <a:chExt cx="0" cy="0"/>
-        </a:xfrm>
-      </p:grpSpPr>
-      <p:sp>
-        <p:nvSpPr>
-          <p:cNvPr id="2" name="Title 1"/>
-          <p:cNvSpPr>
-            <a:spLocks noGrp="1"/>
-          </p:cNvSpPr>
-          <p:nvPr>
-            <p:ph type="title"/>
-          </p:nvPr>
-        </p:nvSpPr>
-        <p:spPr/>
-        <p:txBody>
-          <a:bodyPr/>
-          <a:lstStyle/>
-          <a:p>
-            <a:r>
               <a:rPr lang="en-US" dirty="0"/>
               <a:t>Introduction to ASP.NET </a:t>
             </a:r>
@@ -27248,7 +27273,7 @@
 </p:sld>
 </file>
 
-<file path=ppt/slides/slide47.xml><?xml version="1.0" encoding="utf-8"?>
+<file path=ppt/slides/slide46.xml><?xml version="1.0" encoding="utf-8"?>
 <p:sld xmlns:a="http://schemas.openxmlformats.org/drawingml/2006/main" xmlns:r="http://schemas.openxmlformats.org/officeDocument/2006/relationships" xmlns:p="http://schemas.openxmlformats.org/presentationml/2006/main">
   <p:cSld>
     <p:spTree>
@@ -27711,7 +27736,7 @@
               <a:pPr>
                 <a:defRPr/>
               </a:pPr>
-              <a:t>47</a:t>
+              <a:t>46</a:t>
             </a:fld>
             <a:endParaRPr lang="en-US" dirty="0"/>
           </a:p>
@@ -28911,7 +28936,7 @@
         <p:spPr>
           <a:xfrm>
             <a:off x="323850" y="1066801"/>
-            <a:ext cx="8496300" cy="3352799"/>
+            <a:ext cx="8496300" cy="3505199"/>
           </a:xfrm>
         </p:spPr>
         <p:txBody>
@@ -28935,31 +28960,31 @@
               </a:lnSpc>
             </a:pPr>
             <a:r>
-              <a:rPr lang="en-US" sz="2800" dirty="0"/>
+              <a:rPr lang="en-US" dirty="0"/>
               <a:t>Request </a:t>
             </a:r>
             <a:r>
-              <a:rPr lang="en-US" sz="2800" dirty="0" smtClean="0"/>
+              <a:rPr lang="en-US" dirty="0" smtClean="0"/>
               <a:t>line – request </a:t>
             </a:r>
             <a:r>
-              <a:rPr lang="en-US" sz="2800" dirty="0"/>
+              <a:rPr lang="en-US" dirty="0"/>
               <a:t>method (GET, </a:t>
             </a:r>
             <a:r>
-              <a:rPr lang="en-US" sz="2800" dirty="0" smtClean="0"/>
+              <a:rPr lang="en-US" dirty="0" smtClean="0"/>
               <a:t>POST, HEAD</a:t>
             </a:r>
             <a:r>
-              <a:rPr lang="en-US" sz="2800" dirty="0"/>
+              <a:rPr lang="en-US" dirty="0"/>
               <a:t>, </a:t>
             </a:r>
             <a:r>
-              <a:rPr lang="en-US" sz="2800" dirty="0" smtClean="0"/>
+              <a:rPr lang="en-US" dirty="0" smtClean="0"/>
               <a:t>...), resource URI, </a:t>
             </a:r>
             <a:r>
-              <a:rPr lang="en-US" sz="2800" dirty="0"/>
+              <a:rPr lang="en-US" dirty="0"/>
               <a:t>and protocol version</a:t>
             </a:r>
           </a:p>
@@ -28970,14 +28995,14 @@
               </a:lnSpc>
             </a:pPr>
             <a:r>
-              <a:rPr lang="en-US" sz="2800" dirty="0"/>
+              <a:rPr lang="en-US" dirty="0"/>
               <a:t>Request </a:t>
             </a:r>
             <a:r>
-              <a:rPr lang="en-US" sz="2800" dirty="0" smtClean="0"/>
+              <a:rPr lang="en-US" dirty="0" smtClean="0"/>
               <a:t>headers – additional parameters</a:t>
             </a:r>
-            <a:endParaRPr lang="en-US" sz="2800" dirty="0"/>
+            <a:endParaRPr lang="en-US" dirty="0"/>
           </a:p>
           <a:p>
             <a:pPr lvl="1">
@@ -28986,7 +29011,7 @@
               </a:lnSpc>
             </a:pPr>
             <a:r>
-              <a:rPr lang="en-US" sz="2800" dirty="0" smtClean="0"/>
+              <a:rPr lang="en-US" dirty="0" smtClean="0"/>
               <a:t>Body – optional data</a:t>
             </a:r>
           </a:p>
@@ -28997,10 +29022,10 @@
               </a:lnSpc>
             </a:pPr>
             <a:r>
-              <a:rPr lang="en-US" sz="2600" dirty="0" smtClean="0"/>
+              <a:rPr lang="en-US" dirty="0" smtClean="0"/>
               <a:t>E.g. posted form data, files, etc.</a:t>
             </a:r>
-            <a:endParaRPr lang="en-US" sz="2600" dirty="0"/>
+            <a:endParaRPr lang="en-US" dirty="0"/>
           </a:p>
         </p:txBody>
       </p:sp>
@@ -29811,7 +29836,7 @@
               </a:lnSpc>
             </a:pPr>
             <a:r>
-              <a:rPr lang="en-US" sz="3000" dirty="0"/>
+              <a:rPr lang="en-US" dirty="0"/>
               <a:t>HTTP response code classes</a:t>
             </a:r>
           </a:p>
@@ -30094,11 +30119,11 @@
               </a:lnSpc>
             </a:pPr>
             <a:r>
-              <a:rPr lang="en-US" sz="3000" dirty="0"/>
+              <a:rPr lang="en-US" dirty="0"/>
               <a:t>"</a:t>
             </a:r>
             <a:r>
-              <a:rPr lang="bg-BG" sz="2800" dirty="0">
+              <a:rPr lang="bg-BG" dirty="0">
                 <a:solidFill>
                   <a:schemeClr val="accent5">
                     <a:lumMod val="20000"/>
@@ -30111,15 +30136,15 @@
               <a:t>302 Found</a:t>
             </a:r>
             <a:r>
-              <a:rPr lang="en-US" sz="3000" dirty="0"/>
+              <a:rPr lang="en-US" dirty="0"/>
               <a:t>"</a:t>
             </a:r>
             <a:r>
-              <a:rPr lang="bg-BG" sz="3000" dirty="0"/>
+              <a:rPr lang="bg-BG" dirty="0"/>
               <a:t> </a:t>
             </a:r>
             <a:r>
-              <a:rPr lang="en-US" sz="3000" dirty="0"/>
+              <a:rPr lang="en-US" dirty="0"/>
               <a:t>is used for redirecting the Web browser to another URL</a:t>
             </a:r>
           </a:p>
@@ -30240,7 +30265,7 @@
               </a:lnSpc>
             </a:pPr>
             <a:r>
-              <a:rPr lang="en-US" sz="3000" dirty="0">
+              <a:rPr lang="en-US" dirty="0">
                 <a:solidFill>
                   <a:schemeClr val="accent5">
                     <a:lumMod val="20000"/>
